--- a/ppt/2d 겜프-3차.pptx
+++ b/ppt/2d 겜프-3차.pptx
@@ -7,11 +7,8 @@
   </p:sldMasterIdLst>
   <p:sldIdLst>
     <p:sldId id="258" r:id="rId3"/>
-    <p:sldId id="265" r:id="rId4"/>
-    <p:sldId id="260" r:id="rId5"/>
-    <p:sldId id="262" r:id="rId6"/>
-    <p:sldId id="266" r:id="rId7"/>
-    <p:sldId id="268" r:id="rId8"/>
+    <p:sldId id="269" r:id="rId4"/>
+    <p:sldId id="268" r:id="rId5"/>
   </p:sldIdLst>
   <p:sldSz cx="12192000" cy="6858000"/>
   <p:notesSz cx="6858000" cy="9144000"/>
@@ -254,7 +251,7 @@
                 </a:solidFill>
               </a:rPr>
               <a:pPr/>
-              <a:t>2019-10-29</a:t>
+              <a:t>2019-11-24</a:t>
             </a:fld>
             <a:endParaRPr lang="ko-KR" altLang="en-US">
               <a:solidFill>
@@ -454,7 +451,7 @@
                 </a:solidFill>
               </a:rPr>
               <a:pPr/>
-              <a:t>2019-10-29</a:t>
+              <a:t>2019-11-24</a:t>
             </a:fld>
             <a:endParaRPr lang="ko-KR" altLang="en-US">
               <a:solidFill>
@@ -664,7 +661,7 @@
                 </a:solidFill>
               </a:rPr>
               <a:pPr/>
-              <a:t>2019-10-29</a:t>
+              <a:t>2019-11-24</a:t>
             </a:fld>
             <a:endParaRPr lang="ko-KR" altLang="en-US">
               <a:solidFill>
@@ -904,7 +901,7 @@
                 </a:solidFill>
               </a:rPr>
               <a:pPr/>
-              <a:t>2019-10-29</a:t>
+              <a:t>2019-11-24</a:t>
             </a:fld>
             <a:endParaRPr lang="ko-KR" altLang="en-US">
               <a:solidFill>
@@ -1134,7 +1131,7 @@
                 </a:solidFill>
               </a:rPr>
               <a:pPr/>
-              <a:t>2019-10-29</a:t>
+              <a:t>2019-11-24</a:t>
             </a:fld>
             <a:endParaRPr lang="ko-KR" altLang="en-US">
               <a:solidFill>
@@ -1441,7 +1438,7 @@
                 </a:solidFill>
               </a:rPr>
               <a:pPr/>
-              <a:t>2019-10-29</a:t>
+              <a:t>2019-11-24</a:t>
             </a:fld>
             <a:endParaRPr lang="ko-KR" altLang="en-US">
               <a:solidFill>
@@ -1738,7 +1735,7 @@
                 </a:solidFill>
               </a:rPr>
               <a:pPr/>
-              <a:t>2019-10-29</a:t>
+              <a:t>2019-11-24</a:t>
             </a:fld>
             <a:endParaRPr lang="ko-KR" altLang="en-US">
               <a:solidFill>
@@ -2182,7 +2179,7 @@
                 </a:solidFill>
               </a:rPr>
               <a:pPr/>
-              <a:t>2019-10-29</a:t>
+              <a:t>2019-11-24</a:t>
             </a:fld>
             <a:endParaRPr lang="ko-KR" altLang="en-US">
               <a:solidFill>
@@ -2355,7 +2352,7 @@
                 </a:solidFill>
               </a:rPr>
               <a:pPr/>
-              <a:t>2019-10-29</a:t>
+              <a:t>2019-11-24</a:t>
             </a:fld>
             <a:endParaRPr lang="ko-KR" altLang="en-US">
               <a:solidFill>
@@ -2500,7 +2497,7 @@
                 </a:solidFill>
               </a:rPr>
               <a:pPr/>
-              <a:t>2019-10-29</a:t>
+              <a:t>2019-11-24</a:t>
             </a:fld>
             <a:endParaRPr lang="ko-KR" altLang="en-US">
               <a:solidFill>
@@ -2843,7 +2840,7 @@
                 </a:solidFill>
               </a:rPr>
               <a:pPr/>
-              <a:t>2019-10-29</a:t>
+              <a:t>2019-11-24</a:t>
             </a:fld>
             <a:endParaRPr lang="ko-KR" altLang="en-US">
               <a:solidFill>
@@ -3055,7 +3052,7 @@
                 </a:solidFill>
               </a:rPr>
               <a:pPr/>
-              <a:t>2019-10-29</a:t>
+              <a:t>2019-11-24</a:t>
             </a:fld>
             <a:endParaRPr lang="ko-KR" altLang="en-US">
               <a:solidFill>
@@ -3363,7 +3360,7 @@
                 </a:solidFill>
               </a:rPr>
               <a:pPr/>
-              <a:t>2019-10-29</a:t>
+              <a:t>2019-11-24</a:t>
             </a:fld>
             <a:endParaRPr lang="ko-KR" altLang="en-US">
               <a:solidFill>
@@ -3593,7 +3590,7 @@
                 </a:solidFill>
               </a:rPr>
               <a:pPr/>
-              <a:t>2019-10-29</a:t>
+              <a:t>2019-11-24</a:t>
             </a:fld>
             <a:endParaRPr lang="ko-KR" altLang="en-US">
               <a:solidFill>
@@ -3833,7 +3830,7 @@
                 </a:solidFill>
               </a:rPr>
               <a:pPr/>
-              <a:t>2019-10-29</a:t>
+              <a:t>2019-11-24</a:t>
             </a:fld>
             <a:endParaRPr lang="ko-KR" altLang="en-US">
               <a:solidFill>
@@ -4122,7 +4119,7 @@
                 </a:solidFill>
               </a:rPr>
               <a:pPr/>
-              <a:t>2019-10-29</a:t>
+              <a:t>2019-11-24</a:t>
             </a:fld>
             <a:endParaRPr lang="ko-KR" altLang="en-US">
               <a:solidFill>
@@ -4383,7 +4380,7 @@
                 </a:solidFill>
               </a:rPr>
               <a:pPr/>
-              <a:t>2019-10-29</a:t>
+              <a:t>2019-11-24</a:t>
             </a:fld>
             <a:endParaRPr lang="ko-KR" altLang="en-US">
               <a:solidFill>
@@ -4779,7 +4776,7 @@
                 </a:solidFill>
               </a:rPr>
               <a:pPr/>
-              <a:t>2019-10-29</a:t>
+              <a:t>2019-11-24</a:t>
             </a:fld>
             <a:endParaRPr lang="ko-KR" altLang="en-US">
               <a:solidFill>
@@ -4928,7 +4925,7 @@
                 </a:solidFill>
               </a:rPr>
               <a:pPr/>
-              <a:t>2019-10-29</a:t>
+              <a:t>2019-11-24</a:t>
             </a:fld>
             <a:endParaRPr lang="ko-KR" altLang="en-US">
               <a:solidFill>
@@ -5055,7 +5052,7 @@
                 </a:solidFill>
               </a:rPr>
               <a:pPr/>
-              <a:t>2019-10-29</a:t>
+              <a:t>2019-11-24</a:t>
             </a:fld>
             <a:endParaRPr lang="ko-KR" altLang="en-US">
               <a:solidFill>
@@ -5362,7 +5359,7 @@
                 </a:solidFill>
               </a:rPr>
               <a:pPr/>
-              <a:t>2019-10-29</a:t>
+              <a:t>2019-11-24</a:t>
             </a:fld>
             <a:endParaRPr lang="ko-KR" altLang="en-US">
               <a:solidFill>
@@ -5646,7 +5643,7 @@
                 </a:solidFill>
               </a:rPr>
               <a:pPr/>
-              <a:t>2019-10-29</a:t>
+              <a:t>2019-11-24</a:t>
             </a:fld>
             <a:endParaRPr lang="ko-KR" altLang="en-US">
               <a:solidFill>
@@ -5889,7 +5886,7 @@
                 </a:solidFill>
               </a:rPr>
               <a:pPr/>
-              <a:t>2019-10-29</a:t>
+              <a:t>2019-11-24</a:t>
             </a:fld>
             <a:endParaRPr lang="ko-KR" altLang="en-US">
               <a:solidFill>
@@ -6477,7 +6474,7 @@
                 </a:solidFill>
               </a:rPr>
               <a:pPr/>
-              <a:t>2019-10-29</a:t>
+              <a:t>2019-11-24</a:t>
             </a:fld>
             <a:endParaRPr lang="ko-KR" altLang="en-US">
               <a:solidFill>
@@ -7053,7 +7050,7 @@
                   <a:prstClr val="white"/>
                 </a:solidFill>
               </a:rPr>
-              <a:t>2</a:t>
+              <a:t>3</a:t>
             </a:r>
             <a:r>
               <a:rPr lang="ko-KR" altLang="en-US" sz="1600" b="1" dirty="0">
@@ -7341,133 +7338,14 @@
       </p:grpSpPr>
       <p:sp>
         <p:nvSpPr>
-          <p:cNvPr id="37" name="직사각형 36"/>
+          <p:cNvPr id="18" name="직사각형 17"/>
           <p:cNvSpPr/>
           <p:nvPr/>
         </p:nvSpPr>
         <p:spPr>
           <a:xfrm>
-            <a:off x="591910" y="1219094"/>
-            <a:ext cx="2774994" cy="574966"/>
-          </a:xfrm>
-          <a:prstGeom prst="rect">
-            <a:avLst/>
-          </a:prstGeom>
-        </p:spPr>
-        <p:txBody>
-          <a:bodyPr wrap="square">
-            <a:spAutoFit/>
-          </a:bodyPr>
-          <a:lstStyle/>
-          <a:p>
-            <a:pPr>
-              <a:lnSpc>
-                <a:spcPct val="150000"/>
-              </a:lnSpc>
-            </a:pPr>
-            <a:r>
-              <a:rPr lang="en-US" altLang="ko-KR" sz="2400" b="1" dirty="0">
-                <a:solidFill>
-                  <a:srgbClr val="38627B"/>
-                </a:solidFill>
-              </a:rPr>
-              <a:t>HIGH CONCEPT </a:t>
-            </a:r>
-          </a:p>
-        </p:txBody>
-      </p:sp>
-      <p:sp>
-        <p:nvSpPr>
-          <p:cNvPr id="90" name="사각형 설명선 89"/>
-          <p:cNvSpPr/>
-          <p:nvPr/>
-        </p:nvSpPr>
-        <p:spPr>
-          <a:xfrm>
-            <a:off x="9417805" y="568459"/>
-            <a:ext cx="2365372" cy="784553"/>
-          </a:xfrm>
-          <a:prstGeom prst="wedgeRectCallout">
-            <a:avLst>
-              <a:gd name="adj1" fmla="val -56325"/>
-              <a:gd name="adj2" fmla="val 77843"/>
-            </a:avLst>
-          </a:prstGeom>
-          <a:solidFill>
-            <a:srgbClr val="2C303A"/>
-          </a:solidFill>
-          <a:ln>
-            <a:noFill/>
-          </a:ln>
-        </p:spPr>
-        <p:style>
-          <a:lnRef idx="2">
-            <a:schemeClr val="accent1">
-              <a:shade val="50000"/>
-            </a:schemeClr>
-          </a:lnRef>
-          <a:fillRef idx="1">
-            <a:schemeClr val="accent1"/>
-          </a:fillRef>
-          <a:effectRef idx="0">
-            <a:schemeClr val="accent1"/>
-          </a:effectRef>
-          <a:fontRef idx="minor">
-            <a:schemeClr val="lt1"/>
-          </a:fontRef>
-        </p:style>
-        <p:txBody>
-          <a:bodyPr rtlCol="0" anchor="ctr"/>
-          <a:lstStyle/>
-          <a:p>
-            <a:pPr algn="ctr" latinLnBrk="0">
-              <a:lnSpc>
-                <a:spcPct val="150000"/>
-              </a:lnSpc>
-              <a:defRPr/>
-            </a:pPr>
-            <a:r>
-              <a:rPr lang="ko-KR" altLang="en-US" sz="1600" b="1" kern="0" dirty="0" err="1">
-                <a:solidFill>
-                  <a:prstClr val="white"/>
-                </a:solidFill>
-              </a:rPr>
-              <a:t>스트라이커즈</a:t>
-            </a:r>
-            <a:r>
-              <a:rPr lang="ko-KR" altLang="en-US" sz="1600" b="1" kern="0" dirty="0">
-                <a:solidFill>
-                  <a:prstClr val="white"/>
-                </a:solidFill>
-              </a:rPr>
-              <a:t> </a:t>
-            </a:r>
-            <a:r>
-              <a:rPr lang="en-US" altLang="ko-KR" sz="1600" b="1" kern="0" dirty="0">
-                <a:solidFill>
-                  <a:prstClr val="white"/>
-                </a:solidFill>
-              </a:rPr>
-              <a:t>1945</a:t>
-            </a:r>
-            <a:endParaRPr lang="en-US" altLang="ko-KR" sz="1600" kern="0" dirty="0">
-              <a:solidFill>
-                <a:prstClr val="white"/>
-              </a:solidFill>
-            </a:endParaRPr>
-          </a:p>
-        </p:txBody>
-      </p:sp>
-      <p:sp>
-        <p:nvSpPr>
-          <p:cNvPr id="31" name="직사각형 30"/>
-          <p:cNvSpPr/>
-          <p:nvPr/>
-        </p:nvSpPr>
-        <p:spPr>
-          <a:xfrm>
-            <a:off x="591911" y="179874"/>
-            <a:ext cx="6096000" cy="939744"/>
+            <a:off x="158795" y="0"/>
+            <a:ext cx="6096000" cy="969496"/>
           </a:xfrm>
           <a:prstGeom prst="rect">
             <a:avLst/>
@@ -7486,18 +7364,13 @@
               <a:defRPr/>
             </a:pPr>
             <a:r>
-              <a:rPr lang="ko-KR" altLang="en-US" sz="2800" b="1" i="1" dirty="0">
+              <a:rPr lang="ko-KR" altLang="en-US" sz="2800" b="1" dirty="0">
                 <a:solidFill>
                   <a:srgbClr val="2C303A"/>
                 </a:solidFill>
               </a:rPr>
-              <a:t>게임 컨셉</a:t>
-            </a:r>
-            <a:endParaRPr lang="en-US" altLang="ko-KR" sz="2800" b="1" i="1" dirty="0">
-              <a:solidFill>
-                <a:srgbClr val="2C303A"/>
-              </a:solidFill>
-            </a:endParaRPr>
+              <a:t>개발 진척도</a:t>
+            </a:r>
           </a:p>
           <a:p>
             <a:pPr>
@@ -7515,40 +7388,7 @@
                   </a:prstClr>
                 </a:solidFill>
               </a:rPr>
-              <a:t>Fly High 1997 – </a:t>
-            </a:r>
-            <a:r>
-              <a:rPr lang="ko-KR" altLang="en-US" sz="1000" dirty="0">
-                <a:solidFill>
-                  <a:prstClr val="black">
-                    <a:lumMod val="75000"/>
-                    <a:lumOff val="25000"/>
-                  </a:prstClr>
-                </a:solidFill>
-              </a:rPr>
-              <a:t>고전 종 스크롤 </a:t>
-            </a:r>
-            <a:r>
-              <a:rPr lang="en-US" altLang="ko-KR" sz="1000" dirty="0">
-                <a:solidFill>
-                  <a:prstClr val="black">
-                    <a:lumMod val="75000"/>
-                    <a:lumOff val="25000"/>
-                  </a:prstClr>
-                </a:solidFill>
-              </a:rPr>
-              <a:t>2D </a:t>
-            </a:r>
-            <a:r>
-              <a:rPr lang="ko-KR" altLang="en-US" sz="1000" dirty="0">
-                <a:solidFill>
-                  <a:prstClr val="black">
-                    <a:lumMod val="75000"/>
-                    <a:lumOff val="25000"/>
-                  </a:prstClr>
-                </a:solidFill>
-              </a:rPr>
-              <a:t>슈팅 게임</a:t>
+              <a:t>Fly high 1997</a:t>
             </a:r>
             <a:endParaRPr lang="ko-KR" altLang="en-US" sz="2800" dirty="0">
               <a:solidFill>
@@ -7561,398 +7401,1093 @@
           </a:p>
         </p:txBody>
       </p:sp>
-      <p:sp>
-        <p:nvSpPr>
-          <p:cNvPr id="38" name="직사각형 37">
+      <p:graphicFrame>
+        <p:nvGraphicFramePr>
+          <p:cNvPr id="2" name="표 2">
             <a:extLst>
               <a:ext uri="{FF2B5EF4-FFF2-40B4-BE49-F238E27FC236}">
-                <a16:creationId xmlns:a16="http://schemas.microsoft.com/office/drawing/2014/main" id="{676480CA-85FB-4BF8-9044-87100291F42D}"/>
+                <a16:creationId xmlns:a16="http://schemas.microsoft.com/office/drawing/2014/main" id="{14220628-CA72-4D01-AF86-22ACD169A245}"/>
               </a:ext>
             </a:extLst>
           </p:cNvPr>
-          <p:cNvSpPr/>
-          <p:nvPr/>
-        </p:nvSpPr>
-        <p:spPr>
-          <a:xfrm>
-            <a:off x="622579" y="1582232"/>
-            <a:ext cx="2065600" cy="313547"/>
-          </a:xfrm>
-          <a:prstGeom prst="rect">
-            <a:avLst/>
-          </a:prstGeom>
-        </p:spPr>
-        <p:txBody>
-          <a:bodyPr wrap="square">
-            <a:spAutoFit/>
-          </a:bodyPr>
-          <a:lstStyle/>
-          <a:p>
-            <a:pPr>
-              <a:lnSpc>
-                <a:spcPct val="150000"/>
-              </a:lnSpc>
-            </a:pPr>
-            <a:endParaRPr lang="en-US" altLang="ko-KR" sz="1100" b="1" dirty="0">
-              <a:solidFill>
-                <a:srgbClr val="38627B"/>
-              </a:solidFill>
-            </a:endParaRPr>
-          </a:p>
-        </p:txBody>
-      </p:sp>
-      <p:pic>
-        <p:nvPicPr>
-          <p:cNvPr id="1026" name="Picture 2" descr="ìê°ê°ë ì¤ ëª¨ë¥´ë ì¶ìµì ê³ ì ê²ìì ìííë¤ë©´..ë ì´ê±°!?">
-            <a:extLst>
-              <a:ext uri="{FF2B5EF4-FFF2-40B4-BE49-F238E27FC236}">
-                <a16:creationId xmlns:a16="http://schemas.microsoft.com/office/drawing/2014/main" id="{4742657F-D343-4BA8-AB6B-0C2F1DCABCD2}"/>
-              </a:ext>
-            </a:extLst>
-          </p:cNvPr>
-          <p:cNvPicPr>
-            <a:picLocks noChangeAspect="1" noChangeArrowheads="1"/>
-          </p:cNvPicPr>
-          <p:nvPr/>
-        </p:nvPicPr>
-        <p:blipFill>
-          <a:blip r:embed="rId2">
-            <a:extLst>
-              <a:ext uri="{28A0092B-C50C-407E-A947-70E740481C1C}">
-                <a14:useLocalDpi xmlns:a14="http://schemas.microsoft.com/office/drawing/2010/main" val="0"/>
-              </a:ext>
-            </a:extLst>
-          </a:blip>
-          <a:srcRect/>
-          <a:stretch>
-            <a:fillRect/>
-          </a:stretch>
-        </p:blipFill>
-        <p:spPr bwMode="auto">
-          <a:xfrm>
-            <a:off x="7829191" y="1582232"/>
-            <a:ext cx="3747679" cy="4986319"/>
-          </a:xfrm>
-          <a:prstGeom prst="rect">
-            <a:avLst/>
-          </a:prstGeom>
-          <a:noFill/>
-          <a:extLst>
-            <a:ext uri="{909E8E84-426E-40DD-AFC4-6F175D3DCCD1}">
-              <a14:hiddenFill xmlns:a14="http://schemas.microsoft.com/office/drawing/2010/main">
-                <a:solidFill>
-                  <a:srgbClr val="FFFFFF"/>
-                </a:solidFill>
-              </a14:hiddenFill>
-            </a:ext>
-          </a:extLst>
-        </p:spPr>
-      </p:pic>
-      <p:sp>
-        <p:nvSpPr>
-          <p:cNvPr id="12" name="직사각형 11">
-            <a:extLst>
-              <a:ext uri="{FF2B5EF4-FFF2-40B4-BE49-F238E27FC236}">
-                <a16:creationId xmlns:a16="http://schemas.microsoft.com/office/drawing/2014/main" id="{2375F2F2-40F1-417A-9747-0E39DDB7B5CA}"/>
-              </a:ext>
-            </a:extLst>
-          </p:cNvPr>
-          <p:cNvSpPr/>
-          <p:nvPr/>
-        </p:nvSpPr>
-        <p:spPr>
-          <a:xfrm>
-            <a:off x="591908" y="2259054"/>
-            <a:ext cx="3425536" cy="574966"/>
-          </a:xfrm>
-          <a:prstGeom prst="rect">
-            <a:avLst/>
-          </a:prstGeom>
-        </p:spPr>
-        <p:txBody>
-          <a:bodyPr wrap="square">
-            <a:spAutoFit/>
-          </a:bodyPr>
-          <a:lstStyle/>
-          <a:p>
-            <a:pPr>
-              <a:lnSpc>
-                <a:spcPct val="150000"/>
-              </a:lnSpc>
-            </a:pPr>
-            <a:r>
-              <a:rPr lang="en-US" altLang="ko-KR" sz="2400" b="1" dirty="0">
-                <a:solidFill>
-                  <a:srgbClr val="38627B"/>
-                </a:solidFill>
-              </a:rPr>
-              <a:t>▷</a:t>
-            </a:r>
-            <a:r>
-              <a:rPr lang="ko-KR" altLang="en-US" sz="2400" b="1" dirty="0">
-                <a:solidFill>
-                  <a:srgbClr val="FFC000"/>
-                </a:solidFill>
-              </a:rPr>
-              <a:t>다양한</a:t>
-            </a:r>
-            <a:r>
-              <a:rPr lang="ko-KR" altLang="en-US" sz="2400" b="1" dirty="0">
-                <a:solidFill>
-                  <a:srgbClr val="38627B"/>
-                </a:solidFill>
-              </a:rPr>
-              <a:t> 공격 타입</a:t>
-            </a:r>
-            <a:endParaRPr lang="en-US" altLang="ko-KR" sz="2400" b="1" dirty="0">
-              <a:solidFill>
-                <a:srgbClr val="38627B"/>
-              </a:solidFill>
-            </a:endParaRPr>
-          </a:p>
-        </p:txBody>
-      </p:sp>
-      <p:sp>
-        <p:nvSpPr>
-          <p:cNvPr id="13" name="직사각형 12">
-            <a:extLst>
-              <a:ext uri="{FF2B5EF4-FFF2-40B4-BE49-F238E27FC236}">
-                <a16:creationId xmlns:a16="http://schemas.microsoft.com/office/drawing/2014/main" id="{78E303E2-C134-40F7-B499-C7359E76E1A7}"/>
-              </a:ext>
-            </a:extLst>
-          </p:cNvPr>
-          <p:cNvSpPr/>
-          <p:nvPr/>
-        </p:nvSpPr>
-        <p:spPr>
-          <a:xfrm>
-            <a:off x="591909" y="2724048"/>
-            <a:ext cx="3740231" cy="574966"/>
-          </a:xfrm>
-          <a:prstGeom prst="rect">
-            <a:avLst/>
-          </a:prstGeom>
-        </p:spPr>
-        <p:txBody>
-          <a:bodyPr wrap="square">
-            <a:spAutoFit/>
-          </a:bodyPr>
-          <a:lstStyle/>
-          <a:p>
-            <a:pPr>
-              <a:lnSpc>
-                <a:spcPct val="150000"/>
-              </a:lnSpc>
-            </a:pPr>
-            <a:r>
-              <a:rPr lang="en-US" altLang="ko-KR" sz="2400" b="1" dirty="0">
-                <a:solidFill>
-                  <a:srgbClr val="38627B"/>
-                </a:solidFill>
-              </a:rPr>
-              <a:t>▷</a:t>
-            </a:r>
-            <a:r>
-              <a:rPr lang="ko-KR" altLang="en-US" sz="2400" b="1" dirty="0">
-                <a:solidFill>
-                  <a:srgbClr val="38627B"/>
-                </a:solidFill>
-              </a:rPr>
-              <a:t>너만 있냐 </a:t>
-            </a:r>
-            <a:r>
-              <a:rPr lang="ko-KR" altLang="en-US" sz="2400" b="1" dirty="0">
-                <a:solidFill>
-                  <a:schemeClr val="accent6"/>
-                </a:solidFill>
-              </a:rPr>
-              <a:t>나도 있다</a:t>
-            </a:r>
-            <a:r>
-              <a:rPr lang="en-US" altLang="ko-KR" sz="2400" b="1" dirty="0">
-                <a:solidFill>
-                  <a:srgbClr val="38627B"/>
-                </a:solidFill>
-              </a:rPr>
-              <a:t>~</a:t>
-            </a:r>
-          </a:p>
-        </p:txBody>
-      </p:sp>
-      <p:sp>
-        <p:nvSpPr>
-          <p:cNvPr id="15" name="직사각형 14">
-            <a:extLst>
-              <a:ext uri="{FF2B5EF4-FFF2-40B4-BE49-F238E27FC236}">
-                <a16:creationId xmlns:a16="http://schemas.microsoft.com/office/drawing/2014/main" id="{578A65E9-9551-44AF-9ED0-DDBE5FCA7634}"/>
-              </a:ext>
-            </a:extLst>
-          </p:cNvPr>
-          <p:cNvSpPr/>
-          <p:nvPr/>
-        </p:nvSpPr>
-        <p:spPr>
-          <a:xfrm>
-            <a:off x="591909" y="1747816"/>
-            <a:ext cx="3740231" cy="574966"/>
-          </a:xfrm>
-          <a:prstGeom prst="rect">
-            <a:avLst/>
-          </a:prstGeom>
-        </p:spPr>
-        <p:txBody>
-          <a:bodyPr wrap="square">
-            <a:spAutoFit/>
-          </a:bodyPr>
-          <a:lstStyle/>
-          <a:p>
-            <a:pPr>
-              <a:lnSpc>
-                <a:spcPct val="150000"/>
-              </a:lnSpc>
-            </a:pPr>
-            <a:r>
-              <a:rPr lang="en-US" altLang="ko-KR" sz="2400" b="1" dirty="0">
-                <a:solidFill>
-                  <a:srgbClr val="38627B"/>
-                </a:solidFill>
-              </a:rPr>
-              <a:t>▷</a:t>
-            </a:r>
-            <a:r>
-              <a:rPr lang="ko-KR" altLang="en-US" sz="2400" b="1" dirty="0">
-                <a:solidFill>
-                  <a:srgbClr val="38627B"/>
-                </a:solidFill>
-              </a:rPr>
-              <a:t>좁아 터졌다 </a:t>
-            </a:r>
-            <a:r>
-              <a:rPr lang="ko-KR" altLang="en-US" sz="2400" b="1" dirty="0" err="1">
-                <a:solidFill>
-                  <a:srgbClr val="00B0F0"/>
-                </a:solidFill>
-              </a:rPr>
-              <a:t>크게하자</a:t>
-            </a:r>
-            <a:r>
-              <a:rPr lang="en-US" altLang="ko-KR" sz="2400" b="1" dirty="0">
-                <a:solidFill>
-                  <a:srgbClr val="38627B"/>
-                </a:solidFill>
-              </a:rPr>
-              <a:t>!</a:t>
-            </a:r>
-          </a:p>
-        </p:txBody>
-      </p:sp>
-      <p:sp>
-        <p:nvSpPr>
-          <p:cNvPr id="17" name="직사각형 16">
-            <a:extLst>
-              <a:ext uri="{FF2B5EF4-FFF2-40B4-BE49-F238E27FC236}">
-                <a16:creationId xmlns:a16="http://schemas.microsoft.com/office/drawing/2014/main" id="{5B790816-1570-4CCD-A7F0-A157BCFC54E8}"/>
-              </a:ext>
-            </a:extLst>
-          </p:cNvPr>
-          <p:cNvSpPr/>
-          <p:nvPr/>
-        </p:nvSpPr>
-        <p:spPr>
-          <a:xfrm>
-            <a:off x="591908" y="4221082"/>
-            <a:ext cx="6814542" cy="1417824"/>
-          </a:xfrm>
-          <a:prstGeom prst="rect">
-            <a:avLst/>
-          </a:prstGeom>
-        </p:spPr>
-        <p:txBody>
-          <a:bodyPr wrap="square">
-            <a:spAutoFit/>
-          </a:bodyPr>
-          <a:lstStyle/>
-          <a:p>
-            <a:pPr marL="342900" indent="-342900">
-              <a:lnSpc>
-                <a:spcPct val="150000"/>
-              </a:lnSpc>
-              <a:buFont typeface="Arial" panose="020B0604020202020204" pitchFamily="34" charset="0"/>
-              <a:buChar char="•"/>
-            </a:pPr>
-            <a:r>
-              <a:rPr lang="ko-KR" altLang="en-US" sz="2000" b="1" dirty="0">
-                <a:solidFill>
-                  <a:srgbClr val="38627B"/>
-                </a:solidFill>
-              </a:rPr>
-              <a:t>좀더 큰 화면의  게임 환경과 다양한 재미 요소를 추가</a:t>
-            </a:r>
-            <a:r>
-              <a:rPr lang="en-US" altLang="ko-KR" sz="2000" b="1" dirty="0">
-                <a:solidFill>
-                  <a:srgbClr val="38627B"/>
-                </a:solidFill>
-              </a:rPr>
-              <a:t>!</a:t>
-            </a:r>
-          </a:p>
-          <a:p>
-            <a:pPr marL="342900" indent="-342900">
-              <a:lnSpc>
-                <a:spcPct val="150000"/>
-              </a:lnSpc>
-              <a:buFont typeface="Arial" panose="020B0604020202020204" pitchFamily="34" charset="0"/>
-              <a:buChar char="•"/>
-            </a:pPr>
-            <a:r>
-              <a:rPr lang="ko-KR" altLang="en-US" sz="2000" b="1" dirty="0">
-                <a:solidFill>
-                  <a:srgbClr val="38627B"/>
-                </a:solidFill>
-              </a:rPr>
-              <a:t>혼자만의 싸움의 아닌 아군의 지원</a:t>
-            </a:r>
-            <a:r>
-              <a:rPr lang="en-US" altLang="ko-KR" sz="2000" b="1" dirty="0">
-                <a:solidFill>
-                  <a:srgbClr val="38627B"/>
-                </a:solidFill>
-              </a:rPr>
-              <a:t>!</a:t>
-            </a:r>
-          </a:p>
-          <a:p>
-            <a:pPr marL="342900" indent="-342900">
-              <a:lnSpc>
-                <a:spcPct val="150000"/>
-              </a:lnSpc>
-              <a:buFont typeface="Arial" panose="020B0604020202020204" pitchFamily="34" charset="0"/>
-              <a:buChar char="•"/>
-            </a:pPr>
-            <a:r>
-              <a:rPr lang="ko-KR" altLang="en-US" sz="2000" b="1" dirty="0">
-                <a:solidFill>
-                  <a:srgbClr val="38627B"/>
-                </a:solidFill>
-              </a:rPr>
-              <a:t>한 방향 공격이 아닌 다 방향 공격</a:t>
-            </a:r>
-            <a:r>
-              <a:rPr lang="en-US" altLang="ko-KR" sz="2000" b="1" dirty="0">
-                <a:solidFill>
-                  <a:srgbClr val="38627B"/>
-                </a:solidFill>
-              </a:rPr>
-              <a:t>!</a:t>
-            </a:r>
-          </a:p>
-        </p:txBody>
-      </p:sp>
+          <p:cNvGraphicFramePr>
+            <a:graphicFrameLocks noGrp="1"/>
+          </p:cNvGraphicFramePr>
+          <p:nvPr>
+            <p:extLst>
+              <p:ext uri="{D42A27DB-BD31-4B8C-83A1-F6EECF244321}">
+                <p14:modId xmlns:p14="http://schemas.microsoft.com/office/powerpoint/2010/main" val="695433725"/>
+              </p:ext>
+            </p:extLst>
+          </p:nvPr>
+        </p:nvGraphicFramePr>
+        <p:xfrm>
+          <a:off x="158795" y="916283"/>
+          <a:ext cx="11874409" cy="5941717"/>
+        </p:xfrm>
+        <a:graphic>
+          <a:graphicData uri="http://schemas.openxmlformats.org/drawingml/2006/table">
+            <a:tbl>
+              <a:tblPr firstRow="1" bandRow="1">
+                <a:tableStyleId>{5C22544A-7EE6-4342-B048-85BDC9FD1C3A}</a:tableStyleId>
+              </a:tblPr>
+              <a:tblGrid>
+                <a:gridCol w="922387">
+                  <a:extLst>
+                    <a:ext uri="{9D8B030D-6E8A-4147-A177-3AD203B41FA5}">
+                      <a16:colId xmlns:a16="http://schemas.microsoft.com/office/drawing/2014/main" val="1294872661"/>
+                    </a:ext>
+                  </a:extLst>
+                </a:gridCol>
+                <a:gridCol w="5465623">
+                  <a:extLst>
+                    <a:ext uri="{9D8B030D-6E8A-4147-A177-3AD203B41FA5}">
+                      <a16:colId xmlns:a16="http://schemas.microsoft.com/office/drawing/2014/main" val="3710584294"/>
+                    </a:ext>
+                  </a:extLst>
+                </a:gridCol>
+                <a:gridCol w="4358640">
+                  <a:extLst>
+                    <a:ext uri="{9D8B030D-6E8A-4147-A177-3AD203B41FA5}">
+                      <a16:colId xmlns:a16="http://schemas.microsoft.com/office/drawing/2014/main" val="1609610736"/>
+                    </a:ext>
+                  </a:extLst>
+                </a:gridCol>
+                <a:gridCol w="1127759">
+                  <a:extLst>
+                    <a:ext uri="{9D8B030D-6E8A-4147-A177-3AD203B41FA5}">
+                      <a16:colId xmlns:a16="http://schemas.microsoft.com/office/drawing/2014/main" val="2995294962"/>
+                    </a:ext>
+                  </a:extLst>
+                </a:gridCol>
+              </a:tblGrid>
+              <a:tr h="561949">
+                <a:tc>
+                  <a:txBody>
+                    <a:bodyPr/>
+                    <a:lstStyle/>
+                    <a:p>
+                      <a:pPr algn="ctr" latinLnBrk="1"/>
+                      <a:r>
+                        <a:rPr lang="ko-KR" altLang="en-US" dirty="0"/>
+                        <a:t>내용</a:t>
+                      </a:r>
+                    </a:p>
+                  </a:txBody>
+                  <a:tcPr>
+                    <a:solidFill>
+                      <a:srgbClr val="355F77"/>
+                    </a:solidFill>
+                  </a:tcPr>
+                </a:tc>
+                <a:tc>
+                  <a:txBody>
+                    <a:bodyPr/>
+                    <a:lstStyle/>
+                    <a:p>
+                      <a:pPr algn="ctr" latinLnBrk="1"/>
+                      <a:r>
+                        <a:rPr lang="ko-KR" altLang="en-US" dirty="0"/>
+                        <a:t>범위</a:t>
+                      </a:r>
+                    </a:p>
+                  </a:txBody>
+                  <a:tcPr>
+                    <a:solidFill>
+                      <a:srgbClr val="355F77"/>
+                    </a:solidFill>
+                  </a:tcPr>
+                </a:tc>
+                <a:tc>
+                  <a:txBody>
+                    <a:bodyPr/>
+                    <a:lstStyle/>
+                    <a:p>
+                      <a:pPr algn="ctr" latinLnBrk="1"/>
+                      <a:r>
+                        <a:rPr lang="ko-KR" altLang="en-US" dirty="0"/>
+                        <a:t>실제 개발 완료 범위</a:t>
+                      </a:r>
+                    </a:p>
+                  </a:txBody>
+                  <a:tcPr>
+                    <a:solidFill>
+                      <a:srgbClr val="355F77"/>
+                    </a:solidFill>
+                  </a:tcPr>
+                </a:tc>
+                <a:tc>
+                  <a:txBody>
+                    <a:bodyPr/>
+                    <a:lstStyle/>
+                    <a:p>
+                      <a:pPr algn="ctr" latinLnBrk="1"/>
+                      <a:r>
+                        <a:rPr lang="ko-KR" altLang="en-US" dirty="0"/>
+                        <a:t>진척도</a:t>
+                      </a:r>
+                    </a:p>
+                  </a:txBody>
+                  <a:tcPr>
+                    <a:solidFill>
+                      <a:srgbClr val="355F77"/>
+                    </a:solidFill>
+                  </a:tcPr>
+                </a:tc>
+                <a:extLst>
+                  <a:ext uri="{0D108BD9-81ED-4DB2-BD59-A6C34878D82A}">
+                    <a16:rowId xmlns:a16="http://schemas.microsoft.com/office/drawing/2014/main" val="287774260"/>
+                  </a:ext>
+                </a:extLst>
+              </a:tr>
+              <a:tr h="561949">
+                <a:tc>
+                  <a:txBody>
+                    <a:bodyPr/>
+                    <a:lstStyle/>
+                    <a:p>
+                      <a:pPr latinLnBrk="1"/>
+                      <a:r>
+                        <a:rPr lang="ko-KR" altLang="en-US" b="1" dirty="0"/>
+                        <a:t>전투기 컨트롤</a:t>
+                      </a:r>
+                    </a:p>
+                  </a:txBody>
+                  <a:tcPr>
+                    <a:solidFill>
+                      <a:schemeClr val="bg1">
+                        <a:lumMod val="85000"/>
+                      </a:schemeClr>
+                    </a:solidFill>
+                  </a:tcPr>
+                </a:tc>
+                <a:tc>
+                  <a:txBody>
+                    <a:bodyPr/>
+                    <a:lstStyle/>
+                    <a:p>
+                      <a:pPr latinLnBrk="1"/>
+                      <a:r>
+                        <a:rPr lang="ko-KR" altLang="en-US" sz="1800" b="0" dirty="0"/>
+                        <a:t>키보드로 </a:t>
+                      </a:r>
+                      <a:r>
+                        <a:rPr lang="en-US" altLang="ko-KR" sz="1800" b="0" dirty="0"/>
+                        <a:t>6</a:t>
+                      </a:r>
+                      <a:r>
+                        <a:rPr lang="ko-KR" altLang="en-US" sz="1800" b="0" dirty="0"/>
+                        <a:t>방향 움직임</a:t>
+                      </a:r>
+                      <a:r>
+                        <a:rPr lang="en-US" altLang="ko-KR" sz="1800" b="0" dirty="0"/>
+                        <a:t>(</a:t>
+                      </a:r>
+                      <a:r>
+                        <a:rPr lang="ko-KR" altLang="en-US" sz="1800" b="0" dirty="0" err="1"/>
+                        <a:t>좌우상하</a:t>
+                      </a:r>
+                      <a:r>
+                        <a:rPr lang="en-US" altLang="ko-KR" sz="1800" b="0" dirty="0"/>
+                        <a:t>, </a:t>
+                      </a:r>
+                      <a:r>
+                        <a:rPr lang="ko-KR" altLang="en-US" sz="1800" b="0" dirty="0"/>
+                        <a:t>대각선 좌상우상</a:t>
+                      </a:r>
+                      <a:r>
+                        <a:rPr lang="en-US" altLang="ko-KR" sz="1800" b="0" dirty="0"/>
+                        <a:t>)</a:t>
+                      </a:r>
+                      <a:endParaRPr lang="ko-KR" altLang="en-US" sz="1800" b="0" dirty="0"/>
+                    </a:p>
+                  </a:txBody>
+                  <a:tcPr>
+                    <a:noFill/>
+                  </a:tcPr>
+                </a:tc>
+                <a:tc>
+                  <a:txBody>
+                    <a:bodyPr/>
+                    <a:lstStyle/>
+                    <a:p>
+                      <a:pPr latinLnBrk="1"/>
+                      <a:r>
+                        <a:rPr lang="ko-KR" altLang="en-US" sz="1800" b="0" dirty="0"/>
+                        <a:t>키보드 </a:t>
+                      </a:r>
+                      <a:r>
+                        <a:rPr lang="en-US" altLang="ko-KR" sz="1800" b="0" dirty="0"/>
+                        <a:t>6</a:t>
+                      </a:r>
+                      <a:r>
+                        <a:rPr lang="ko-KR" altLang="en-US" sz="1800" b="0" dirty="0"/>
+                        <a:t>방향 기본 구현</a:t>
+                      </a:r>
+                      <a:endParaRPr lang="en-US" altLang="ko-KR" sz="1800" b="0" dirty="0"/>
+                    </a:p>
+                    <a:p>
+                      <a:pPr latinLnBrk="1"/>
+                      <a:r>
+                        <a:rPr lang="en-US" altLang="ko-KR" sz="1800" b="0" dirty="0"/>
+                        <a:t>+</a:t>
+                      </a:r>
+                      <a:r>
+                        <a:rPr lang="ko-KR" altLang="en-US" sz="1800" b="0" dirty="0"/>
+                        <a:t>추가 구현 </a:t>
+                      </a:r>
+                      <a:r>
+                        <a:rPr lang="en-US" altLang="ko-KR" sz="1800" b="0" dirty="0"/>
+                        <a:t>(</a:t>
+                      </a:r>
+                      <a:r>
+                        <a:rPr lang="ko-KR" altLang="en-US" sz="1800" b="0" dirty="0"/>
+                        <a:t>대각선 좌우하 방향 구현</a:t>
+                      </a:r>
+                      <a:r>
+                        <a:rPr lang="en-US" altLang="ko-KR" sz="1800" b="0" dirty="0"/>
+                        <a:t>)</a:t>
+                      </a:r>
+                      <a:r>
+                        <a:rPr lang="ko-KR" altLang="en-US" sz="1800" b="0" dirty="0"/>
+                        <a:t> </a:t>
+                      </a:r>
+                    </a:p>
+                  </a:txBody>
+                  <a:tcPr>
+                    <a:noFill/>
+                  </a:tcPr>
+                </a:tc>
+                <a:tc>
+                  <a:txBody>
+                    <a:bodyPr/>
+                    <a:lstStyle/>
+                    <a:p>
+                      <a:pPr latinLnBrk="1"/>
+                      <a:r>
+                        <a:rPr lang="en-US" altLang="ko-KR" sz="1800" b="1" dirty="0"/>
+                        <a:t>100%</a:t>
+                      </a:r>
+                      <a:endParaRPr lang="ko-KR" altLang="en-US" sz="1800" b="1" dirty="0"/>
+                    </a:p>
+                  </a:txBody>
+                  <a:tcPr>
+                    <a:noFill/>
+                  </a:tcPr>
+                </a:tc>
+                <a:extLst>
+                  <a:ext uri="{0D108BD9-81ED-4DB2-BD59-A6C34878D82A}">
+                    <a16:rowId xmlns:a16="http://schemas.microsoft.com/office/drawing/2014/main" val="642933506"/>
+                  </a:ext>
+                </a:extLst>
+              </a:tr>
+              <a:tr h="654292">
+                <a:tc>
+                  <a:txBody>
+                    <a:bodyPr/>
+                    <a:lstStyle/>
+                    <a:p>
+                      <a:pPr latinLnBrk="1"/>
+                      <a:r>
+                        <a:rPr lang="ko-KR" altLang="en-US" b="1" dirty="0"/>
+                        <a:t>전투기 기술</a:t>
+                      </a:r>
+                    </a:p>
+                  </a:txBody>
+                  <a:tcPr>
+                    <a:solidFill>
+                      <a:schemeClr val="bg1">
+                        <a:lumMod val="85000"/>
+                      </a:schemeClr>
+                    </a:solidFill>
+                  </a:tcPr>
+                </a:tc>
+                <a:tc>
+                  <a:txBody>
+                    <a:bodyPr/>
+                    <a:lstStyle/>
+                    <a:p>
+                      <a:pPr latinLnBrk="1"/>
+                      <a:r>
+                        <a:rPr lang="ko-KR" altLang="en-US" sz="1800" b="0" dirty="0"/>
+                        <a:t>키보드 키를 눌러 공격</a:t>
+                      </a:r>
+                      <a:r>
+                        <a:rPr lang="en-US" altLang="ko-KR" sz="1800" b="0" dirty="0"/>
+                        <a:t>(</a:t>
+                      </a:r>
+                      <a:r>
+                        <a:rPr lang="ko-KR" altLang="en-US" sz="1800" b="0" dirty="0"/>
+                        <a:t>방향 다른 기본공격 구현</a:t>
+                      </a:r>
+                      <a:r>
+                        <a:rPr lang="en-US" altLang="ko-KR" sz="1800" b="0" dirty="0"/>
+                        <a:t>, </a:t>
+                      </a:r>
+                      <a:r>
+                        <a:rPr lang="ko-KR" altLang="en-US" sz="1800" b="0" dirty="0"/>
+                        <a:t>아군 출격 공격</a:t>
+                      </a:r>
+                      <a:r>
+                        <a:rPr lang="en-US" altLang="ko-KR" sz="1800" b="0" dirty="0"/>
+                        <a:t>)</a:t>
+                      </a:r>
+                      <a:endParaRPr lang="ko-KR" altLang="en-US" sz="1800" b="0" dirty="0"/>
+                    </a:p>
+                  </a:txBody>
+                  <a:tcPr>
+                    <a:noFill/>
+                  </a:tcPr>
+                </a:tc>
+                <a:tc>
+                  <a:txBody>
+                    <a:bodyPr/>
+                    <a:lstStyle/>
+                    <a:p>
+                      <a:pPr latinLnBrk="1"/>
+                      <a:r>
+                        <a:rPr lang="ko-KR" altLang="en-US" sz="1800" b="0" dirty="0"/>
+                        <a:t>전투기 직선 대각선 기본 공격 구현</a:t>
+                      </a:r>
+                      <a:endParaRPr lang="en-US" altLang="ko-KR" sz="1800" b="0" dirty="0"/>
+                    </a:p>
+                    <a:p>
+                      <a:pPr latinLnBrk="1"/>
+                      <a:r>
+                        <a:rPr lang="ko-KR" altLang="en-US" sz="1800" b="0" dirty="0"/>
+                        <a:t>아군 전투기 공격 구현</a:t>
+                      </a:r>
+                    </a:p>
+                  </a:txBody>
+                  <a:tcPr>
+                    <a:noFill/>
+                  </a:tcPr>
+                </a:tc>
+                <a:tc>
+                  <a:txBody>
+                    <a:bodyPr/>
+                    <a:lstStyle/>
+                    <a:p>
+                      <a:pPr latinLnBrk="1"/>
+                      <a:r>
+                        <a:rPr lang="en-US" altLang="ko-KR" sz="1800" b="1" dirty="0"/>
+                        <a:t>100%</a:t>
+                      </a:r>
+                      <a:endParaRPr lang="ko-KR" altLang="en-US" sz="1800" b="1" dirty="0"/>
+                    </a:p>
+                  </a:txBody>
+                  <a:tcPr>
+                    <a:noFill/>
+                  </a:tcPr>
+                </a:tc>
+                <a:extLst>
+                  <a:ext uri="{0D108BD9-81ED-4DB2-BD59-A6C34878D82A}">
+                    <a16:rowId xmlns:a16="http://schemas.microsoft.com/office/drawing/2014/main" val="3938476535"/>
+                  </a:ext>
+                </a:extLst>
+              </a:tr>
+              <a:tr h="561949">
+                <a:tc>
+                  <a:txBody>
+                    <a:bodyPr/>
+                    <a:lstStyle/>
+                    <a:p>
+                      <a:pPr latinLnBrk="1"/>
+                      <a:r>
+                        <a:rPr lang="ko-KR" altLang="en-US" b="1" dirty="0"/>
+                        <a:t>맵</a:t>
+                      </a:r>
+                    </a:p>
+                  </a:txBody>
+                  <a:tcPr>
+                    <a:solidFill>
+                      <a:schemeClr val="bg1">
+                        <a:lumMod val="85000"/>
+                      </a:schemeClr>
+                    </a:solidFill>
+                  </a:tcPr>
+                </a:tc>
+                <a:tc>
+                  <a:txBody>
+                    <a:bodyPr/>
+                    <a:lstStyle/>
+                    <a:p>
+                      <a:pPr latinLnBrk="1"/>
+                      <a:r>
+                        <a:rPr lang="ko-KR" altLang="en-US" sz="1800" b="0" dirty="0"/>
+                        <a:t>스테이지 </a:t>
+                      </a:r>
+                      <a:r>
+                        <a:rPr lang="en-US" altLang="ko-KR" sz="1800" b="0" dirty="0"/>
+                        <a:t>1</a:t>
+                      </a:r>
+                      <a:r>
+                        <a:rPr lang="ko-KR" altLang="en-US" sz="1800" b="0" dirty="0"/>
+                        <a:t>개 구현</a:t>
+                      </a:r>
+                    </a:p>
+                  </a:txBody>
+                  <a:tcPr>
+                    <a:noFill/>
+                  </a:tcPr>
+                </a:tc>
+                <a:tc>
+                  <a:txBody>
+                    <a:bodyPr/>
+                    <a:lstStyle/>
+                    <a:p>
+                      <a:pPr latinLnBrk="1"/>
+                      <a:r>
+                        <a:rPr lang="ko-KR" altLang="en-US" sz="1800" b="0" dirty="0"/>
+                        <a:t>종 방향으로 움직이는 맵 구현</a:t>
+                      </a:r>
+                      <a:endParaRPr lang="en-US" altLang="ko-KR" sz="1800" b="0" dirty="0"/>
+                    </a:p>
+                    <a:p>
+                      <a:pPr latinLnBrk="1"/>
+                      <a:r>
+                        <a:rPr lang="en-US" altLang="ko-KR" sz="1800" b="0" dirty="0"/>
+                        <a:t>+</a:t>
+                      </a:r>
+                      <a:r>
+                        <a:rPr lang="ko-KR" altLang="en-US" sz="1800" b="0" dirty="0"/>
+                        <a:t>추가 구현</a:t>
+                      </a:r>
+                      <a:r>
+                        <a:rPr lang="en-US" altLang="ko-KR" sz="1800" b="0" dirty="0"/>
+                        <a:t>(</a:t>
+                      </a:r>
+                      <a:r>
+                        <a:rPr lang="ko-KR" altLang="en-US" sz="1800" b="0" dirty="0"/>
+                        <a:t>구름 이동하는 애니메이션</a:t>
+                      </a:r>
+                      <a:r>
+                        <a:rPr lang="en-US" altLang="ko-KR" sz="1800" b="0" dirty="0"/>
+                        <a:t>)</a:t>
+                      </a:r>
+                      <a:endParaRPr lang="ko-KR" altLang="en-US" sz="1800" b="0" dirty="0"/>
+                    </a:p>
+                  </a:txBody>
+                  <a:tcPr>
+                    <a:noFill/>
+                  </a:tcPr>
+                </a:tc>
+                <a:tc>
+                  <a:txBody>
+                    <a:bodyPr/>
+                    <a:lstStyle/>
+                    <a:p>
+                      <a:pPr latinLnBrk="1"/>
+                      <a:r>
+                        <a:rPr lang="en-US" altLang="ko-KR" sz="1800" b="1" dirty="0"/>
+                        <a:t>100%</a:t>
+                      </a:r>
+                      <a:endParaRPr lang="ko-KR" altLang="en-US" sz="1800" b="1" dirty="0"/>
+                    </a:p>
+                  </a:txBody>
+                  <a:tcPr>
+                    <a:noFill/>
+                  </a:tcPr>
+                </a:tc>
+                <a:extLst>
+                  <a:ext uri="{0D108BD9-81ED-4DB2-BD59-A6C34878D82A}">
+                    <a16:rowId xmlns:a16="http://schemas.microsoft.com/office/drawing/2014/main" val="3714620509"/>
+                  </a:ext>
+                </a:extLst>
+              </a:tr>
+              <a:tr h="654292">
+                <a:tc>
+                  <a:txBody>
+                    <a:bodyPr/>
+                    <a:lstStyle/>
+                    <a:p>
+                      <a:pPr latinLnBrk="1"/>
+                      <a:r>
+                        <a:rPr lang="ko-KR" altLang="en-US" b="1" dirty="0"/>
+                        <a:t>적 </a:t>
+                      </a:r>
+                      <a:r>
+                        <a:rPr lang="en-US" altLang="ko-KR" b="1" dirty="0"/>
+                        <a:t>AI</a:t>
+                      </a:r>
+                      <a:endParaRPr lang="ko-KR" altLang="en-US" b="1" dirty="0"/>
+                    </a:p>
+                  </a:txBody>
+                  <a:tcPr>
+                    <a:solidFill>
+                      <a:schemeClr val="bg1">
+                        <a:lumMod val="85000"/>
+                      </a:schemeClr>
+                    </a:solidFill>
+                  </a:tcPr>
+                </a:tc>
+                <a:tc>
+                  <a:txBody>
+                    <a:bodyPr/>
+                    <a:lstStyle/>
+                    <a:p>
+                      <a:pPr latinLnBrk="1"/>
+                      <a:r>
+                        <a:rPr lang="ko-KR" altLang="en-US" sz="1800" b="0" dirty="0"/>
+                        <a:t>적은 상</a:t>
+                      </a:r>
+                      <a:r>
+                        <a:rPr lang="en-US" altLang="ko-KR" sz="1800" b="0" dirty="0"/>
+                        <a:t>, </a:t>
+                      </a:r>
+                      <a:r>
+                        <a:rPr lang="ko-KR" altLang="en-US" sz="1800" b="0" dirty="0"/>
+                        <a:t>좌</a:t>
+                      </a:r>
+                      <a:r>
+                        <a:rPr lang="en-US" altLang="ko-KR" sz="1800" b="0" dirty="0"/>
+                        <a:t>, </a:t>
+                      </a:r>
+                      <a:r>
+                        <a:rPr lang="ko-KR" altLang="en-US" sz="1800" b="0" dirty="0"/>
+                        <a:t>우 에서 적이 나오도록 구현</a:t>
+                      </a:r>
+                      <a:r>
+                        <a:rPr lang="en-US" altLang="ko-KR" sz="1800" b="0" dirty="0"/>
+                        <a:t>,</a:t>
+                      </a:r>
+                    </a:p>
+                    <a:p>
+                      <a:pPr latinLnBrk="1"/>
+                      <a:r>
+                        <a:rPr lang="ko-KR" altLang="en-US" sz="1800" b="0" dirty="0"/>
+                        <a:t>직선 방향</a:t>
+                      </a:r>
+                      <a:r>
+                        <a:rPr lang="en-US" altLang="ko-KR" sz="1800" b="0" dirty="0"/>
+                        <a:t>, </a:t>
+                      </a:r>
+                      <a:r>
+                        <a:rPr lang="ko-KR" altLang="en-US" sz="1800" b="0" dirty="0"/>
+                        <a:t>대각선 방향으로 공격하도록 구현</a:t>
+                      </a:r>
+                    </a:p>
+                  </a:txBody>
+                  <a:tcPr>
+                    <a:noFill/>
+                  </a:tcPr>
+                </a:tc>
+                <a:tc>
+                  <a:txBody>
+                    <a:bodyPr/>
+                    <a:lstStyle/>
+                    <a:p>
+                      <a:pPr latinLnBrk="1"/>
+                      <a:r>
+                        <a:rPr lang="ko-KR" altLang="en-US" sz="1800" b="0" dirty="0"/>
+                        <a:t>적 출현 방향</a:t>
+                      </a:r>
+                      <a:r>
+                        <a:rPr lang="en-US" altLang="ko-KR" sz="1800" b="0" dirty="0"/>
+                        <a:t>, </a:t>
+                      </a:r>
+                      <a:r>
+                        <a:rPr lang="ko-KR" altLang="en-US" sz="1800" b="0" dirty="0"/>
+                        <a:t>직선</a:t>
+                      </a:r>
+                      <a:r>
+                        <a:rPr lang="en-US" altLang="ko-KR" sz="1800" b="0" dirty="0"/>
+                        <a:t>-</a:t>
+                      </a:r>
+                      <a:r>
+                        <a:rPr lang="ko-KR" altLang="en-US" sz="1800" b="0" dirty="0"/>
+                        <a:t>대각선 방향 공격 구현</a:t>
+                      </a:r>
+                    </a:p>
+                  </a:txBody>
+                  <a:tcPr>
+                    <a:noFill/>
+                  </a:tcPr>
+                </a:tc>
+                <a:tc>
+                  <a:txBody>
+                    <a:bodyPr/>
+                    <a:lstStyle/>
+                    <a:p>
+                      <a:pPr latinLnBrk="1"/>
+                      <a:r>
+                        <a:rPr lang="en-US" altLang="ko-KR" sz="1800" b="1" dirty="0"/>
+                        <a:t>100%</a:t>
+                      </a:r>
+                      <a:endParaRPr lang="ko-KR" altLang="en-US" sz="1800" b="1" dirty="0"/>
+                    </a:p>
+                  </a:txBody>
+                  <a:tcPr>
+                    <a:noFill/>
+                  </a:tcPr>
+                </a:tc>
+                <a:extLst>
+                  <a:ext uri="{0D108BD9-81ED-4DB2-BD59-A6C34878D82A}">
+                    <a16:rowId xmlns:a16="http://schemas.microsoft.com/office/drawing/2014/main" val="2089114752"/>
+                  </a:ext>
+                </a:extLst>
+              </a:tr>
+              <a:tr h="654292">
+                <a:tc>
+                  <a:txBody>
+                    <a:bodyPr/>
+                    <a:lstStyle/>
+                    <a:p>
+                      <a:pPr latinLnBrk="1"/>
+                      <a:r>
+                        <a:rPr lang="ko-KR" altLang="en-US" b="1" dirty="0"/>
+                        <a:t>난이도</a:t>
+                      </a:r>
+                    </a:p>
+                  </a:txBody>
+                  <a:tcPr>
+                    <a:solidFill>
+                      <a:schemeClr val="bg1">
+                        <a:lumMod val="85000"/>
+                      </a:schemeClr>
+                    </a:solidFill>
+                  </a:tcPr>
+                </a:tc>
+                <a:tc>
+                  <a:txBody>
+                    <a:bodyPr/>
+                    <a:lstStyle/>
+                    <a:p>
+                      <a:pPr marL="0" marR="0" lvl="0" indent="0" algn="l" defTabSz="914400" rtl="0" eaLnBrk="1" fontAlgn="auto" latinLnBrk="1" hangingPunct="1">
+                        <a:lnSpc>
+                          <a:spcPct val="100000"/>
+                        </a:lnSpc>
+                        <a:spcBef>
+                          <a:spcPts val="0"/>
+                        </a:spcBef>
+                        <a:spcAft>
+                          <a:spcPts val="0"/>
+                        </a:spcAft>
+                        <a:buClrTx/>
+                        <a:buSzTx/>
+                        <a:buFontTx/>
+                        <a:buNone/>
+                        <a:tabLst/>
+                        <a:defRPr/>
+                      </a:pPr>
+                      <a:r>
+                        <a:rPr lang="ko-KR" altLang="en-US" sz="1800" b="0" dirty="0"/>
+                        <a:t>전투기 체력을 조절하여 난이도 조절</a:t>
+                      </a:r>
+                      <a:endParaRPr lang="en-US" altLang="ko-KR" sz="1800" b="0" dirty="0"/>
+                    </a:p>
+                    <a:p>
+                      <a:pPr latinLnBrk="1"/>
+                      <a:r>
+                        <a:rPr lang="ko-KR" altLang="en-US" sz="1800" b="0" dirty="0"/>
+                        <a:t>쉬운 난이도로 개임의 재미요소를 찾는 것에 주력</a:t>
+                      </a:r>
+                      <a:endParaRPr lang="en-US" altLang="ko-KR" sz="1800" b="0" dirty="0"/>
+                    </a:p>
+                  </a:txBody>
+                  <a:tcPr>
+                    <a:noFill/>
+                  </a:tcPr>
+                </a:tc>
+                <a:tc>
+                  <a:txBody>
+                    <a:bodyPr/>
+                    <a:lstStyle/>
+                    <a:p>
+                      <a:pPr latinLnBrk="1"/>
+                      <a:r>
+                        <a:rPr lang="en-US" altLang="ko-KR" sz="1800" b="0" dirty="0"/>
+                        <a:t>+</a:t>
+                      </a:r>
+                      <a:r>
+                        <a:rPr lang="ko-KR" altLang="en-US" sz="1800" b="0" dirty="0"/>
+                        <a:t>난이도 </a:t>
+                      </a:r>
+                      <a:r>
+                        <a:rPr lang="en-US" altLang="ko-KR" sz="1800" b="0" dirty="0"/>
+                        <a:t>1,2,3</a:t>
+                      </a:r>
+                      <a:r>
+                        <a:rPr lang="ko-KR" altLang="en-US" sz="1800" b="0" dirty="0"/>
+                        <a:t>단계 설정 완료</a:t>
+                      </a:r>
+                      <a:endParaRPr lang="en-US" altLang="ko-KR" sz="1800" b="0" dirty="0"/>
+                    </a:p>
+                  </a:txBody>
+                  <a:tcPr>
+                    <a:noFill/>
+                  </a:tcPr>
+                </a:tc>
+                <a:tc>
+                  <a:txBody>
+                    <a:bodyPr/>
+                    <a:lstStyle/>
+                    <a:p>
+                      <a:pPr latinLnBrk="1"/>
+                      <a:r>
+                        <a:rPr lang="en-US" altLang="ko-KR" sz="1800" b="1" dirty="0"/>
+                        <a:t>100%</a:t>
+                      </a:r>
+                    </a:p>
+                  </a:txBody>
+                  <a:tcPr>
+                    <a:noFill/>
+                  </a:tcPr>
+                </a:tc>
+                <a:extLst>
+                  <a:ext uri="{0D108BD9-81ED-4DB2-BD59-A6C34878D82A}">
+                    <a16:rowId xmlns:a16="http://schemas.microsoft.com/office/drawing/2014/main" val="2371628036"/>
+                  </a:ext>
+                </a:extLst>
+              </a:tr>
+              <a:tr h="934703">
+                <a:tc>
+                  <a:txBody>
+                    <a:bodyPr/>
+                    <a:lstStyle/>
+                    <a:p>
+                      <a:pPr latinLnBrk="1"/>
+                      <a:r>
+                        <a:rPr lang="ko-KR" altLang="en-US" b="1" dirty="0"/>
+                        <a:t>게임 기능</a:t>
+                      </a:r>
+                    </a:p>
+                  </a:txBody>
+                  <a:tcPr>
+                    <a:solidFill>
+                      <a:schemeClr val="bg1">
+                        <a:lumMod val="85000"/>
+                      </a:schemeClr>
+                    </a:solidFill>
+                  </a:tcPr>
+                </a:tc>
+                <a:tc>
+                  <a:txBody>
+                    <a:bodyPr/>
+                    <a:lstStyle/>
+                    <a:p>
+                      <a:pPr latinLnBrk="1"/>
+                      <a:r>
+                        <a:rPr lang="ko-KR" altLang="en-US" sz="1800" b="0" dirty="0"/>
+                        <a:t>게임 시작에서 끝날 때까지의 시간을 기록</a:t>
+                      </a:r>
+                      <a:endParaRPr lang="en-US" altLang="ko-KR" sz="1800" b="0" dirty="0"/>
+                    </a:p>
+                    <a:p>
+                      <a:pPr latinLnBrk="1"/>
+                      <a:r>
+                        <a:rPr lang="ko-KR" altLang="en-US" sz="1800" b="0" dirty="0"/>
+                        <a:t>아군 출격을 이용하여 아군들과 함께 공격</a:t>
+                      </a:r>
+                      <a:endParaRPr lang="en-US" altLang="ko-KR" sz="1800" b="0" dirty="0"/>
+                    </a:p>
+                    <a:p>
+                      <a:pPr latinLnBrk="1"/>
+                      <a:r>
+                        <a:rPr lang="en-US" altLang="ko-KR" sz="1800" b="0" dirty="0"/>
+                        <a:t>2</a:t>
+                      </a:r>
+                      <a:r>
+                        <a:rPr lang="ko-KR" altLang="en-US" sz="1800" b="0" dirty="0"/>
+                        <a:t>가지 이상의 기본으로 적들을 공격</a:t>
+                      </a:r>
+                    </a:p>
+                  </a:txBody>
+                  <a:tcPr>
+                    <a:noFill/>
+                  </a:tcPr>
+                </a:tc>
+                <a:tc>
+                  <a:txBody>
+                    <a:bodyPr/>
+                    <a:lstStyle/>
+                    <a:p>
+                      <a:pPr latinLnBrk="1"/>
+                      <a:r>
+                        <a:rPr lang="ko-KR" altLang="en-US" sz="1800" b="0" dirty="0"/>
+                        <a:t>게임의 플레이 타임 기록</a:t>
+                      </a:r>
+                      <a:endParaRPr lang="en-US" altLang="ko-KR" sz="1800" b="0" dirty="0"/>
+                    </a:p>
+                    <a:p>
+                      <a:pPr latinLnBrk="1"/>
+                      <a:r>
+                        <a:rPr lang="ko-KR" altLang="en-US" sz="1800" b="0" dirty="0"/>
+                        <a:t>아군 출격과 공격 구현</a:t>
+                      </a:r>
+                      <a:endParaRPr lang="en-US" altLang="ko-KR" sz="1800" b="0" dirty="0"/>
+                    </a:p>
+                    <a:p>
+                      <a:pPr latinLnBrk="1"/>
+                      <a:r>
+                        <a:rPr lang="ko-KR" altLang="en-US" sz="1800" b="0" dirty="0"/>
+                        <a:t>전투기 공격 </a:t>
+                      </a:r>
+                      <a:r>
+                        <a:rPr lang="en-US" altLang="ko-KR" sz="1800" b="0" dirty="0"/>
+                        <a:t>2</a:t>
+                      </a:r>
+                      <a:r>
+                        <a:rPr lang="ko-KR" altLang="en-US" sz="1800" b="0" dirty="0"/>
+                        <a:t>가지 구현 </a:t>
+                      </a:r>
+                    </a:p>
+                  </a:txBody>
+                  <a:tcPr>
+                    <a:noFill/>
+                  </a:tcPr>
+                </a:tc>
+                <a:tc>
+                  <a:txBody>
+                    <a:bodyPr/>
+                    <a:lstStyle/>
+                    <a:p>
+                      <a:pPr latinLnBrk="1"/>
+                      <a:r>
+                        <a:rPr lang="en-US" altLang="ko-KR" sz="1800" b="1" dirty="0"/>
+                        <a:t>100%</a:t>
+                      </a:r>
+                      <a:endParaRPr lang="ko-KR" altLang="en-US" sz="1800" b="1" dirty="0"/>
+                    </a:p>
+                  </a:txBody>
+                  <a:tcPr>
+                    <a:noFill/>
+                  </a:tcPr>
+                </a:tc>
+                <a:extLst>
+                  <a:ext uri="{0D108BD9-81ED-4DB2-BD59-A6C34878D82A}">
+                    <a16:rowId xmlns:a16="http://schemas.microsoft.com/office/drawing/2014/main" val="2429667246"/>
+                  </a:ext>
+                </a:extLst>
+              </a:tr>
+              <a:tr h="561949">
+                <a:tc>
+                  <a:txBody>
+                    <a:bodyPr/>
+                    <a:lstStyle/>
+                    <a:p>
+                      <a:pPr latinLnBrk="1"/>
+                      <a:r>
+                        <a:rPr lang="ko-KR" altLang="en-US" b="1" dirty="0"/>
+                        <a:t>사운드</a:t>
+                      </a:r>
+                    </a:p>
+                  </a:txBody>
+                  <a:tcPr>
+                    <a:solidFill>
+                      <a:schemeClr val="bg1">
+                        <a:lumMod val="85000"/>
+                      </a:schemeClr>
+                    </a:solidFill>
+                  </a:tcPr>
+                </a:tc>
+                <a:tc>
+                  <a:txBody>
+                    <a:bodyPr/>
+                    <a:lstStyle/>
+                    <a:p>
+                      <a:pPr latinLnBrk="1"/>
+                      <a:r>
+                        <a:rPr lang="ko-KR" altLang="en-US" sz="1800" b="0" dirty="0"/>
+                        <a:t>슈팅</a:t>
+                      </a:r>
+                      <a:r>
+                        <a:rPr lang="en-US" altLang="ko-KR" sz="1800" b="0" dirty="0"/>
+                        <a:t>, </a:t>
+                      </a:r>
+                      <a:r>
+                        <a:rPr lang="ko-KR" altLang="en-US" sz="1800" b="0" dirty="0"/>
+                        <a:t>폭발</a:t>
+                      </a:r>
+                      <a:r>
+                        <a:rPr lang="en-US" altLang="ko-KR" sz="1800" b="0" dirty="0"/>
+                        <a:t>, </a:t>
+                      </a:r>
+                      <a:r>
+                        <a:rPr lang="ko-KR" altLang="en-US" sz="1800" b="0" dirty="0"/>
+                        <a:t>배경 사운드</a:t>
+                      </a:r>
+                      <a:r>
+                        <a:rPr lang="en-US" altLang="ko-KR" sz="1800" b="0" dirty="0"/>
+                        <a:t> </a:t>
+                      </a:r>
+                      <a:r>
+                        <a:rPr lang="ko-KR" altLang="en-US" sz="1800" b="0" dirty="0"/>
+                        <a:t>구현</a:t>
+                      </a:r>
+                    </a:p>
+                  </a:txBody>
+                  <a:tcPr>
+                    <a:noFill/>
+                  </a:tcPr>
+                </a:tc>
+                <a:tc>
+                  <a:txBody>
+                    <a:bodyPr/>
+                    <a:lstStyle/>
+                    <a:p>
+                      <a:pPr latinLnBrk="1"/>
+                      <a:r>
+                        <a:rPr lang="ko-KR" altLang="en-US" sz="1800" b="0" dirty="0"/>
+                        <a:t>배운 뒤 구현 예정</a:t>
+                      </a:r>
+                    </a:p>
+                  </a:txBody>
+                  <a:tcPr>
+                    <a:noFill/>
+                  </a:tcPr>
+                </a:tc>
+                <a:tc>
+                  <a:txBody>
+                    <a:bodyPr/>
+                    <a:lstStyle/>
+                    <a:p>
+                      <a:pPr latinLnBrk="1"/>
+                      <a:r>
+                        <a:rPr lang="en-US" altLang="ko-KR" sz="1800" b="1" dirty="0"/>
+                        <a:t>0%</a:t>
+                      </a:r>
+                      <a:endParaRPr lang="ko-KR" altLang="en-US" sz="1800" b="1" dirty="0"/>
+                    </a:p>
+                  </a:txBody>
+                  <a:tcPr>
+                    <a:noFill/>
+                  </a:tcPr>
+                </a:tc>
+                <a:extLst>
+                  <a:ext uri="{0D108BD9-81ED-4DB2-BD59-A6C34878D82A}">
+                    <a16:rowId xmlns:a16="http://schemas.microsoft.com/office/drawing/2014/main" val="2577680701"/>
+                  </a:ext>
+                </a:extLst>
+              </a:tr>
+              <a:tr h="561949">
+                <a:tc>
+                  <a:txBody>
+                    <a:bodyPr/>
+                    <a:lstStyle/>
+                    <a:p>
+                      <a:pPr latinLnBrk="1"/>
+                      <a:r>
+                        <a:rPr lang="ko-KR" altLang="en-US" b="1" dirty="0"/>
+                        <a:t>애니메이션</a:t>
+                      </a:r>
+                    </a:p>
+                  </a:txBody>
+                  <a:tcPr>
+                    <a:solidFill>
+                      <a:schemeClr val="bg1">
+                        <a:lumMod val="85000"/>
+                      </a:schemeClr>
+                    </a:solidFill>
+                  </a:tcPr>
+                </a:tc>
+                <a:tc>
+                  <a:txBody>
+                    <a:bodyPr/>
+                    <a:lstStyle/>
+                    <a:p>
+                      <a:pPr latinLnBrk="1"/>
+                      <a:r>
+                        <a:rPr lang="ko-KR" altLang="en-US" sz="1800" b="0" dirty="0"/>
+                        <a:t>전투기의 움직임</a:t>
+                      </a:r>
+                      <a:r>
+                        <a:rPr lang="en-US" altLang="ko-KR" sz="1800" b="0" dirty="0"/>
+                        <a:t>, </a:t>
+                      </a:r>
+                      <a:r>
+                        <a:rPr lang="ko-KR" altLang="en-US" sz="1800" b="0" dirty="0"/>
+                        <a:t>슈팅</a:t>
+                      </a:r>
+                    </a:p>
+                  </a:txBody>
+                  <a:tcPr>
+                    <a:noFill/>
+                  </a:tcPr>
+                </a:tc>
+                <a:tc>
+                  <a:txBody>
+                    <a:bodyPr/>
+                    <a:lstStyle/>
+                    <a:p>
+                      <a:pPr latinLnBrk="1"/>
+                      <a:r>
+                        <a:rPr lang="ko-KR" altLang="en-US" sz="1800" b="0" dirty="0"/>
+                        <a:t>전투기 움직임</a:t>
+                      </a:r>
+                      <a:r>
+                        <a:rPr lang="en-US" altLang="ko-KR" sz="1800" b="0" dirty="0"/>
+                        <a:t>, </a:t>
+                      </a:r>
+                      <a:r>
+                        <a:rPr lang="ko-KR" altLang="en-US" sz="1800" b="0" dirty="0"/>
+                        <a:t>슈팅</a:t>
+                      </a:r>
+                      <a:r>
+                        <a:rPr lang="en-US" altLang="ko-KR" sz="1800" b="0" dirty="0"/>
+                        <a:t> </a:t>
+                      </a:r>
+                      <a:r>
+                        <a:rPr lang="ko-KR" altLang="en-US" sz="1800" b="0" dirty="0"/>
+                        <a:t>구현</a:t>
+                      </a:r>
+                      <a:endParaRPr lang="en-US" altLang="ko-KR" sz="1800" b="0" dirty="0"/>
+                    </a:p>
+                    <a:p>
+                      <a:pPr latinLnBrk="1"/>
+                      <a:r>
+                        <a:rPr lang="en-US" altLang="ko-KR" sz="1800" b="0" dirty="0"/>
+                        <a:t>+</a:t>
+                      </a:r>
+                      <a:r>
+                        <a:rPr lang="ko-KR" altLang="en-US" sz="1800" b="0" dirty="0"/>
+                        <a:t>전투기</a:t>
+                      </a:r>
+                      <a:r>
+                        <a:rPr lang="en-US" altLang="ko-KR" sz="1800" b="0" dirty="0"/>
+                        <a:t>, </a:t>
+                      </a:r>
+                      <a:r>
+                        <a:rPr lang="ko-KR" altLang="en-US" sz="1800" b="0" dirty="0"/>
+                        <a:t>적 폭발 애니메이션 구현</a:t>
+                      </a:r>
+                    </a:p>
+                  </a:txBody>
+                  <a:tcPr>
+                    <a:noFill/>
+                  </a:tcPr>
+                </a:tc>
+                <a:tc>
+                  <a:txBody>
+                    <a:bodyPr/>
+                    <a:lstStyle/>
+                    <a:p>
+                      <a:pPr latinLnBrk="1"/>
+                      <a:r>
+                        <a:rPr lang="en-US" altLang="ko-KR" sz="1800" b="1" dirty="0"/>
+                        <a:t>100%</a:t>
+                      </a:r>
+                      <a:endParaRPr lang="ko-KR" altLang="en-US" sz="1800" b="1" dirty="0"/>
+                    </a:p>
+                  </a:txBody>
+                  <a:tcPr>
+                    <a:noFill/>
+                  </a:tcPr>
+                </a:tc>
+                <a:extLst>
+                  <a:ext uri="{0D108BD9-81ED-4DB2-BD59-A6C34878D82A}">
+                    <a16:rowId xmlns:a16="http://schemas.microsoft.com/office/drawing/2014/main" val="27795625"/>
+                  </a:ext>
+                </a:extLst>
+              </a:tr>
+            </a:tbl>
+          </a:graphicData>
+        </a:graphic>
+      </p:graphicFrame>
     </p:spTree>
     <p:extLst>
       <p:ext uri="{BB962C8B-B14F-4D97-AF65-F5344CB8AC3E}">
-        <p14:creationId xmlns:p14="http://schemas.microsoft.com/office/powerpoint/2010/main" val="3550838064"/>
+        <p14:creationId xmlns:p14="http://schemas.microsoft.com/office/powerpoint/2010/main" val="936995457"/>
       </p:ext>
     </p:extLst>
   </p:cSld>
@@ -7991,14 +8526,14 @@
       </p:grpSpPr>
       <p:sp>
         <p:nvSpPr>
-          <p:cNvPr id="18" name="직사각형 17"/>
+          <p:cNvPr id="21" name="직사각형 20"/>
           <p:cNvSpPr/>
           <p:nvPr/>
         </p:nvSpPr>
         <p:spPr>
           <a:xfrm>
-            <a:off x="591911" y="179874"/>
-            <a:ext cx="6096000" cy="969496"/>
+            <a:off x="105454" y="28169"/>
+            <a:ext cx="6096000" cy="939744"/>
           </a:xfrm>
           <a:prstGeom prst="rect">
             <a:avLst/>
@@ -8017,3852 +8552,36 @@
               <a:defRPr/>
             </a:pPr>
             <a:r>
+              <a:rPr lang="en-US" altLang="ko-KR" sz="2800" b="1" dirty="0" err="1">
+                <a:solidFill>
+                  <a:srgbClr val="2C303A"/>
+                </a:solidFill>
+              </a:rPr>
+              <a:t>Github</a:t>
+            </a:r>
+            <a:r>
               <a:rPr lang="ko-KR" altLang="en-US" sz="2800" b="1" dirty="0">
                 <a:solidFill>
                   <a:srgbClr val="2C303A"/>
                 </a:solidFill>
               </a:rPr>
-              <a:t>개발 범위</a:t>
-            </a:r>
-          </a:p>
-          <a:p>
-            <a:pPr>
-              <a:lnSpc>
-                <a:spcPct val="150000"/>
-              </a:lnSpc>
-              <a:defRPr/>
-            </a:pPr>
-            <a:r>
-              <a:rPr lang="en-US" altLang="ko-KR" sz="1000" dirty="0">
+              <a:t> </a:t>
+            </a:r>
+            <a:r>
+              <a:rPr lang="ko-KR" altLang="en-US" sz="2800" b="1" dirty="0" err="1">
                 <a:solidFill>
-                  <a:prstClr val="black">
-                    <a:lumMod val="75000"/>
-                    <a:lumOff val="25000"/>
-                  </a:prstClr>
+                  <a:srgbClr val="2C303A"/>
                 </a:solidFill>
               </a:rPr>
-              <a:t>Fly high 1997</a:t>
-            </a:r>
-            <a:endParaRPr lang="ko-KR" altLang="en-US" sz="2800" dirty="0">
-              <a:solidFill>
-                <a:prstClr val="black">
-                  <a:lumMod val="75000"/>
-                  <a:lumOff val="25000"/>
-                </a:prstClr>
-              </a:solidFill>
-            </a:endParaRPr>
-          </a:p>
-        </p:txBody>
-      </p:sp>
-      <p:graphicFrame>
-        <p:nvGraphicFramePr>
-          <p:cNvPr id="2" name="표 2">
-            <a:extLst>
-              <a:ext uri="{FF2B5EF4-FFF2-40B4-BE49-F238E27FC236}">
-                <a16:creationId xmlns:a16="http://schemas.microsoft.com/office/drawing/2014/main" id="{14220628-CA72-4D01-AF86-22ACD169A245}"/>
-              </a:ext>
-            </a:extLst>
-          </p:cNvPr>
-          <p:cNvGraphicFramePr>
-            <a:graphicFrameLocks noGrp="1"/>
-          </p:cNvGraphicFramePr>
-          <p:nvPr>
-            <p:extLst>
-              <p:ext uri="{D42A27DB-BD31-4B8C-83A1-F6EECF244321}">
-                <p14:modId xmlns:p14="http://schemas.microsoft.com/office/powerpoint/2010/main" val="1958256990"/>
-              </p:ext>
-            </p:extLst>
-          </p:nvPr>
-        </p:nvGraphicFramePr>
-        <p:xfrm>
-          <a:off x="591910" y="1273339"/>
-          <a:ext cx="11081929" cy="5493018"/>
-        </p:xfrm>
-        <a:graphic>
-          <a:graphicData uri="http://schemas.openxmlformats.org/drawingml/2006/table">
-            <a:tbl>
-              <a:tblPr firstRow="1" bandRow="1">
-                <a:tableStyleId>{5C22544A-7EE6-4342-B048-85BDC9FD1C3A}</a:tableStyleId>
-              </a:tblPr>
-              <a:tblGrid>
-                <a:gridCol w="3566442">
-                  <a:extLst>
-                    <a:ext uri="{9D8B030D-6E8A-4147-A177-3AD203B41FA5}">
-                      <a16:colId xmlns:a16="http://schemas.microsoft.com/office/drawing/2014/main" val="1294872661"/>
-                    </a:ext>
-                  </a:extLst>
-                </a:gridCol>
-                <a:gridCol w="7515487">
-                  <a:extLst>
-                    <a:ext uri="{9D8B030D-6E8A-4147-A177-3AD203B41FA5}">
-                      <a16:colId xmlns:a16="http://schemas.microsoft.com/office/drawing/2014/main" val="3710584294"/>
-                    </a:ext>
-                  </a:extLst>
-                </a:gridCol>
-              </a:tblGrid>
-              <a:tr h="549743">
-                <a:tc>
-                  <a:txBody>
-                    <a:bodyPr/>
-                    <a:lstStyle/>
-                    <a:p>
-                      <a:pPr algn="ctr" latinLnBrk="1"/>
-                      <a:r>
-                        <a:rPr lang="ko-KR" altLang="en-US" dirty="0"/>
-                        <a:t>내용</a:t>
-                      </a:r>
-                    </a:p>
-                  </a:txBody>
-                  <a:tcPr>
-                    <a:solidFill>
-                      <a:srgbClr val="355F77"/>
-                    </a:solidFill>
-                  </a:tcPr>
-                </a:tc>
-                <a:tc>
-                  <a:txBody>
-                    <a:bodyPr/>
-                    <a:lstStyle/>
-                    <a:p>
-                      <a:pPr algn="ctr" latinLnBrk="1"/>
-                      <a:r>
-                        <a:rPr lang="ko-KR" altLang="en-US" dirty="0"/>
-                        <a:t>범위</a:t>
-                      </a:r>
-                    </a:p>
-                  </a:txBody>
-                  <a:tcPr>
-                    <a:solidFill>
-                      <a:srgbClr val="355F77"/>
-                    </a:solidFill>
-                  </a:tcPr>
-                </a:tc>
-                <a:extLst>
-                  <a:ext uri="{0D108BD9-81ED-4DB2-BD59-A6C34878D82A}">
-                    <a16:rowId xmlns:a16="http://schemas.microsoft.com/office/drawing/2014/main" val="287774260"/>
-                  </a:ext>
-                </a:extLst>
-              </a:tr>
-              <a:tr h="549743">
-                <a:tc>
-                  <a:txBody>
-                    <a:bodyPr/>
-                    <a:lstStyle/>
-                    <a:p>
-                      <a:pPr latinLnBrk="1"/>
-                      <a:r>
-                        <a:rPr lang="ko-KR" altLang="en-US" b="1" dirty="0"/>
-                        <a:t>전투기 컨트롤</a:t>
-                      </a:r>
-                    </a:p>
-                  </a:txBody>
-                  <a:tcPr>
-                    <a:solidFill>
-                      <a:schemeClr val="bg1">
-                        <a:lumMod val="85000"/>
-                      </a:schemeClr>
-                    </a:solidFill>
-                  </a:tcPr>
-                </a:tc>
-                <a:tc>
-                  <a:txBody>
-                    <a:bodyPr/>
-                    <a:lstStyle/>
-                    <a:p>
-                      <a:pPr latinLnBrk="1"/>
-                      <a:r>
-                        <a:rPr lang="ko-KR" altLang="en-US" sz="1800" b="1" dirty="0"/>
-                        <a:t>키보드로 </a:t>
-                      </a:r>
-                      <a:r>
-                        <a:rPr lang="en-US" altLang="ko-KR" sz="1800" b="1" dirty="0"/>
-                        <a:t>6</a:t>
-                      </a:r>
-                      <a:r>
-                        <a:rPr lang="ko-KR" altLang="en-US" sz="1800" b="1" dirty="0"/>
-                        <a:t>방향 움직임</a:t>
-                      </a:r>
-                      <a:r>
-                        <a:rPr lang="en-US" altLang="ko-KR" sz="1800" b="1" dirty="0"/>
-                        <a:t>(</a:t>
-                      </a:r>
-                      <a:r>
-                        <a:rPr lang="ko-KR" altLang="en-US" sz="1800" b="1" dirty="0" err="1"/>
-                        <a:t>좌우상하</a:t>
-                      </a:r>
-                      <a:r>
-                        <a:rPr lang="en-US" altLang="ko-KR" sz="1800" b="1" dirty="0"/>
-                        <a:t>, </a:t>
-                      </a:r>
-                      <a:r>
-                        <a:rPr lang="ko-KR" altLang="en-US" sz="1800" b="1" dirty="0"/>
-                        <a:t>대각선 좌상우상</a:t>
-                      </a:r>
-                      <a:r>
-                        <a:rPr lang="en-US" altLang="ko-KR" sz="1800" b="1" dirty="0"/>
-                        <a:t>)</a:t>
-                      </a:r>
-                      <a:endParaRPr lang="ko-KR" altLang="en-US" sz="1800" b="1" dirty="0"/>
-                    </a:p>
-                  </a:txBody>
-                  <a:tcPr>
-                    <a:noFill/>
-                  </a:tcPr>
-                </a:tc>
-                <a:extLst>
-                  <a:ext uri="{0D108BD9-81ED-4DB2-BD59-A6C34878D82A}">
-                    <a16:rowId xmlns:a16="http://schemas.microsoft.com/office/drawing/2014/main" val="642933506"/>
-                  </a:ext>
-                </a:extLst>
-              </a:tr>
-              <a:tr h="549743">
-                <a:tc>
-                  <a:txBody>
-                    <a:bodyPr/>
-                    <a:lstStyle/>
-                    <a:p>
-                      <a:pPr latinLnBrk="1"/>
-                      <a:r>
-                        <a:rPr lang="ko-KR" altLang="en-US" b="1" dirty="0"/>
-                        <a:t>전투기 기술</a:t>
-                      </a:r>
-                    </a:p>
-                  </a:txBody>
-                  <a:tcPr>
-                    <a:solidFill>
-                      <a:schemeClr val="bg1">
-                        <a:lumMod val="85000"/>
-                      </a:schemeClr>
-                    </a:solidFill>
-                  </a:tcPr>
-                </a:tc>
-                <a:tc>
-                  <a:txBody>
-                    <a:bodyPr/>
-                    <a:lstStyle/>
-                    <a:p>
-                      <a:pPr latinLnBrk="1"/>
-                      <a:r>
-                        <a:rPr lang="ko-KR" altLang="en-US" sz="1800" b="1" dirty="0"/>
-                        <a:t>키보드 키를 눌러 공격</a:t>
-                      </a:r>
-                      <a:r>
-                        <a:rPr lang="en-US" altLang="ko-KR" sz="1800" b="1" dirty="0"/>
-                        <a:t>(</a:t>
-                      </a:r>
-                      <a:r>
-                        <a:rPr lang="ko-KR" altLang="en-US" sz="1800" b="1" dirty="0"/>
-                        <a:t>방향 다른 기본공격 구현</a:t>
-                      </a:r>
-                      <a:r>
-                        <a:rPr lang="en-US" altLang="ko-KR" sz="1800" b="1" dirty="0"/>
-                        <a:t>, </a:t>
-                      </a:r>
-                      <a:r>
-                        <a:rPr lang="ko-KR" altLang="en-US" sz="1800" b="1" dirty="0"/>
-                        <a:t>아군 출격 공격</a:t>
-                      </a:r>
-                      <a:r>
-                        <a:rPr lang="en-US" altLang="ko-KR" sz="1800" b="1" dirty="0"/>
-                        <a:t>)</a:t>
-                      </a:r>
-                      <a:endParaRPr lang="ko-KR" altLang="en-US" sz="1800" b="1" dirty="0"/>
-                    </a:p>
-                  </a:txBody>
-                  <a:tcPr>
-                    <a:noFill/>
-                  </a:tcPr>
-                </a:tc>
-                <a:extLst>
-                  <a:ext uri="{0D108BD9-81ED-4DB2-BD59-A6C34878D82A}">
-                    <a16:rowId xmlns:a16="http://schemas.microsoft.com/office/drawing/2014/main" val="3938476535"/>
-                  </a:ext>
-                </a:extLst>
-              </a:tr>
-              <a:tr h="549743">
-                <a:tc>
-                  <a:txBody>
-                    <a:bodyPr/>
-                    <a:lstStyle/>
-                    <a:p>
-                      <a:pPr latinLnBrk="1"/>
-                      <a:r>
-                        <a:rPr lang="ko-KR" altLang="en-US" b="1" dirty="0"/>
-                        <a:t>맵</a:t>
-                      </a:r>
-                    </a:p>
-                  </a:txBody>
-                  <a:tcPr>
-                    <a:solidFill>
-                      <a:schemeClr val="bg1">
-                        <a:lumMod val="85000"/>
-                      </a:schemeClr>
-                    </a:solidFill>
-                  </a:tcPr>
-                </a:tc>
-                <a:tc>
-                  <a:txBody>
-                    <a:bodyPr/>
-                    <a:lstStyle/>
-                    <a:p>
-                      <a:pPr latinLnBrk="1"/>
-                      <a:r>
-                        <a:rPr lang="ko-KR" altLang="en-US" sz="1800" b="1" dirty="0"/>
-                        <a:t>스테이지 </a:t>
-                      </a:r>
-                      <a:r>
-                        <a:rPr lang="en-US" altLang="ko-KR" sz="1800" b="1" dirty="0"/>
-                        <a:t>1</a:t>
-                      </a:r>
-                      <a:r>
-                        <a:rPr lang="ko-KR" altLang="en-US" sz="1800" b="1" dirty="0"/>
-                        <a:t>개 구현</a:t>
-                      </a:r>
-                    </a:p>
-                  </a:txBody>
-                  <a:tcPr>
-                    <a:noFill/>
-                  </a:tcPr>
-                </a:tc>
-                <a:extLst>
-                  <a:ext uri="{0D108BD9-81ED-4DB2-BD59-A6C34878D82A}">
-                    <a16:rowId xmlns:a16="http://schemas.microsoft.com/office/drawing/2014/main" val="3714620509"/>
-                  </a:ext>
-                </a:extLst>
-              </a:tr>
-              <a:tr h="614345">
-                <a:tc>
-                  <a:txBody>
-                    <a:bodyPr/>
-                    <a:lstStyle/>
-                    <a:p>
-                      <a:pPr latinLnBrk="1"/>
-                      <a:r>
-                        <a:rPr lang="ko-KR" altLang="en-US" b="1" dirty="0"/>
-                        <a:t>적 </a:t>
-                      </a:r>
-                      <a:r>
-                        <a:rPr lang="en-US" altLang="ko-KR" b="1" dirty="0"/>
-                        <a:t>AI</a:t>
-                      </a:r>
-                      <a:endParaRPr lang="ko-KR" altLang="en-US" b="1" dirty="0"/>
-                    </a:p>
-                  </a:txBody>
-                  <a:tcPr>
-                    <a:solidFill>
-                      <a:schemeClr val="bg1">
-                        <a:lumMod val="85000"/>
-                      </a:schemeClr>
-                    </a:solidFill>
-                  </a:tcPr>
-                </a:tc>
-                <a:tc>
-                  <a:txBody>
-                    <a:bodyPr/>
-                    <a:lstStyle/>
-                    <a:p>
-                      <a:pPr latinLnBrk="1"/>
-                      <a:r>
-                        <a:rPr lang="ko-KR" altLang="en-US" sz="1800" b="1" dirty="0"/>
-                        <a:t>적은 상</a:t>
-                      </a:r>
-                      <a:r>
-                        <a:rPr lang="en-US" altLang="ko-KR" sz="1800" b="1" dirty="0"/>
-                        <a:t>, </a:t>
-                      </a:r>
-                      <a:r>
-                        <a:rPr lang="ko-KR" altLang="en-US" sz="1800" b="1" dirty="0"/>
-                        <a:t>좌</a:t>
-                      </a:r>
-                      <a:r>
-                        <a:rPr lang="en-US" altLang="ko-KR" sz="1800" b="1" dirty="0"/>
-                        <a:t>, </a:t>
-                      </a:r>
-                      <a:r>
-                        <a:rPr lang="ko-KR" altLang="en-US" sz="1800" b="1" dirty="0"/>
-                        <a:t>우 에서 적이 나오도록 구현</a:t>
-                      </a:r>
-                      <a:r>
-                        <a:rPr lang="en-US" altLang="ko-KR" sz="1800" b="1" dirty="0"/>
-                        <a:t>,</a:t>
-                      </a:r>
-                    </a:p>
-                    <a:p>
-                      <a:pPr latinLnBrk="1"/>
-                      <a:r>
-                        <a:rPr lang="ko-KR" altLang="en-US" sz="1800" b="1" dirty="0"/>
-                        <a:t>직선 방향</a:t>
-                      </a:r>
-                      <a:r>
-                        <a:rPr lang="en-US" altLang="ko-KR" sz="1800" b="1" dirty="0"/>
-                        <a:t>, </a:t>
-                      </a:r>
-                      <a:r>
-                        <a:rPr lang="ko-KR" altLang="en-US" sz="1800" b="1" dirty="0"/>
-                        <a:t>대각선 방향으로 공격하도록 구현</a:t>
-                      </a:r>
-                    </a:p>
-                  </a:txBody>
-                  <a:tcPr>
-                    <a:noFill/>
-                  </a:tcPr>
-                </a:tc>
-                <a:extLst>
-                  <a:ext uri="{0D108BD9-81ED-4DB2-BD59-A6C34878D82A}">
-                    <a16:rowId xmlns:a16="http://schemas.microsoft.com/office/drawing/2014/main" val="2089114752"/>
-                  </a:ext>
-                </a:extLst>
-              </a:tr>
-              <a:tr h="614345">
-                <a:tc>
-                  <a:txBody>
-                    <a:bodyPr/>
-                    <a:lstStyle/>
-                    <a:p>
-                      <a:pPr latinLnBrk="1"/>
-                      <a:r>
-                        <a:rPr lang="ko-KR" altLang="en-US" b="1" dirty="0"/>
-                        <a:t>난이도</a:t>
-                      </a:r>
-                    </a:p>
-                  </a:txBody>
-                  <a:tcPr>
-                    <a:solidFill>
-                      <a:schemeClr val="bg1">
-                        <a:lumMod val="85000"/>
-                      </a:schemeClr>
-                    </a:solidFill>
-                  </a:tcPr>
-                </a:tc>
-                <a:tc>
-                  <a:txBody>
-                    <a:bodyPr/>
-                    <a:lstStyle/>
-                    <a:p>
-                      <a:pPr marL="0" marR="0" lvl="0" indent="0" algn="l" defTabSz="914400" rtl="0" eaLnBrk="1" fontAlgn="auto" latinLnBrk="1" hangingPunct="1">
-                        <a:lnSpc>
-                          <a:spcPct val="100000"/>
-                        </a:lnSpc>
-                        <a:spcBef>
-                          <a:spcPts val="0"/>
-                        </a:spcBef>
-                        <a:spcAft>
-                          <a:spcPts val="0"/>
-                        </a:spcAft>
-                        <a:buClrTx/>
-                        <a:buSzTx/>
-                        <a:buFontTx/>
-                        <a:buNone/>
-                        <a:tabLst/>
-                        <a:defRPr/>
-                      </a:pPr>
-                      <a:r>
-                        <a:rPr lang="ko-KR" altLang="en-US" sz="1800" b="1" dirty="0"/>
-                        <a:t>전투기 체력을 조절하여 난이도 조절</a:t>
-                      </a:r>
-                      <a:endParaRPr lang="en-US" altLang="ko-KR" sz="1800" b="1" dirty="0"/>
-                    </a:p>
-                    <a:p>
-                      <a:pPr latinLnBrk="1"/>
-                      <a:r>
-                        <a:rPr lang="ko-KR" altLang="en-US" sz="1800" b="1" dirty="0"/>
-                        <a:t>쉬운 난이도로 개임의 재미요소를 찾는 것에 주력</a:t>
-                      </a:r>
-                      <a:endParaRPr lang="en-US" altLang="ko-KR" sz="1800" b="1" dirty="0"/>
-                    </a:p>
-                  </a:txBody>
-                  <a:tcPr>
-                    <a:noFill/>
-                  </a:tcPr>
-                </a:tc>
-                <a:extLst>
-                  <a:ext uri="{0D108BD9-81ED-4DB2-BD59-A6C34878D82A}">
-                    <a16:rowId xmlns:a16="http://schemas.microsoft.com/office/drawing/2014/main" val="2371628036"/>
-                  </a:ext>
-                </a:extLst>
-              </a:tr>
-              <a:tr h="877636">
-                <a:tc>
-                  <a:txBody>
-                    <a:bodyPr/>
-                    <a:lstStyle/>
-                    <a:p>
-                      <a:pPr latinLnBrk="1"/>
-                      <a:r>
-                        <a:rPr lang="ko-KR" altLang="en-US" b="1" dirty="0"/>
-                        <a:t>게임 기능</a:t>
-                      </a:r>
-                    </a:p>
-                  </a:txBody>
-                  <a:tcPr>
-                    <a:solidFill>
-                      <a:schemeClr val="bg1">
-                        <a:lumMod val="85000"/>
-                      </a:schemeClr>
-                    </a:solidFill>
-                  </a:tcPr>
-                </a:tc>
-                <a:tc>
-                  <a:txBody>
-                    <a:bodyPr/>
-                    <a:lstStyle/>
-                    <a:p>
-                      <a:pPr latinLnBrk="1"/>
-                      <a:r>
-                        <a:rPr lang="ko-KR" altLang="en-US" sz="1800" b="1" dirty="0"/>
-                        <a:t>게임 시작에서 끝날 때까지의 시간을 기록</a:t>
-                      </a:r>
-                      <a:endParaRPr lang="en-US" altLang="ko-KR" sz="1800" b="1" dirty="0"/>
-                    </a:p>
-                    <a:p>
-                      <a:pPr latinLnBrk="1"/>
-                      <a:r>
-                        <a:rPr lang="ko-KR" altLang="en-US" sz="1800" b="1" dirty="0"/>
-                        <a:t>아군 출격을 이용하여 아군들과 함께 공격</a:t>
-                      </a:r>
-                      <a:endParaRPr lang="en-US" altLang="ko-KR" sz="1800" b="1" dirty="0"/>
-                    </a:p>
-                    <a:p>
-                      <a:pPr latinLnBrk="1"/>
-                      <a:r>
-                        <a:rPr lang="en-US" altLang="ko-KR" sz="1800" b="1" dirty="0"/>
-                        <a:t>2</a:t>
-                      </a:r>
-                      <a:r>
-                        <a:rPr lang="ko-KR" altLang="en-US" sz="1800" b="1" dirty="0"/>
-                        <a:t>가지 이상의 기본으로 적들을 공격</a:t>
-                      </a:r>
-                    </a:p>
-                  </a:txBody>
-                  <a:tcPr>
-                    <a:noFill/>
-                  </a:tcPr>
-                </a:tc>
-                <a:extLst>
-                  <a:ext uri="{0D108BD9-81ED-4DB2-BD59-A6C34878D82A}">
-                    <a16:rowId xmlns:a16="http://schemas.microsoft.com/office/drawing/2014/main" val="2429667246"/>
-                  </a:ext>
-                </a:extLst>
-              </a:tr>
-              <a:tr h="549743">
-                <a:tc>
-                  <a:txBody>
-                    <a:bodyPr/>
-                    <a:lstStyle/>
-                    <a:p>
-                      <a:pPr latinLnBrk="1"/>
-                      <a:r>
-                        <a:rPr lang="ko-KR" altLang="en-US" b="1" dirty="0"/>
-                        <a:t>사운드</a:t>
-                      </a:r>
-                    </a:p>
-                  </a:txBody>
-                  <a:tcPr>
-                    <a:solidFill>
-                      <a:schemeClr val="bg1">
-                        <a:lumMod val="85000"/>
-                      </a:schemeClr>
-                    </a:solidFill>
-                  </a:tcPr>
-                </a:tc>
-                <a:tc>
-                  <a:txBody>
-                    <a:bodyPr/>
-                    <a:lstStyle/>
-                    <a:p>
-                      <a:pPr latinLnBrk="1"/>
-                      <a:r>
-                        <a:rPr lang="ko-KR" altLang="en-US" sz="1800" b="1" dirty="0"/>
-                        <a:t>슈팅</a:t>
-                      </a:r>
-                      <a:r>
-                        <a:rPr lang="en-US" altLang="ko-KR" sz="1800" b="1" dirty="0"/>
-                        <a:t>, </a:t>
-                      </a:r>
-                      <a:r>
-                        <a:rPr lang="ko-KR" altLang="en-US" sz="1800" b="1" dirty="0"/>
-                        <a:t>폭발</a:t>
-                      </a:r>
-                      <a:r>
-                        <a:rPr lang="en-US" altLang="ko-KR" sz="1800" b="1" dirty="0"/>
-                        <a:t>, </a:t>
-                      </a:r>
-                      <a:r>
-                        <a:rPr lang="ko-KR" altLang="en-US" sz="1800" b="1" dirty="0"/>
-                        <a:t>배경 사운드</a:t>
-                      </a:r>
-                      <a:r>
-                        <a:rPr lang="en-US" altLang="ko-KR" sz="1800" b="1" dirty="0"/>
-                        <a:t> </a:t>
-                      </a:r>
-                      <a:r>
-                        <a:rPr lang="ko-KR" altLang="en-US" sz="1800" b="1" dirty="0"/>
-                        <a:t>구현</a:t>
-                      </a:r>
-                    </a:p>
-                  </a:txBody>
-                  <a:tcPr>
-                    <a:noFill/>
-                  </a:tcPr>
-                </a:tc>
-                <a:extLst>
-                  <a:ext uri="{0D108BD9-81ED-4DB2-BD59-A6C34878D82A}">
-                    <a16:rowId xmlns:a16="http://schemas.microsoft.com/office/drawing/2014/main" val="2577680701"/>
-                  </a:ext>
-                </a:extLst>
-              </a:tr>
-              <a:tr h="549743">
-                <a:tc>
-                  <a:txBody>
-                    <a:bodyPr/>
-                    <a:lstStyle/>
-                    <a:p>
-                      <a:pPr latinLnBrk="1"/>
-                      <a:r>
-                        <a:rPr lang="ko-KR" altLang="en-US" b="1" dirty="0"/>
-                        <a:t>애니메이션</a:t>
-                      </a:r>
-                    </a:p>
-                  </a:txBody>
-                  <a:tcPr>
-                    <a:solidFill>
-                      <a:schemeClr val="bg1">
-                        <a:lumMod val="85000"/>
-                      </a:schemeClr>
-                    </a:solidFill>
-                  </a:tcPr>
-                </a:tc>
-                <a:tc>
-                  <a:txBody>
-                    <a:bodyPr/>
-                    <a:lstStyle/>
-                    <a:p>
-                      <a:pPr latinLnBrk="1"/>
-                      <a:r>
-                        <a:rPr lang="ko-KR" altLang="en-US" sz="1800" b="1" dirty="0"/>
-                        <a:t>전투기의 움직임</a:t>
-                      </a:r>
-                      <a:r>
-                        <a:rPr lang="en-US" altLang="ko-KR" sz="1800" b="1" dirty="0"/>
-                        <a:t>, </a:t>
-                      </a:r>
-                      <a:r>
-                        <a:rPr lang="ko-KR" altLang="en-US" sz="1800" b="1" dirty="0"/>
-                        <a:t>슈팅</a:t>
-                      </a:r>
-                    </a:p>
-                  </a:txBody>
-                  <a:tcPr>
-                    <a:noFill/>
-                  </a:tcPr>
-                </a:tc>
-                <a:extLst>
-                  <a:ext uri="{0D108BD9-81ED-4DB2-BD59-A6C34878D82A}">
-                    <a16:rowId xmlns:a16="http://schemas.microsoft.com/office/drawing/2014/main" val="27795625"/>
-                  </a:ext>
-                </a:extLst>
-              </a:tr>
-            </a:tbl>
-          </a:graphicData>
-        </a:graphic>
-      </p:graphicFrame>
-    </p:spTree>
-    <p:extLst>
-      <p:ext uri="{BB962C8B-B14F-4D97-AF65-F5344CB8AC3E}">
-        <p14:creationId xmlns:p14="http://schemas.microsoft.com/office/powerpoint/2010/main" val="2988814401"/>
-      </p:ext>
-    </p:extLst>
-  </p:cSld>
-  <p:clrMapOvr>
-    <a:masterClrMapping/>
-  </p:clrMapOvr>
-</p:sld>
-</file>
-
-<file path=ppt/slides/slide4.xml><?xml version="1.0" encoding="utf-8"?>
-<p:sld xmlns:a="http://schemas.openxmlformats.org/drawingml/2006/main" xmlns:r="http://schemas.openxmlformats.org/officeDocument/2006/relationships" xmlns:p="http://schemas.openxmlformats.org/presentationml/2006/main">
-  <p:cSld>
-    <p:bg>
-      <p:bgPr>
-        <a:solidFill>
-          <a:schemeClr val="bg1">
-            <a:lumMod val="95000"/>
-          </a:schemeClr>
-        </a:solidFill>
-        <a:effectLst/>
-      </p:bgPr>
-    </p:bg>
-    <p:spTree>
-      <p:nvGrpSpPr>
-        <p:cNvPr id="1" name=""/>
-        <p:cNvGrpSpPr/>
-        <p:nvPr/>
-      </p:nvGrpSpPr>
-      <p:grpSpPr>
-        <a:xfrm>
-          <a:off x="0" y="0"/>
-          <a:ext cx="0" cy="0"/>
-          <a:chOff x="0" y="0"/>
-          <a:chExt cx="0" cy="0"/>
-        </a:xfrm>
-      </p:grpSpPr>
-      <p:graphicFrame>
-        <p:nvGraphicFramePr>
-          <p:cNvPr id="18" name="표 17"/>
-          <p:cNvGraphicFramePr>
-            <a:graphicFrameLocks noGrp="1"/>
-          </p:cNvGraphicFramePr>
-          <p:nvPr>
-            <p:extLst>
-              <p:ext uri="{D42A27DB-BD31-4B8C-83A1-F6EECF244321}">
-                <p14:modId xmlns:p14="http://schemas.microsoft.com/office/powerpoint/2010/main" val="988479245"/>
-              </p:ext>
-            </p:extLst>
-          </p:nvPr>
-        </p:nvGraphicFramePr>
-        <p:xfrm>
-          <a:off x="591911" y="1006929"/>
-          <a:ext cx="11103283" cy="5820060"/>
-        </p:xfrm>
-        <a:graphic>
-          <a:graphicData uri="http://schemas.openxmlformats.org/drawingml/2006/table">
-            <a:tbl>
-              <a:tblPr firstRow="1" bandRow="1">
-                <a:tableStyleId>{5C22544A-7EE6-4342-B048-85BDC9FD1C3A}</a:tableStyleId>
-              </a:tblPr>
-              <a:tblGrid>
-                <a:gridCol w="1630653">
-                  <a:extLst>
-                    <a:ext uri="{9D8B030D-6E8A-4147-A177-3AD203B41FA5}">
-                      <a16:colId xmlns:a16="http://schemas.microsoft.com/office/drawing/2014/main" val="20000"/>
-                    </a:ext>
-                  </a:extLst>
-                </a:gridCol>
-                <a:gridCol w="2562796">
-                  <a:extLst>
-                    <a:ext uri="{9D8B030D-6E8A-4147-A177-3AD203B41FA5}">
-                      <a16:colId xmlns:a16="http://schemas.microsoft.com/office/drawing/2014/main" val="20001"/>
-                    </a:ext>
-                  </a:extLst>
-                </a:gridCol>
-                <a:gridCol w="6909834">
-                  <a:extLst>
-                    <a:ext uri="{9D8B030D-6E8A-4147-A177-3AD203B41FA5}">
-                      <a16:colId xmlns:a16="http://schemas.microsoft.com/office/drawing/2014/main" val="20002"/>
-                    </a:ext>
-                  </a:extLst>
-                </a:gridCol>
-              </a:tblGrid>
-              <a:tr h="289483">
-                <a:tc rowSpan="2">
-                  <a:txBody>
-                    <a:bodyPr/>
-                    <a:lstStyle/>
-                    <a:p>
-                      <a:pPr marL="0" marR="0" lvl="0" indent="0" algn="ctr" defTabSz="914400" rtl="0" eaLnBrk="1" fontAlgn="auto" latinLnBrk="1" hangingPunct="1">
-                        <a:lnSpc>
-                          <a:spcPct val="100000"/>
-                        </a:lnSpc>
-                        <a:spcBef>
-                          <a:spcPts val="0"/>
-                        </a:spcBef>
-                        <a:spcAft>
-                          <a:spcPts val="0"/>
-                        </a:spcAft>
-                        <a:buClrTx/>
-                        <a:buSzTx/>
-                        <a:buFontTx/>
-                        <a:buNone/>
-                        <a:tabLst/>
-                        <a:defRPr/>
-                      </a:pPr>
-                      <a:r>
-                        <a:rPr kumimoji="0" lang="en-US" altLang="ko-KR" sz="1400" b="1" i="0" u="none" strike="noStrike" kern="1200" cap="none" spc="0" normalizeH="0" baseline="0" noProof="0" dirty="0">
-                          <a:ln>
-                            <a:noFill/>
-                          </a:ln>
-                          <a:solidFill>
-                            <a:schemeClr val="bg2">
-                              <a:lumMod val="50000"/>
-                            </a:schemeClr>
-                          </a:solidFill>
-                          <a:effectLst/>
-                          <a:uLnTx/>
-                          <a:uFillTx/>
-                          <a:latin typeface="+mn-lt"/>
-                          <a:ea typeface="+mn-ea"/>
-                          <a:cs typeface="+mn-cs"/>
-                        </a:rPr>
-                        <a:t>1</a:t>
-                      </a:r>
-                      <a:r>
-                        <a:rPr kumimoji="0" lang="ko-KR" altLang="en-US" sz="1400" b="1" i="0" u="none" strike="noStrike" kern="1200" cap="none" spc="0" normalizeH="0" baseline="0" noProof="0" dirty="0">
-                          <a:ln>
-                            <a:noFill/>
-                          </a:ln>
-                          <a:solidFill>
-                            <a:schemeClr val="bg2">
-                              <a:lumMod val="50000"/>
-                            </a:schemeClr>
-                          </a:solidFill>
-                          <a:effectLst/>
-                          <a:uLnTx/>
-                          <a:uFillTx/>
-                          <a:latin typeface="+mn-lt"/>
-                          <a:ea typeface="+mn-ea"/>
-                          <a:cs typeface="+mn-cs"/>
-                        </a:rPr>
-                        <a:t>주차</a:t>
-                      </a:r>
-                      <a:endParaRPr kumimoji="0" lang="en-US" altLang="ko-KR" sz="1400" b="1" i="0" u="none" strike="noStrike" kern="1200" cap="none" spc="0" normalizeH="0" baseline="0" noProof="0" dirty="0">
-                        <a:ln>
-                          <a:noFill/>
-                        </a:ln>
-                        <a:solidFill>
-                          <a:schemeClr val="bg2">
-                            <a:lumMod val="50000"/>
-                          </a:schemeClr>
-                        </a:solidFill>
-                        <a:effectLst/>
-                        <a:uLnTx/>
-                        <a:uFillTx/>
-                        <a:latin typeface="+mn-lt"/>
-                        <a:ea typeface="+mn-ea"/>
-                        <a:cs typeface="+mn-cs"/>
-                      </a:endParaRPr>
-                    </a:p>
-                  </a:txBody>
-                  <a:tcPr marL="216000" anchor="ctr">
-                    <a:lnL w="12700" cap="flat" cmpd="sng" algn="ctr">
-                      <a:noFill/>
-                      <a:prstDash val="solid"/>
-                      <a:round/>
-                      <a:headEnd type="none" w="med" len="med"/>
-                      <a:tailEnd type="none" w="med" len="med"/>
-                    </a:lnL>
-                    <a:lnR w="12700" cap="flat" cmpd="sng" algn="ctr">
-                      <a:noFill/>
-                      <a:prstDash val="solid"/>
-                      <a:round/>
-                      <a:headEnd type="none" w="med" len="med"/>
-                      <a:tailEnd type="none" w="med" len="med"/>
-                    </a:lnR>
-                    <a:lnT w="38100" cap="flat" cmpd="sng" algn="ctr">
-                      <a:noFill/>
-                      <a:prstDash val="solid"/>
-                      <a:round/>
-                      <a:headEnd type="none" w="med" len="med"/>
-                      <a:tailEnd type="none" w="med" len="med"/>
-                    </a:lnT>
-                    <a:lnB w="12700" cap="flat" cmpd="sng" algn="ctr">
-                      <a:noFill/>
-                      <a:prstDash val="solid"/>
-                      <a:round/>
-                      <a:headEnd type="none" w="med" len="med"/>
-                      <a:tailEnd type="none" w="med" len="med"/>
-                    </a:lnB>
-                    <a:lnTlToBr w="12700" cmpd="sng">
-                      <a:noFill/>
-                      <a:prstDash val="solid"/>
-                    </a:lnTlToBr>
-                    <a:lnBlToTr w="12700" cmpd="sng">
-                      <a:noFill/>
-                      <a:prstDash val="solid"/>
-                    </a:lnBlToTr>
-                    <a:solidFill>
-                      <a:schemeClr val="bg1"/>
-                    </a:solidFill>
-                  </a:tcPr>
-                </a:tc>
-                <a:tc>
-                  <a:txBody>
-                    <a:bodyPr/>
-                    <a:lstStyle/>
-                    <a:p>
-                      <a:pPr marL="0" marR="0" lvl="0" indent="0" algn="ctr" defTabSz="914400" rtl="0" eaLnBrk="1" fontAlgn="auto" latinLnBrk="1" hangingPunct="1">
-                        <a:lnSpc>
-                          <a:spcPct val="100000"/>
-                        </a:lnSpc>
-                        <a:spcBef>
-                          <a:spcPts val="0"/>
-                        </a:spcBef>
-                        <a:spcAft>
-                          <a:spcPts val="0"/>
-                        </a:spcAft>
-                        <a:buClrTx/>
-                        <a:buSzTx/>
-                        <a:buFontTx/>
-                        <a:buNone/>
-                        <a:tabLst/>
-                        <a:defRPr/>
-                      </a:pPr>
-                      <a:r>
-                        <a:rPr kumimoji="0" lang="ko-KR" altLang="en-US" sz="1400" b="1" i="0" u="none" strike="noStrike" kern="1200" cap="none" spc="0" normalizeH="0" baseline="0" noProof="0" dirty="0">
-                          <a:ln>
-                            <a:noFill/>
-                          </a:ln>
-                          <a:solidFill>
-                            <a:schemeClr val="bg2">
-                              <a:lumMod val="50000"/>
-                            </a:schemeClr>
-                          </a:solidFill>
-                          <a:effectLst/>
-                          <a:uLnTx/>
-                          <a:uFillTx/>
-                          <a:latin typeface="+mn-lt"/>
-                          <a:ea typeface="+mn-ea"/>
-                          <a:cs typeface="+mn-cs"/>
-                        </a:rPr>
-                        <a:t>계획 </a:t>
-                      </a:r>
-                      <a:endParaRPr kumimoji="0" lang="en-US" altLang="ko-KR" sz="1400" b="1" i="0" u="none" strike="noStrike" kern="1200" cap="none" spc="0" normalizeH="0" baseline="0" noProof="0" dirty="0">
-                        <a:ln>
-                          <a:noFill/>
-                        </a:ln>
-                        <a:solidFill>
-                          <a:schemeClr val="bg2">
-                            <a:lumMod val="50000"/>
-                          </a:schemeClr>
-                        </a:solidFill>
-                        <a:effectLst/>
-                        <a:uLnTx/>
-                        <a:uFillTx/>
-                        <a:latin typeface="+mn-lt"/>
-                        <a:ea typeface="+mn-ea"/>
-                        <a:cs typeface="+mn-cs"/>
-                      </a:endParaRPr>
-                    </a:p>
-                  </a:txBody>
-                  <a:tcPr marL="216000" anchor="ctr">
-                    <a:lnL w="12700" cap="flat" cmpd="sng" algn="ctr">
-                      <a:noFill/>
-                      <a:prstDash val="solid"/>
-                      <a:round/>
-                      <a:headEnd type="none" w="med" len="med"/>
-                      <a:tailEnd type="none" w="med" len="med"/>
-                    </a:lnL>
-                    <a:lnR w="12700" cap="flat" cmpd="sng" algn="ctr">
-                      <a:noFill/>
-                      <a:prstDash val="solid"/>
-                      <a:round/>
-                      <a:headEnd type="none" w="med" len="med"/>
-                      <a:tailEnd type="none" w="med" len="med"/>
-                    </a:lnR>
-                    <a:lnT w="38100" cap="flat" cmpd="sng" algn="ctr">
-                      <a:noFill/>
-                      <a:prstDash val="solid"/>
-                      <a:round/>
-                      <a:headEnd type="none" w="med" len="med"/>
-                      <a:tailEnd type="none" w="med" len="med"/>
-                    </a:lnT>
-                    <a:lnB w="12700" cap="flat" cmpd="sng" algn="ctr">
-                      <a:noFill/>
-                      <a:prstDash val="solid"/>
-                      <a:round/>
-                      <a:headEnd type="none" w="med" len="med"/>
-                      <a:tailEnd type="none" w="med" len="med"/>
-                    </a:lnB>
-                    <a:lnTlToBr w="12700" cmpd="sng">
-                      <a:noFill/>
-                      <a:prstDash val="solid"/>
-                    </a:lnTlToBr>
-                    <a:lnBlToTr w="12700" cmpd="sng">
-                      <a:noFill/>
-                      <a:prstDash val="solid"/>
-                    </a:lnBlToTr>
-                    <a:solidFill>
-                      <a:schemeClr val="bg1"/>
-                    </a:solidFill>
-                  </a:tcPr>
-                </a:tc>
-                <a:tc>
-                  <a:txBody>
-                    <a:bodyPr/>
-                    <a:lstStyle/>
-                    <a:p>
-                      <a:pPr marL="0" marR="0" lvl="0" indent="0" algn="ctr" defTabSz="914400" rtl="0" eaLnBrk="1" fontAlgn="auto" latinLnBrk="1" hangingPunct="1">
-                        <a:lnSpc>
-                          <a:spcPct val="100000"/>
-                        </a:lnSpc>
-                        <a:spcBef>
-                          <a:spcPts val="0"/>
-                        </a:spcBef>
-                        <a:spcAft>
-                          <a:spcPts val="0"/>
-                        </a:spcAft>
-                        <a:buClrTx/>
-                        <a:buSzTx/>
-                        <a:buFontTx/>
-                        <a:buNone/>
-                        <a:tabLst/>
-                        <a:defRPr/>
-                      </a:pPr>
-                      <a:r>
-                        <a:rPr kumimoji="0" lang="ko-KR" altLang="en-US" sz="1400" b="1" i="0" u="none" strike="noStrike" kern="1200" cap="none" spc="0" normalizeH="0" baseline="0" noProof="0" dirty="0">
-                          <a:ln>
-                            <a:noFill/>
-                          </a:ln>
-                          <a:solidFill>
-                            <a:schemeClr val="bg2">
-                              <a:lumMod val="50000"/>
-                            </a:schemeClr>
-                          </a:solidFill>
-                          <a:effectLst/>
-                          <a:uLnTx/>
-                          <a:uFillTx/>
-                          <a:latin typeface="+mn-lt"/>
-                          <a:ea typeface="+mn-ea"/>
-                          <a:cs typeface="+mn-cs"/>
-                        </a:rPr>
-                        <a:t>리소스 수집</a:t>
-                      </a:r>
-                      <a:r>
-                        <a:rPr kumimoji="0" lang="en-US" altLang="ko-KR" sz="1400" b="1" i="0" u="none" strike="noStrike" kern="1200" cap="none" spc="0" normalizeH="0" baseline="0" noProof="0" dirty="0">
-                          <a:ln>
-                            <a:noFill/>
-                          </a:ln>
-                          <a:solidFill>
-                            <a:schemeClr val="bg2">
-                              <a:lumMod val="50000"/>
-                            </a:schemeClr>
-                          </a:solidFill>
-                          <a:effectLst/>
-                          <a:uLnTx/>
-                          <a:uFillTx/>
-                          <a:latin typeface="+mn-lt"/>
-                          <a:ea typeface="+mn-ea"/>
-                          <a:cs typeface="+mn-cs"/>
-                        </a:rPr>
-                        <a:t>, </a:t>
-                      </a:r>
-                      <a:r>
-                        <a:rPr kumimoji="0" lang="ko-KR" altLang="en-US" sz="1400" b="1" i="0" u="none" strike="noStrike" kern="1200" cap="none" spc="0" normalizeH="0" baseline="0" noProof="0" dirty="0">
-                          <a:ln>
-                            <a:noFill/>
-                          </a:ln>
-                          <a:solidFill>
-                            <a:schemeClr val="bg2">
-                              <a:lumMod val="50000"/>
-                            </a:schemeClr>
-                          </a:solidFill>
-                          <a:effectLst/>
-                          <a:uLnTx/>
-                          <a:uFillTx/>
-                          <a:latin typeface="+mn-lt"/>
-                          <a:ea typeface="+mn-ea"/>
-                          <a:cs typeface="+mn-cs"/>
-                        </a:rPr>
-                        <a:t>세부 아이디어 구상</a:t>
-                      </a:r>
-                      <a:endParaRPr kumimoji="0" lang="en-US" altLang="ko-KR" sz="1400" b="1" i="0" u="none" strike="noStrike" kern="1200" cap="none" spc="0" normalizeH="0" baseline="0" noProof="0" dirty="0">
-                        <a:ln>
-                          <a:noFill/>
-                        </a:ln>
-                        <a:solidFill>
-                          <a:schemeClr val="bg2">
-                            <a:lumMod val="50000"/>
-                          </a:schemeClr>
-                        </a:solidFill>
-                        <a:effectLst/>
-                        <a:uLnTx/>
-                        <a:uFillTx/>
-                        <a:latin typeface="+mn-lt"/>
-                        <a:ea typeface="+mn-ea"/>
-                        <a:cs typeface="+mn-cs"/>
-                      </a:endParaRPr>
-                    </a:p>
-                  </a:txBody>
-                  <a:tcPr marL="216000" anchor="ctr">
-                    <a:lnL w="12700" cap="flat" cmpd="sng" algn="ctr">
-                      <a:noFill/>
-                      <a:prstDash val="solid"/>
-                      <a:round/>
-                      <a:headEnd type="none" w="med" len="med"/>
-                      <a:tailEnd type="none" w="med" len="med"/>
-                    </a:lnL>
-                    <a:lnR w="12700" cap="flat" cmpd="sng" algn="ctr">
-                      <a:noFill/>
-                      <a:prstDash val="solid"/>
-                      <a:round/>
-                      <a:headEnd type="none" w="med" len="med"/>
-                      <a:tailEnd type="none" w="med" len="med"/>
-                    </a:lnR>
-                    <a:lnT w="38100" cap="flat" cmpd="sng" algn="ctr">
-                      <a:noFill/>
-                      <a:prstDash val="solid"/>
-                      <a:round/>
-                      <a:headEnd type="none" w="med" len="med"/>
-                      <a:tailEnd type="none" w="med" len="med"/>
-                    </a:lnT>
-                    <a:lnB w="12700" cap="flat" cmpd="sng" algn="ctr">
-                      <a:noFill/>
-                      <a:prstDash val="solid"/>
-                      <a:round/>
-                      <a:headEnd type="none" w="med" len="med"/>
-                      <a:tailEnd type="none" w="med" len="med"/>
-                    </a:lnB>
-                    <a:lnTlToBr w="12700" cmpd="sng">
-                      <a:noFill/>
-                      <a:prstDash val="solid"/>
-                    </a:lnTlToBr>
-                    <a:lnBlToTr w="12700" cmpd="sng">
-                      <a:noFill/>
-                      <a:prstDash val="solid"/>
-                    </a:lnBlToTr>
-                    <a:solidFill>
-                      <a:schemeClr val="bg1"/>
-                    </a:solidFill>
-                  </a:tcPr>
-                </a:tc>
-                <a:extLst>
-                  <a:ext uri="{0D108BD9-81ED-4DB2-BD59-A6C34878D82A}">
-                    <a16:rowId xmlns:a16="http://schemas.microsoft.com/office/drawing/2014/main" val="10000"/>
-                  </a:ext>
-                </a:extLst>
-              </a:tr>
-              <a:tr h="761609">
-                <a:tc vMerge="1">
-                  <a:txBody>
-                    <a:bodyPr/>
-                    <a:lstStyle/>
-                    <a:p>
-                      <a:pPr latinLnBrk="1"/>
-                      <a:endParaRPr lang="ko-KR" altLang="en-US"/>
-                    </a:p>
-                  </a:txBody>
-                  <a:tcPr/>
-                </a:tc>
-                <a:tc>
-                  <a:txBody>
-                    <a:bodyPr/>
-                    <a:lstStyle/>
-                    <a:p>
-                      <a:pPr marL="0" marR="0" lvl="0" indent="0" algn="ctr" defTabSz="914400" rtl="0" eaLnBrk="1" fontAlgn="auto" latinLnBrk="1" hangingPunct="1">
-                        <a:lnSpc>
-                          <a:spcPct val="100000"/>
-                        </a:lnSpc>
-                        <a:spcBef>
-                          <a:spcPts val="0"/>
-                        </a:spcBef>
-                        <a:spcAft>
-                          <a:spcPts val="0"/>
-                        </a:spcAft>
-                        <a:buClrTx/>
-                        <a:buSzTx/>
-                        <a:buFontTx/>
-                        <a:buNone/>
-                        <a:tabLst/>
-                        <a:defRPr/>
-                      </a:pPr>
-                      <a:r>
-                        <a:rPr kumimoji="0" lang="ko-KR" altLang="en-US" sz="1400" b="1" i="0" u="none" strike="noStrike" kern="1200" cap="none" spc="0" normalizeH="0" baseline="0" noProof="0" dirty="0">
-                          <a:ln>
-                            <a:noFill/>
-                          </a:ln>
-                          <a:solidFill>
-                            <a:schemeClr val="bg2">
-                              <a:lumMod val="50000"/>
-                            </a:schemeClr>
-                          </a:solidFill>
-                          <a:effectLst/>
-                          <a:uLnTx/>
-                          <a:uFillTx/>
-                          <a:latin typeface="+mn-lt"/>
-                          <a:ea typeface="+mn-ea"/>
-                          <a:cs typeface="+mn-cs"/>
-                        </a:rPr>
-                        <a:t>결과</a:t>
-                      </a:r>
-                      <a:endParaRPr kumimoji="0" lang="en-US" altLang="ko-KR" sz="1400" b="1" i="0" u="none" strike="noStrike" kern="1200" cap="none" spc="0" normalizeH="0" baseline="0" noProof="0" dirty="0">
-                        <a:ln>
-                          <a:noFill/>
-                        </a:ln>
-                        <a:solidFill>
-                          <a:schemeClr val="bg2">
-                            <a:lumMod val="50000"/>
-                          </a:schemeClr>
-                        </a:solidFill>
-                        <a:effectLst/>
-                        <a:uLnTx/>
-                        <a:uFillTx/>
-                        <a:latin typeface="+mn-lt"/>
-                        <a:ea typeface="+mn-ea"/>
-                        <a:cs typeface="+mn-cs"/>
-                      </a:endParaRPr>
-                    </a:p>
-                  </a:txBody>
-                  <a:tcPr marL="216000" anchor="ctr">
-                    <a:lnL w="12700" cap="flat" cmpd="sng" algn="ctr">
-                      <a:noFill/>
-                      <a:prstDash val="solid"/>
-                      <a:round/>
-                      <a:headEnd type="none" w="med" len="med"/>
-                      <a:tailEnd type="none" w="med" len="med"/>
-                    </a:lnL>
-                    <a:lnR w="12700" cap="flat" cmpd="sng" algn="ctr">
-                      <a:noFill/>
-                      <a:prstDash val="solid"/>
-                      <a:round/>
-                      <a:headEnd type="none" w="med" len="med"/>
-                      <a:tailEnd type="none" w="med" len="med"/>
-                    </a:lnR>
-                    <a:lnT w="38100" cap="flat" cmpd="sng" algn="ctr">
-                      <a:noFill/>
-                      <a:prstDash val="solid"/>
-                      <a:round/>
-                      <a:headEnd type="none" w="med" len="med"/>
-                      <a:tailEnd type="none" w="med" len="med"/>
-                    </a:lnT>
-                    <a:lnB w="12700" cap="flat" cmpd="sng" algn="ctr">
-                      <a:noFill/>
-                      <a:prstDash val="solid"/>
-                      <a:round/>
-                      <a:headEnd type="none" w="med" len="med"/>
-                      <a:tailEnd type="none" w="med" len="med"/>
-                    </a:lnB>
-                    <a:lnTlToBr w="12700" cmpd="sng">
-                      <a:noFill/>
-                      <a:prstDash val="solid"/>
-                    </a:lnTlToBr>
-                    <a:lnBlToTr w="12700" cmpd="sng">
-                      <a:noFill/>
-                      <a:prstDash val="solid"/>
-                    </a:lnBlToTr>
-                    <a:solidFill>
-                      <a:schemeClr val="bg1"/>
-                    </a:solidFill>
-                  </a:tcPr>
-                </a:tc>
-                <a:tc>
-                  <a:txBody>
-                    <a:bodyPr/>
-                    <a:lstStyle/>
-                    <a:p>
-                      <a:pPr marL="0" marR="0" lvl="0" indent="0" algn="ctr" defTabSz="914400" rtl="0" eaLnBrk="1" fontAlgn="auto" latinLnBrk="1" hangingPunct="1">
-                        <a:lnSpc>
-                          <a:spcPct val="100000"/>
-                        </a:lnSpc>
-                        <a:spcBef>
-                          <a:spcPts val="0"/>
-                        </a:spcBef>
-                        <a:spcAft>
-                          <a:spcPts val="0"/>
-                        </a:spcAft>
-                        <a:buClrTx/>
-                        <a:buSzTx/>
-                        <a:buFontTx/>
-                        <a:buNone/>
-                        <a:tabLst/>
-                        <a:defRPr/>
-                      </a:pPr>
-                      <a:r>
-                        <a:rPr kumimoji="0" lang="en-US" altLang="ko-KR" sz="1400" b="1" i="0" u="none" strike="noStrike" kern="1200" cap="none" spc="0" normalizeH="0" baseline="0" noProof="0" dirty="0">
-                          <a:ln>
-                            <a:noFill/>
-                          </a:ln>
-                          <a:solidFill>
-                            <a:schemeClr val="bg2">
-                              <a:lumMod val="50000"/>
-                            </a:schemeClr>
-                          </a:solidFill>
-                          <a:effectLst/>
-                          <a:uLnTx/>
-                          <a:uFillTx/>
-                          <a:latin typeface="+mn-lt"/>
-                          <a:ea typeface="+mn-ea"/>
-                          <a:cs typeface="+mn-cs"/>
-                        </a:rPr>
-                        <a:t>1.</a:t>
-                      </a:r>
-                      <a:r>
-                        <a:rPr kumimoji="0" lang="ko-KR" altLang="en-US" sz="1400" b="1" i="0" u="none" strike="noStrike" kern="1200" cap="none" spc="0" normalizeH="0" baseline="0" noProof="0" dirty="0">
-                          <a:ln>
-                            <a:noFill/>
-                          </a:ln>
-                          <a:solidFill>
-                            <a:schemeClr val="bg2">
-                              <a:lumMod val="50000"/>
-                            </a:schemeClr>
-                          </a:solidFill>
-                          <a:effectLst/>
-                          <a:uLnTx/>
-                          <a:uFillTx/>
-                          <a:latin typeface="+mn-lt"/>
-                          <a:ea typeface="+mn-ea"/>
-                          <a:cs typeface="+mn-cs"/>
-                        </a:rPr>
-                        <a:t>맵</a:t>
-                      </a:r>
-                      <a:r>
-                        <a:rPr kumimoji="0" lang="en-US" altLang="ko-KR" sz="1400" b="1" i="0" u="none" strike="noStrike" kern="1200" cap="none" spc="0" normalizeH="0" baseline="0" noProof="0" dirty="0">
-                          <a:ln>
-                            <a:noFill/>
-                          </a:ln>
-                          <a:solidFill>
-                            <a:schemeClr val="bg2">
-                              <a:lumMod val="50000"/>
-                            </a:schemeClr>
-                          </a:solidFill>
-                          <a:effectLst/>
-                          <a:uLnTx/>
-                          <a:uFillTx/>
-                          <a:latin typeface="+mn-lt"/>
-                          <a:ea typeface="+mn-ea"/>
-                          <a:cs typeface="+mn-cs"/>
-                        </a:rPr>
-                        <a:t>, </a:t>
-                      </a:r>
-                      <a:r>
-                        <a:rPr kumimoji="0" lang="ko-KR" altLang="en-US" sz="1400" b="1" i="0" u="none" strike="noStrike" kern="1200" cap="none" spc="0" normalizeH="0" baseline="0" noProof="0" dirty="0">
-                          <a:ln>
-                            <a:noFill/>
-                          </a:ln>
-                          <a:solidFill>
-                            <a:schemeClr val="bg2">
-                              <a:lumMod val="50000"/>
-                            </a:schemeClr>
-                          </a:solidFill>
-                          <a:effectLst/>
-                          <a:uLnTx/>
-                          <a:uFillTx/>
-                          <a:latin typeface="+mn-lt"/>
-                          <a:ea typeface="+mn-ea"/>
-                          <a:cs typeface="+mn-cs"/>
-                        </a:rPr>
-                        <a:t>전투기</a:t>
-                      </a:r>
-                      <a:r>
-                        <a:rPr kumimoji="0" lang="en-US" altLang="ko-KR" sz="1400" b="1" i="0" u="none" strike="noStrike" kern="1200" cap="none" spc="0" normalizeH="0" baseline="0" noProof="0" dirty="0">
-                          <a:ln>
-                            <a:noFill/>
-                          </a:ln>
-                          <a:solidFill>
-                            <a:schemeClr val="bg2">
-                              <a:lumMod val="50000"/>
-                            </a:schemeClr>
-                          </a:solidFill>
-                          <a:effectLst/>
-                          <a:uLnTx/>
-                          <a:uFillTx/>
-                          <a:latin typeface="+mn-lt"/>
-                          <a:ea typeface="+mn-ea"/>
-                          <a:cs typeface="+mn-cs"/>
-                        </a:rPr>
-                        <a:t>, </a:t>
-                      </a:r>
-                      <a:r>
-                        <a:rPr kumimoji="0" lang="ko-KR" altLang="en-US" sz="1400" b="1" i="0" u="none" strike="noStrike" kern="1200" cap="none" spc="0" normalizeH="0" baseline="0" noProof="0" dirty="0">
-                          <a:ln>
-                            <a:noFill/>
-                          </a:ln>
-                          <a:solidFill>
-                            <a:schemeClr val="bg2">
-                              <a:lumMod val="50000"/>
-                            </a:schemeClr>
-                          </a:solidFill>
-                          <a:effectLst/>
-                          <a:uLnTx/>
-                          <a:uFillTx/>
-                          <a:latin typeface="+mn-lt"/>
-                          <a:ea typeface="+mn-ea"/>
-                          <a:cs typeface="+mn-cs"/>
-                        </a:rPr>
-                        <a:t>슈팅 등의 이미지와 애니메이션 및 사운드 등의 게임에 필요한 리소스 수집</a:t>
-                      </a:r>
-                      <a:r>
-                        <a:rPr kumimoji="0" lang="en-US" altLang="ko-KR" sz="1400" b="1" i="0" u="none" strike="noStrike" kern="1200" cap="none" spc="0" normalizeH="0" baseline="0" noProof="0" dirty="0">
-                          <a:ln>
-                            <a:noFill/>
-                          </a:ln>
-                          <a:solidFill>
-                            <a:schemeClr val="bg2">
-                              <a:lumMod val="50000"/>
-                            </a:schemeClr>
-                          </a:solidFill>
-                          <a:effectLst/>
-                          <a:highlight>
-                            <a:srgbClr val="00FFFF"/>
-                          </a:highlight>
-                          <a:uLnTx/>
-                          <a:uFillTx/>
-                          <a:latin typeface="+mn-lt"/>
-                          <a:ea typeface="+mn-ea"/>
-                          <a:cs typeface="+mn-cs"/>
-                        </a:rPr>
-                        <a:t>(100%)</a:t>
-                      </a:r>
-                    </a:p>
-                    <a:p>
-                      <a:pPr marL="0" marR="0" lvl="0" indent="0" algn="ctr" defTabSz="914400" rtl="0" eaLnBrk="1" fontAlgn="auto" latinLnBrk="1" hangingPunct="1">
-                        <a:lnSpc>
-                          <a:spcPct val="100000"/>
-                        </a:lnSpc>
-                        <a:spcBef>
-                          <a:spcPts val="0"/>
-                        </a:spcBef>
-                        <a:spcAft>
-                          <a:spcPts val="0"/>
-                        </a:spcAft>
-                        <a:buClrTx/>
-                        <a:buSzTx/>
-                        <a:buFontTx/>
-                        <a:buNone/>
-                        <a:tabLst/>
-                        <a:defRPr/>
-                      </a:pPr>
-                      <a:r>
-                        <a:rPr kumimoji="0" lang="en-US" altLang="ko-KR" sz="1400" b="1" i="0" u="none" strike="noStrike" kern="1200" cap="none" spc="0" normalizeH="0" baseline="0" noProof="0" dirty="0">
-                          <a:ln>
-                            <a:noFill/>
-                          </a:ln>
-                          <a:solidFill>
-                            <a:schemeClr val="bg2">
-                              <a:lumMod val="50000"/>
-                            </a:schemeClr>
-                          </a:solidFill>
-                          <a:effectLst/>
-                          <a:uLnTx/>
-                          <a:uFillTx/>
-                          <a:latin typeface="+mn-lt"/>
-                          <a:ea typeface="+mn-ea"/>
-                          <a:cs typeface="+mn-cs"/>
-                        </a:rPr>
-                        <a:t>2.</a:t>
-                      </a:r>
-                      <a:r>
-                        <a:rPr kumimoji="0" lang="ko-KR" altLang="en-US" sz="1400" b="1" i="0" u="none" strike="noStrike" kern="1200" cap="none" spc="0" normalizeH="0" baseline="0" noProof="0" dirty="0">
-                          <a:ln>
-                            <a:noFill/>
-                          </a:ln>
-                          <a:solidFill>
-                            <a:schemeClr val="bg2">
-                              <a:lumMod val="50000"/>
-                            </a:schemeClr>
-                          </a:solidFill>
-                          <a:effectLst/>
-                          <a:uLnTx/>
-                          <a:uFillTx/>
-                          <a:latin typeface="+mn-lt"/>
-                          <a:ea typeface="+mn-ea"/>
-                          <a:cs typeface="+mn-cs"/>
-                        </a:rPr>
-                        <a:t>전투기 공격</a:t>
-                      </a:r>
-                      <a:r>
-                        <a:rPr kumimoji="0" lang="en-US" altLang="ko-KR" sz="1400" b="1" i="0" u="none" strike="noStrike" kern="1200" cap="none" spc="0" normalizeH="0" baseline="0" noProof="0" dirty="0">
-                          <a:ln>
-                            <a:noFill/>
-                          </a:ln>
-                          <a:solidFill>
-                            <a:schemeClr val="bg2">
-                              <a:lumMod val="50000"/>
-                            </a:schemeClr>
-                          </a:solidFill>
-                          <a:effectLst/>
-                          <a:uLnTx/>
-                          <a:uFillTx/>
-                          <a:latin typeface="+mn-lt"/>
-                          <a:ea typeface="+mn-ea"/>
-                          <a:cs typeface="+mn-cs"/>
-                        </a:rPr>
-                        <a:t>, </a:t>
-                      </a:r>
-                      <a:r>
-                        <a:rPr kumimoji="0" lang="ko-KR" altLang="en-US" sz="1400" b="1" i="0" u="none" strike="noStrike" kern="1200" cap="none" spc="0" normalizeH="0" baseline="0" noProof="0" dirty="0">
-                          <a:ln>
-                            <a:noFill/>
-                          </a:ln>
-                          <a:solidFill>
-                            <a:schemeClr val="bg2">
-                              <a:lumMod val="50000"/>
-                            </a:schemeClr>
-                          </a:solidFill>
-                          <a:effectLst/>
-                          <a:uLnTx/>
-                          <a:uFillTx/>
-                          <a:latin typeface="+mn-lt"/>
-                          <a:ea typeface="+mn-ea"/>
-                          <a:cs typeface="+mn-cs"/>
-                        </a:rPr>
-                        <a:t>적</a:t>
-                      </a:r>
-                      <a:r>
-                        <a:rPr kumimoji="0" lang="en-US" altLang="ko-KR" sz="1400" b="1" i="0" u="none" strike="noStrike" kern="1200" cap="none" spc="0" normalizeH="0" baseline="0" noProof="0" dirty="0">
-                          <a:ln>
-                            <a:noFill/>
-                          </a:ln>
-                          <a:solidFill>
-                            <a:schemeClr val="bg2">
-                              <a:lumMod val="50000"/>
-                            </a:schemeClr>
-                          </a:solidFill>
-                          <a:effectLst/>
-                          <a:uLnTx/>
-                          <a:uFillTx/>
-                          <a:latin typeface="+mn-lt"/>
-                          <a:ea typeface="+mn-ea"/>
-                          <a:cs typeface="+mn-cs"/>
-                        </a:rPr>
-                        <a:t>, </a:t>
-                      </a:r>
-                      <a:r>
-                        <a:rPr kumimoji="0" lang="ko-KR" altLang="en-US" sz="1400" b="1" i="0" u="none" strike="noStrike" kern="1200" cap="none" spc="0" normalizeH="0" baseline="0" noProof="0" dirty="0">
-                          <a:ln>
-                            <a:noFill/>
-                          </a:ln>
-                          <a:solidFill>
-                            <a:schemeClr val="bg2">
-                              <a:lumMod val="50000"/>
-                            </a:schemeClr>
-                          </a:solidFill>
-                          <a:effectLst/>
-                          <a:uLnTx/>
-                          <a:uFillTx/>
-                          <a:latin typeface="+mn-lt"/>
-                          <a:ea typeface="+mn-ea"/>
-                          <a:cs typeface="+mn-cs"/>
-                        </a:rPr>
-                        <a:t>난이도 등의 세부 아이디어 구상</a:t>
-                      </a:r>
-                      <a:r>
-                        <a:rPr kumimoji="0" lang="en-US" altLang="ko-KR" sz="1400" b="1" i="0" u="none" strike="noStrike" kern="1200" cap="none" spc="0" normalizeH="0" baseline="0" noProof="0" dirty="0">
-                          <a:ln>
-                            <a:noFill/>
-                          </a:ln>
-                          <a:solidFill>
-                            <a:schemeClr val="bg2">
-                              <a:lumMod val="50000"/>
-                            </a:schemeClr>
-                          </a:solidFill>
-                          <a:effectLst/>
-                          <a:highlight>
-                            <a:srgbClr val="00FFFF"/>
-                          </a:highlight>
-                          <a:uLnTx/>
-                          <a:uFillTx/>
-                          <a:latin typeface="+mn-lt"/>
-                          <a:ea typeface="+mn-ea"/>
-                          <a:cs typeface="+mn-cs"/>
-                        </a:rPr>
-                        <a:t>(100%)</a:t>
-                      </a:r>
-                    </a:p>
-                  </a:txBody>
-                  <a:tcPr marL="216000" anchor="ctr">
-                    <a:lnL w="12700" cap="flat" cmpd="sng" algn="ctr">
-                      <a:noFill/>
-                      <a:prstDash val="solid"/>
-                      <a:round/>
-                      <a:headEnd type="none" w="med" len="med"/>
-                      <a:tailEnd type="none" w="med" len="med"/>
-                    </a:lnL>
-                    <a:lnR w="12700" cap="flat" cmpd="sng" algn="ctr">
-                      <a:noFill/>
-                      <a:prstDash val="solid"/>
-                      <a:round/>
-                      <a:headEnd type="none" w="med" len="med"/>
-                      <a:tailEnd type="none" w="med" len="med"/>
-                    </a:lnR>
-                    <a:lnT w="38100" cap="flat" cmpd="sng" algn="ctr">
-                      <a:noFill/>
-                      <a:prstDash val="solid"/>
-                      <a:round/>
-                      <a:headEnd type="none" w="med" len="med"/>
-                      <a:tailEnd type="none" w="med" len="med"/>
-                    </a:lnT>
-                    <a:lnB w="12700" cap="flat" cmpd="sng" algn="ctr">
-                      <a:noFill/>
-                      <a:prstDash val="solid"/>
-                      <a:round/>
-                      <a:headEnd type="none" w="med" len="med"/>
-                      <a:tailEnd type="none" w="med" len="med"/>
-                    </a:lnB>
-                    <a:lnTlToBr w="12700" cmpd="sng">
-                      <a:noFill/>
-                      <a:prstDash val="solid"/>
-                    </a:lnTlToBr>
-                    <a:lnBlToTr w="12700" cmpd="sng">
-                      <a:noFill/>
-                      <a:prstDash val="solid"/>
-                    </a:lnBlToTr>
-                    <a:solidFill>
-                      <a:schemeClr val="bg1"/>
-                    </a:solidFill>
-                  </a:tcPr>
-                </a:tc>
-                <a:extLst>
-                  <a:ext uri="{0D108BD9-81ED-4DB2-BD59-A6C34878D82A}">
-                    <a16:rowId xmlns:a16="http://schemas.microsoft.com/office/drawing/2014/main" val="690612285"/>
-                  </a:ext>
-                </a:extLst>
-              </a:tr>
-              <a:tr h="351661">
-                <a:tc rowSpan="2">
-                  <a:txBody>
-                    <a:bodyPr/>
-                    <a:lstStyle/>
-                    <a:p>
-                      <a:pPr marL="0" marR="0" lvl="0" indent="0" algn="ctr" defTabSz="914400" rtl="0" eaLnBrk="1" fontAlgn="auto" latinLnBrk="1" hangingPunct="1">
-                        <a:lnSpc>
-                          <a:spcPct val="100000"/>
-                        </a:lnSpc>
-                        <a:spcBef>
-                          <a:spcPts val="0"/>
-                        </a:spcBef>
-                        <a:spcAft>
-                          <a:spcPts val="0"/>
-                        </a:spcAft>
-                        <a:buClrTx/>
-                        <a:buSzTx/>
-                        <a:buFontTx/>
-                        <a:buNone/>
-                        <a:tabLst/>
-                        <a:defRPr/>
-                      </a:pPr>
-                      <a:r>
-                        <a:rPr kumimoji="0" lang="en-US" altLang="ko-KR" sz="1400" b="1" i="0" u="none" strike="noStrike" kern="1200" cap="none" spc="0" normalizeH="0" baseline="0" noProof="0" dirty="0">
-                          <a:ln>
-                            <a:noFill/>
-                          </a:ln>
-                          <a:solidFill>
-                            <a:schemeClr val="tx1">
-                              <a:lumMod val="65000"/>
-                              <a:lumOff val="35000"/>
-                            </a:schemeClr>
-                          </a:solidFill>
-                          <a:effectLst/>
-                          <a:uLnTx/>
-                          <a:uFillTx/>
-                          <a:latin typeface="+mn-lt"/>
-                          <a:ea typeface="+mn-ea"/>
-                          <a:cs typeface="+mn-cs"/>
-                        </a:rPr>
-                        <a:t>2</a:t>
-                      </a:r>
-                      <a:r>
-                        <a:rPr kumimoji="0" lang="ko-KR" altLang="en-US" sz="1400" b="1" i="0" u="none" strike="noStrike" kern="1200" cap="none" spc="0" normalizeH="0" baseline="0" noProof="0" dirty="0">
-                          <a:ln>
-                            <a:noFill/>
-                          </a:ln>
-                          <a:solidFill>
-                            <a:schemeClr val="tx1">
-                              <a:lumMod val="65000"/>
-                              <a:lumOff val="35000"/>
-                            </a:schemeClr>
-                          </a:solidFill>
-                          <a:effectLst/>
-                          <a:uLnTx/>
-                          <a:uFillTx/>
-                          <a:latin typeface="+mn-lt"/>
-                          <a:ea typeface="+mn-ea"/>
-                          <a:cs typeface="+mn-cs"/>
-                        </a:rPr>
-                        <a:t>주차</a:t>
-                      </a:r>
-                      <a:endParaRPr kumimoji="0" lang="en-US" altLang="ko-KR" sz="1400" b="1" i="0" u="none" strike="noStrike" kern="1200" cap="none" spc="0" normalizeH="0" baseline="0" noProof="0" dirty="0">
-                        <a:ln>
-                          <a:noFill/>
-                        </a:ln>
-                        <a:solidFill>
-                          <a:schemeClr val="tx1">
-                            <a:lumMod val="65000"/>
-                            <a:lumOff val="35000"/>
-                          </a:schemeClr>
-                        </a:solidFill>
-                        <a:effectLst/>
-                        <a:uLnTx/>
-                        <a:uFillTx/>
-                        <a:latin typeface="+mn-lt"/>
-                        <a:ea typeface="+mn-ea"/>
-                        <a:cs typeface="+mn-cs"/>
-                      </a:endParaRPr>
-                    </a:p>
-                  </a:txBody>
-                  <a:tcPr marL="216000" anchor="ctr">
-                    <a:lnL w="12700" cap="flat" cmpd="sng" algn="ctr">
-                      <a:noFill/>
-                      <a:prstDash val="solid"/>
-                      <a:round/>
-                      <a:headEnd type="none" w="med" len="med"/>
-                      <a:tailEnd type="none" w="med" len="med"/>
-                    </a:lnL>
-                    <a:lnR w="12700" cap="flat" cmpd="sng" algn="ctr">
-                      <a:noFill/>
-                      <a:prstDash val="solid"/>
-                      <a:round/>
-                      <a:headEnd type="none" w="med" len="med"/>
-                      <a:tailEnd type="none" w="med" len="med"/>
-                    </a:lnR>
-                    <a:lnT w="12700" cap="flat" cmpd="sng" algn="ctr">
-                      <a:noFill/>
-                      <a:prstDash val="solid"/>
-                      <a:round/>
-                      <a:headEnd type="none" w="med" len="med"/>
-                      <a:tailEnd type="none" w="med" len="med"/>
-                    </a:lnT>
-                    <a:lnB w="12700" cap="flat" cmpd="sng" algn="ctr">
-                      <a:solidFill>
-                        <a:srgbClr val="CACACA"/>
-                      </a:solidFill>
-                      <a:prstDash val="solid"/>
-                      <a:round/>
-                      <a:headEnd type="none" w="med" len="med"/>
-                      <a:tailEnd type="none" w="med" len="med"/>
-                    </a:lnB>
-                    <a:lnTlToBr w="12700" cmpd="sng">
-                      <a:noFill/>
-                      <a:prstDash val="solid"/>
-                    </a:lnTlToBr>
-                    <a:lnBlToTr w="12700" cmpd="sng">
-                      <a:noFill/>
-                      <a:prstDash val="solid"/>
-                    </a:lnBlToTr>
-                    <a:noFill/>
-                  </a:tcPr>
-                </a:tc>
-                <a:tc>
-                  <a:txBody>
-                    <a:bodyPr/>
-                    <a:lstStyle/>
-                    <a:p>
-                      <a:pPr marL="0" marR="0" lvl="0" indent="0" algn="ctr" defTabSz="914400" rtl="0" eaLnBrk="1" fontAlgn="auto" latinLnBrk="1" hangingPunct="1">
-                        <a:lnSpc>
-                          <a:spcPct val="150000"/>
-                        </a:lnSpc>
-                        <a:spcBef>
-                          <a:spcPts val="0"/>
-                        </a:spcBef>
-                        <a:spcAft>
-                          <a:spcPts val="0"/>
-                        </a:spcAft>
-                        <a:buClrTx/>
-                        <a:buSzTx/>
-                        <a:buFontTx/>
-                        <a:buNone/>
-                        <a:tabLst/>
-                        <a:defRPr/>
-                      </a:pPr>
-                      <a:r>
-                        <a:rPr lang="ko-KR" altLang="en-US" sz="1400" b="1" dirty="0">
-                          <a:solidFill>
-                            <a:schemeClr val="tx1">
-                              <a:lumMod val="65000"/>
-                              <a:lumOff val="35000"/>
-                            </a:schemeClr>
-                          </a:solidFill>
-                        </a:rPr>
-                        <a:t>계획</a:t>
-                      </a:r>
-                    </a:p>
-                  </a:txBody>
-                  <a:tcPr marL="216000" anchor="ctr">
-                    <a:lnL w="12700" cap="flat" cmpd="sng" algn="ctr">
-                      <a:noFill/>
-                      <a:prstDash val="solid"/>
-                      <a:round/>
-                      <a:headEnd type="none" w="med" len="med"/>
-                      <a:tailEnd type="none" w="med" len="med"/>
-                    </a:lnL>
-                    <a:lnR w="12700" cap="flat" cmpd="sng" algn="ctr">
-                      <a:noFill/>
-                      <a:prstDash val="solid"/>
-                      <a:round/>
-                      <a:headEnd type="none" w="med" len="med"/>
-                      <a:tailEnd type="none" w="med" len="med"/>
-                    </a:lnR>
-                    <a:lnT w="12700" cap="flat" cmpd="sng" algn="ctr">
-                      <a:noFill/>
-                      <a:prstDash val="solid"/>
-                      <a:round/>
-                      <a:headEnd type="none" w="med" len="med"/>
-                      <a:tailEnd type="none" w="med" len="med"/>
-                    </a:lnT>
-                    <a:lnB w="12700" cap="flat" cmpd="sng" algn="ctr">
-                      <a:solidFill>
-                        <a:srgbClr val="CACACA"/>
-                      </a:solidFill>
-                      <a:prstDash val="solid"/>
-                      <a:round/>
-                      <a:headEnd type="none" w="med" len="med"/>
-                      <a:tailEnd type="none" w="med" len="med"/>
-                    </a:lnB>
-                    <a:lnTlToBr w="12700" cmpd="sng">
-                      <a:noFill/>
-                      <a:prstDash val="solid"/>
-                    </a:lnTlToBr>
-                    <a:lnBlToTr w="12700" cmpd="sng">
-                      <a:noFill/>
-                      <a:prstDash val="solid"/>
-                    </a:lnBlToTr>
-                    <a:noFill/>
-                  </a:tcPr>
-                </a:tc>
-                <a:tc>
-                  <a:txBody>
-                    <a:bodyPr/>
-                    <a:lstStyle/>
-                    <a:p>
-                      <a:pPr lvl="0" algn="ctr" latinLnBrk="1">
-                        <a:lnSpc>
-                          <a:spcPct val="150000"/>
-                        </a:lnSpc>
-                      </a:pPr>
-                      <a:r>
-                        <a:rPr lang="ko-KR" altLang="en-US" sz="1400" b="1" dirty="0">
-                          <a:solidFill>
-                            <a:schemeClr val="tx1">
-                              <a:lumMod val="65000"/>
-                              <a:lumOff val="35000"/>
-                            </a:schemeClr>
-                          </a:solidFill>
-                        </a:rPr>
-                        <a:t>맵 구현</a:t>
-                      </a:r>
-                      <a:endParaRPr lang="en-US" altLang="ko-KR" sz="1400" b="1" dirty="0">
-                        <a:solidFill>
-                          <a:schemeClr val="tx1">
-                            <a:lumMod val="65000"/>
-                            <a:lumOff val="35000"/>
-                          </a:schemeClr>
-                        </a:solidFill>
-                      </a:endParaRPr>
-                    </a:p>
-                  </a:txBody>
-                  <a:tcPr marL="216000" anchor="ctr">
-                    <a:lnL w="12700" cap="flat" cmpd="sng" algn="ctr">
-                      <a:noFill/>
-                      <a:prstDash val="solid"/>
-                      <a:round/>
-                      <a:headEnd type="none" w="med" len="med"/>
-                      <a:tailEnd type="none" w="med" len="med"/>
-                    </a:lnL>
-                    <a:lnR w="12700" cap="flat" cmpd="sng" algn="ctr">
-                      <a:noFill/>
-                      <a:prstDash val="solid"/>
-                      <a:round/>
-                      <a:headEnd type="none" w="med" len="med"/>
-                      <a:tailEnd type="none" w="med" len="med"/>
-                    </a:lnR>
-                    <a:lnT w="12700" cap="flat" cmpd="sng" algn="ctr">
-                      <a:noFill/>
-                      <a:prstDash val="solid"/>
-                      <a:round/>
-                      <a:headEnd type="none" w="med" len="med"/>
-                      <a:tailEnd type="none" w="med" len="med"/>
-                    </a:lnT>
-                    <a:lnB w="12700" cap="flat" cmpd="sng" algn="ctr">
-                      <a:solidFill>
-                        <a:srgbClr val="CACACA"/>
-                      </a:solidFill>
-                      <a:prstDash val="solid"/>
-                      <a:round/>
-                      <a:headEnd type="none" w="med" len="med"/>
-                      <a:tailEnd type="none" w="med" len="med"/>
-                    </a:lnB>
-                    <a:lnTlToBr w="12700" cmpd="sng">
-                      <a:noFill/>
-                      <a:prstDash val="solid"/>
-                    </a:lnTlToBr>
-                    <a:lnBlToTr w="12700" cmpd="sng">
-                      <a:noFill/>
-                      <a:prstDash val="solid"/>
-                    </a:lnBlToTr>
-                    <a:noFill/>
-                  </a:tcPr>
-                </a:tc>
-                <a:extLst>
-                  <a:ext uri="{0D108BD9-81ED-4DB2-BD59-A6C34878D82A}">
-                    <a16:rowId xmlns:a16="http://schemas.microsoft.com/office/drawing/2014/main" val="10001"/>
-                  </a:ext>
-                </a:extLst>
-              </a:tr>
-              <a:tr h="655618">
-                <a:tc vMerge="1">
-                  <a:txBody>
-                    <a:bodyPr/>
-                    <a:lstStyle/>
-                    <a:p>
-                      <a:pPr latinLnBrk="1"/>
-                      <a:endParaRPr lang="ko-KR" altLang="en-US"/>
-                    </a:p>
-                  </a:txBody>
-                  <a:tcPr/>
-                </a:tc>
-                <a:tc>
-                  <a:txBody>
-                    <a:bodyPr/>
-                    <a:lstStyle/>
-                    <a:p>
-                      <a:pPr marL="0" marR="0" lvl="0" indent="0" algn="ctr" defTabSz="914400" rtl="0" eaLnBrk="1" fontAlgn="auto" latinLnBrk="1" hangingPunct="1">
-                        <a:lnSpc>
-                          <a:spcPct val="150000"/>
-                        </a:lnSpc>
-                        <a:spcBef>
-                          <a:spcPts val="0"/>
-                        </a:spcBef>
-                        <a:spcAft>
-                          <a:spcPts val="0"/>
-                        </a:spcAft>
-                        <a:buClrTx/>
-                        <a:buSzTx/>
-                        <a:buFontTx/>
-                        <a:buNone/>
-                        <a:tabLst/>
-                        <a:defRPr/>
-                      </a:pPr>
-                      <a:r>
-                        <a:rPr lang="ko-KR" altLang="en-US" sz="1400" b="1" dirty="0">
-                          <a:solidFill>
-                            <a:schemeClr val="tx1">
-                              <a:lumMod val="65000"/>
-                              <a:lumOff val="35000"/>
-                            </a:schemeClr>
-                          </a:solidFill>
-                        </a:rPr>
-                        <a:t>결과</a:t>
-                      </a:r>
-                    </a:p>
-                  </a:txBody>
-                  <a:tcPr marL="216000" anchor="ctr">
-                    <a:lnL w="12700" cap="flat" cmpd="sng" algn="ctr">
-                      <a:noFill/>
-                      <a:prstDash val="solid"/>
-                      <a:round/>
-                      <a:headEnd type="none" w="med" len="med"/>
-                      <a:tailEnd type="none" w="med" len="med"/>
-                    </a:lnL>
-                    <a:lnR w="12700" cap="flat" cmpd="sng" algn="ctr">
-                      <a:noFill/>
-                      <a:prstDash val="solid"/>
-                      <a:round/>
-                      <a:headEnd type="none" w="med" len="med"/>
-                      <a:tailEnd type="none" w="med" len="med"/>
-                    </a:lnR>
-                    <a:lnT w="12700" cap="flat" cmpd="sng" algn="ctr">
-                      <a:solidFill>
-                        <a:srgbClr val="CACACA"/>
-                      </a:solidFill>
-                      <a:prstDash val="solid"/>
-                      <a:round/>
-                      <a:headEnd type="none" w="med" len="med"/>
-                      <a:tailEnd type="none" w="med" len="med"/>
-                    </a:lnT>
-                    <a:lnB w="12700" cap="flat" cmpd="sng" algn="ctr">
-                      <a:solidFill>
-                        <a:srgbClr val="CACACA"/>
-                      </a:solidFill>
-                      <a:prstDash val="solid"/>
-                      <a:round/>
-                      <a:headEnd type="none" w="med" len="med"/>
-                      <a:tailEnd type="none" w="med" len="med"/>
-                    </a:lnB>
-                    <a:lnTlToBr w="12700" cmpd="sng">
-                      <a:noFill/>
-                      <a:prstDash val="solid"/>
-                    </a:lnTlToBr>
-                    <a:lnBlToTr w="12700" cmpd="sng">
-                      <a:noFill/>
-                      <a:prstDash val="solid"/>
-                    </a:lnBlToTr>
-                    <a:noFill/>
-                  </a:tcPr>
-                </a:tc>
-                <a:tc>
-                  <a:txBody>
-                    <a:bodyPr/>
-                    <a:lstStyle/>
-                    <a:p>
-                      <a:pPr lvl="0" algn="ctr" latinLnBrk="1">
-                        <a:lnSpc>
-                          <a:spcPct val="150000"/>
-                        </a:lnSpc>
-                      </a:pPr>
-                      <a:r>
-                        <a:rPr lang="en-US" altLang="ko-KR" sz="1400" b="1" dirty="0">
-                          <a:solidFill>
-                            <a:schemeClr val="tx1">
-                              <a:lumMod val="65000"/>
-                              <a:lumOff val="35000"/>
-                            </a:schemeClr>
-                          </a:solidFill>
-                        </a:rPr>
-                        <a:t>1.</a:t>
-                      </a:r>
-                      <a:r>
-                        <a:rPr lang="ko-KR" altLang="en-US" sz="1400" b="1" dirty="0">
-                          <a:solidFill>
-                            <a:schemeClr val="tx1">
-                              <a:lumMod val="65000"/>
-                              <a:lumOff val="35000"/>
-                            </a:schemeClr>
-                          </a:solidFill>
-                        </a:rPr>
-                        <a:t>맵 이미지를 화면에 구현</a:t>
-                      </a:r>
-                      <a:r>
-                        <a:rPr lang="en-US" altLang="ko-KR" sz="1400" b="1" dirty="0">
-                          <a:solidFill>
-                            <a:schemeClr val="tx1">
-                              <a:lumMod val="65000"/>
-                              <a:lumOff val="35000"/>
-                            </a:schemeClr>
-                          </a:solidFill>
-                          <a:highlight>
-                            <a:srgbClr val="00FFFF"/>
-                          </a:highlight>
-                        </a:rPr>
-                        <a:t>(100%)</a:t>
-                      </a:r>
-                    </a:p>
-                    <a:p>
-                      <a:pPr lvl="0" algn="ctr" latinLnBrk="1">
-                        <a:lnSpc>
-                          <a:spcPct val="150000"/>
-                        </a:lnSpc>
-                      </a:pPr>
-                      <a:r>
-                        <a:rPr lang="en-US" altLang="ko-KR" sz="1400" b="1" dirty="0">
-                          <a:solidFill>
-                            <a:schemeClr val="tx1">
-                              <a:lumMod val="65000"/>
-                              <a:lumOff val="35000"/>
-                            </a:schemeClr>
-                          </a:solidFill>
-                        </a:rPr>
-                        <a:t>2. </a:t>
-                      </a:r>
-                      <a:r>
-                        <a:rPr lang="ko-KR" altLang="en-US" sz="1400" b="1" dirty="0" err="1">
-                          <a:solidFill>
-                            <a:schemeClr val="tx1">
-                              <a:lumMod val="65000"/>
-                              <a:lumOff val="35000"/>
-                            </a:schemeClr>
-                          </a:solidFill>
-                        </a:rPr>
-                        <a:t>맵이</a:t>
-                      </a:r>
-                      <a:r>
-                        <a:rPr lang="ko-KR" altLang="en-US" sz="1400" b="1" dirty="0">
-                          <a:solidFill>
-                            <a:schemeClr val="tx1">
-                              <a:lumMod val="65000"/>
-                              <a:lumOff val="35000"/>
-                            </a:schemeClr>
-                          </a:solidFill>
-                        </a:rPr>
-                        <a:t> 종 방향으로 움직이도록 구현</a:t>
-                      </a:r>
-                      <a:r>
-                        <a:rPr lang="en-US" altLang="ko-KR" sz="1400" b="1" dirty="0">
-                          <a:solidFill>
-                            <a:schemeClr val="tx1">
-                              <a:lumMod val="65000"/>
-                              <a:lumOff val="35000"/>
-                            </a:schemeClr>
-                          </a:solidFill>
-                          <a:highlight>
-                            <a:srgbClr val="00FFFF"/>
-                          </a:highlight>
-                        </a:rPr>
-                        <a:t>(100%)</a:t>
-                      </a:r>
-                    </a:p>
-                  </a:txBody>
-                  <a:tcPr marL="216000" anchor="ctr">
-                    <a:lnL w="12700" cap="flat" cmpd="sng" algn="ctr">
-                      <a:noFill/>
-                      <a:prstDash val="solid"/>
-                      <a:round/>
-                      <a:headEnd type="none" w="med" len="med"/>
-                      <a:tailEnd type="none" w="med" len="med"/>
-                    </a:lnL>
-                    <a:lnR w="12700" cap="flat" cmpd="sng" algn="ctr">
-                      <a:noFill/>
-                      <a:prstDash val="solid"/>
-                      <a:round/>
-                      <a:headEnd type="none" w="med" len="med"/>
-                      <a:tailEnd type="none" w="med" len="med"/>
-                    </a:lnR>
-                    <a:lnT w="12700" cap="flat" cmpd="sng" algn="ctr">
-                      <a:solidFill>
-                        <a:srgbClr val="CACACA"/>
-                      </a:solidFill>
-                      <a:prstDash val="solid"/>
-                      <a:round/>
-                      <a:headEnd type="none" w="med" len="med"/>
-                      <a:tailEnd type="none" w="med" len="med"/>
-                    </a:lnT>
-                    <a:lnB w="12700" cap="flat" cmpd="sng" algn="ctr">
-                      <a:solidFill>
-                        <a:srgbClr val="CACACA"/>
-                      </a:solidFill>
-                      <a:prstDash val="solid"/>
-                      <a:round/>
-                      <a:headEnd type="none" w="med" len="med"/>
-                      <a:tailEnd type="none" w="med" len="med"/>
-                    </a:lnB>
-                    <a:lnTlToBr w="12700" cmpd="sng">
-                      <a:noFill/>
-                      <a:prstDash val="solid"/>
-                    </a:lnTlToBr>
-                    <a:lnBlToTr w="12700" cmpd="sng">
-                      <a:noFill/>
-                      <a:prstDash val="solid"/>
-                    </a:lnBlToTr>
-                    <a:noFill/>
-                  </a:tcPr>
-                </a:tc>
-                <a:extLst>
-                  <a:ext uri="{0D108BD9-81ED-4DB2-BD59-A6C34878D82A}">
-                    <a16:rowId xmlns:a16="http://schemas.microsoft.com/office/drawing/2014/main" val="2794526054"/>
-                  </a:ext>
-                </a:extLst>
-              </a:tr>
-              <a:tr h="437497">
-                <a:tc rowSpan="2">
-                  <a:txBody>
-                    <a:bodyPr/>
-                    <a:lstStyle/>
-                    <a:p>
-                      <a:pPr marL="0" marR="0" lvl="0" indent="0" algn="ctr" defTabSz="914400" rtl="0" eaLnBrk="1" fontAlgn="auto" latinLnBrk="1" hangingPunct="1">
-                        <a:lnSpc>
-                          <a:spcPct val="100000"/>
-                        </a:lnSpc>
-                        <a:spcBef>
-                          <a:spcPts val="0"/>
-                        </a:spcBef>
-                        <a:spcAft>
-                          <a:spcPts val="0"/>
-                        </a:spcAft>
-                        <a:buClrTx/>
-                        <a:buSzTx/>
-                        <a:buFontTx/>
-                        <a:buNone/>
-                        <a:tabLst/>
-                        <a:defRPr/>
-                      </a:pPr>
-                      <a:r>
-                        <a:rPr kumimoji="0" lang="en-US" altLang="ko-KR" sz="1400" b="1" i="0" u="none" strike="noStrike" kern="1200" cap="none" spc="0" normalizeH="0" baseline="0" noProof="0" dirty="0">
-                          <a:ln>
-                            <a:noFill/>
-                          </a:ln>
-                          <a:solidFill>
-                            <a:schemeClr val="tx1">
-                              <a:lumMod val="65000"/>
-                              <a:lumOff val="35000"/>
-                            </a:schemeClr>
-                          </a:solidFill>
-                          <a:effectLst/>
-                          <a:uLnTx/>
-                          <a:uFillTx/>
-                          <a:latin typeface="+mn-lt"/>
-                          <a:ea typeface="+mn-ea"/>
-                          <a:cs typeface="+mn-cs"/>
-                        </a:rPr>
-                        <a:t>3</a:t>
-                      </a:r>
-                      <a:r>
-                        <a:rPr kumimoji="0" lang="ko-KR" altLang="en-US" sz="1400" b="1" i="0" u="none" strike="noStrike" kern="1200" cap="none" spc="0" normalizeH="0" baseline="0" noProof="0" dirty="0">
-                          <a:ln>
-                            <a:noFill/>
-                          </a:ln>
-                          <a:solidFill>
-                            <a:schemeClr val="tx1">
-                              <a:lumMod val="65000"/>
-                              <a:lumOff val="35000"/>
-                            </a:schemeClr>
-                          </a:solidFill>
-                          <a:effectLst/>
-                          <a:uLnTx/>
-                          <a:uFillTx/>
-                          <a:latin typeface="+mn-lt"/>
-                          <a:ea typeface="+mn-ea"/>
-                          <a:cs typeface="+mn-cs"/>
-                        </a:rPr>
-                        <a:t>주차</a:t>
-                      </a:r>
-                      <a:endParaRPr kumimoji="0" lang="en-US" altLang="ko-KR" sz="1400" b="1" i="0" u="none" strike="noStrike" kern="1200" cap="none" spc="0" normalizeH="0" baseline="0" noProof="0" dirty="0">
-                        <a:ln>
-                          <a:noFill/>
-                        </a:ln>
-                        <a:solidFill>
-                          <a:schemeClr val="tx1">
-                            <a:lumMod val="65000"/>
-                            <a:lumOff val="35000"/>
-                          </a:schemeClr>
-                        </a:solidFill>
-                        <a:effectLst/>
-                        <a:uLnTx/>
-                        <a:uFillTx/>
-                        <a:latin typeface="+mn-lt"/>
-                        <a:ea typeface="+mn-ea"/>
-                        <a:cs typeface="+mn-cs"/>
-                      </a:endParaRPr>
-                    </a:p>
-                  </a:txBody>
-                  <a:tcPr marL="216000" anchor="ctr">
-                    <a:lnL w="12700" cap="flat" cmpd="sng" algn="ctr">
-                      <a:noFill/>
-                      <a:prstDash val="solid"/>
-                      <a:round/>
-                      <a:headEnd type="none" w="med" len="med"/>
-                      <a:tailEnd type="none" w="med" len="med"/>
-                    </a:lnL>
-                    <a:lnR w="12700" cap="flat" cmpd="sng" algn="ctr">
-                      <a:noFill/>
-                      <a:prstDash val="solid"/>
-                      <a:round/>
-                      <a:headEnd type="none" w="med" len="med"/>
-                      <a:tailEnd type="none" w="med" len="med"/>
-                    </a:lnR>
-                    <a:lnT w="12700" cap="flat" cmpd="sng" algn="ctr">
-                      <a:solidFill>
-                        <a:srgbClr val="CACACA"/>
-                      </a:solidFill>
-                      <a:prstDash val="solid"/>
-                      <a:round/>
-                      <a:headEnd type="none" w="med" len="med"/>
-                      <a:tailEnd type="none" w="med" len="med"/>
-                    </a:lnT>
-                    <a:lnB w="12700" cap="flat" cmpd="sng" algn="ctr">
-                      <a:solidFill>
-                        <a:srgbClr val="CACACA"/>
-                      </a:solidFill>
-                      <a:prstDash val="solid"/>
-                      <a:round/>
-                      <a:headEnd type="none" w="med" len="med"/>
-                      <a:tailEnd type="none" w="med" len="med"/>
-                    </a:lnB>
-                    <a:lnTlToBr w="12700" cmpd="sng">
-                      <a:noFill/>
-                      <a:prstDash val="solid"/>
-                    </a:lnTlToBr>
-                    <a:lnBlToTr w="12700" cmpd="sng">
-                      <a:noFill/>
-                      <a:prstDash val="solid"/>
-                    </a:lnBlToTr>
-                    <a:solidFill>
-                      <a:schemeClr val="bg1"/>
-                    </a:solidFill>
-                  </a:tcPr>
-                </a:tc>
-                <a:tc>
-                  <a:txBody>
-                    <a:bodyPr/>
-                    <a:lstStyle/>
-                    <a:p>
-                      <a:pPr marL="0" marR="0" lvl="0" indent="0" algn="ctr" defTabSz="914400" rtl="0" eaLnBrk="1" fontAlgn="auto" latinLnBrk="1" hangingPunct="1">
-                        <a:lnSpc>
-                          <a:spcPct val="150000"/>
-                        </a:lnSpc>
-                        <a:spcBef>
-                          <a:spcPts val="0"/>
-                        </a:spcBef>
-                        <a:spcAft>
-                          <a:spcPts val="0"/>
-                        </a:spcAft>
-                        <a:buClrTx/>
-                        <a:buSzTx/>
-                        <a:buFontTx/>
-                        <a:buNone/>
-                        <a:tabLst/>
-                        <a:defRPr/>
-                      </a:pPr>
-                      <a:r>
-                        <a:rPr lang="ko-KR" altLang="en-US" sz="1400" b="1" dirty="0">
-                          <a:solidFill>
-                            <a:schemeClr val="tx1">
-                              <a:lumMod val="65000"/>
-                              <a:lumOff val="35000"/>
-                            </a:schemeClr>
-                          </a:solidFill>
-                        </a:rPr>
-                        <a:t>계획</a:t>
-                      </a:r>
-                    </a:p>
-                  </a:txBody>
-                  <a:tcPr marL="216000" anchor="ctr">
-                    <a:lnL w="12700" cap="flat" cmpd="sng" algn="ctr">
-                      <a:noFill/>
-                      <a:prstDash val="solid"/>
-                      <a:round/>
-                      <a:headEnd type="none" w="med" len="med"/>
-                      <a:tailEnd type="none" w="med" len="med"/>
-                    </a:lnL>
-                    <a:lnR w="12700" cap="flat" cmpd="sng" algn="ctr">
-                      <a:noFill/>
-                      <a:prstDash val="solid"/>
-                      <a:round/>
-                      <a:headEnd type="none" w="med" len="med"/>
-                      <a:tailEnd type="none" w="med" len="med"/>
-                    </a:lnR>
-                    <a:lnT w="12700" cap="flat" cmpd="sng" algn="ctr">
-                      <a:solidFill>
-                        <a:srgbClr val="CACACA"/>
-                      </a:solidFill>
-                      <a:prstDash val="solid"/>
-                      <a:round/>
-                      <a:headEnd type="none" w="med" len="med"/>
-                      <a:tailEnd type="none" w="med" len="med"/>
-                    </a:lnT>
-                    <a:lnB w="12700" cap="flat" cmpd="sng" algn="ctr">
-                      <a:solidFill>
-                        <a:srgbClr val="CACACA"/>
-                      </a:solidFill>
-                      <a:prstDash val="solid"/>
-                      <a:round/>
-                      <a:headEnd type="none" w="med" len="med"/>
-                      <a:tailEnd type="none" w="med" len="med"/>
-                    </a:lnB>
-                    <a:lnTlToBr w="12700" cmpd="sng">
-                      <a:noFill/>
-                      <a:prstDash val="solid"/>
-                    </a:lnTlToBr>
-                    <a:lnBlToTr w="12700" cmpd="sng">
-                      <a:noFill/>
-                      <a:prstDash val="solid"/>
-                    </a:lnBlToTr>
-                    <a:solidFill>
-                      <a:schemeClr val="bg1"/>
-                    </a:solidFill>
-                  </a:tcPr>
-                </a:tc>
-                <a:tc>
-                  <a:txBody>
-                    <a:bodyPr/>
-                    <a:lstStyle/>
-                    <a:p>
-                      <a:pPr marL="0" lvl="0" indent="0" algn="ctr" latinLnBrk="1">
-                        <a:lnSpc>
-                          <a:spcPct val="150000"/>
-                        </a:lnSpc>
-                        <a:buNone/>
-                      </a:pPr>
-                      <a:r>
-                        <a:rPr lang="ko-KR" altLang="en-US" sz="1400" b="1" dirty="0">
-                          <a:solidFill>
-                            <a:schemeClr val="tx1">
-                              <a:lumMod val="65000"/>
-                              <a:lumOff val="35000"/>
-                            </a:schemeClr>
-                          </a:solidFill>
-                        </a:rPr>
-                        <a:t>전투기 구현</a:t>
-                      </a:r>
-                      <a:endParaRPr lang="en-US" altLang="ko-KR" sz="1400" b="1" dirty="0">
-                        <a:solidFill>
-                          <a:schemeClr val="tx1">
-                            <a:lumMod val="65000"/>
-                            <a:lumOff val="35000"/>
-                          </a:schemeClr>
-                        </a:solidFill>
-                      </a:endParaRPr>
-                    </a:p>
-                  </a:txBody>
-                  <a:tcPr marL="216000" anchor="ctr">
-                    <a:lnL w="12700" cap="flat" cmpd="sng" algn="ctr">
-                      <a:noFill/>
-                      <a:prstDash val="solid"/>
-                      <a:round/>
-                      <a:headEnd type="none" w="med" len="med"/>
-                      <a:tailEnd type="none" w="med" len="med"/>
-                    </a:lnL>
-                    <a:lnR w="12700" cap="flat" cmpd="sng" algn="ctr">
-                      <a:noFill/>
-                      <a:prstDash val="solid"/>
-                      <a:round/>
-                      <a:headEnd type="none" w="med" len="med"/>
-                      <a:tailEnd type="none" w="med" len="med"/>
-                    </a:lnR>
-                    <a:lnT w="12700" cap="flat" cmpd="sng" algn="ctr">
-                      <a:solidFill>
-                        <a:srgbClr val="CACACA"/>
-                      </a:solidFill>
-                      <a:prstDash val="solid"/>
-                      <a:round/>
-                      <a:headEnd type="none" w="med" len="med"/>
-                      <a:tailEnd type="none" w="med" len="med"/>
-                    </a:lnT>
-                    <a:lnB w="12700" cap="flat" cmpd="sng" algn="ctr">
-                      <a:solidFill>
-                        <a:srgbClr val="CACACA"/>
-                      </a:solidFill>
-                      <a:prstDash val="solid"/>
-                      <a:round/>
-                      <a:headEnd type="none" w="med" len="med"/>
-                      <a:tailEnd type="none" w="med" len="med"/>
-                    </a:lnB>
-                    <a:lnTlToBr w="12700" cmpd="sng">
-                      <a:noFill/>
-                      <a:prstDash val="solid"/>
-                    </a:lnTlToBr>
-                    <a:lnBlToTr w="12700" cmpd="sng">
-                      <a:noFill/>
-                      <a:prstDash val="solid"/>
-                    </a:lnBlToTr>
-                    <a:solidFill>
-                      <a:schemeClr val="bg1"/>
-                    </a:solidFill>
-                  </a:tcPr>
-                </a:tc>
-                <a:extLst>
-                  <a:ext uri="{0D108BD9-81ED-4DB2-BD59-A6C34878D82A}">
-                    <a16:rowId xmlns:a16="http://schemas.microsoft.com/office/drawing/2014/main" val="10002"/>
-                  </a:ext>
-                </a:extLst>
-              </a:tr>
-              <a:tr h="959575">
-                <a:tc vMerge="1">
-                  <a:txBody>
-                    <a:bodyPr/>
-                    <a:lstStyle/>
-                    <a:p>
-                      <a:pPr latinLnBrk="1"/>
-                      <a:endParaRPr lang="ko-KR" altLang="en-US"/>
-                    </a:p>
-                  </a:txBody>
-                  <a:tcPr/>
-                </a:tc>
-                <a:tc>
-                  <a:txBody>
-                    <a:bodyPr/>
-                    <a:lstStyle/>
-                    <a:p>
-                      <a:pPr marL="0" marR="0" lvl="0" indent="0" algn="ctr" defTabSz="914400" rtl="0" eaLnBrk="1" fontAlgn="auto" latinLnBrk="1" hangingPunct="1">
-                        <a:lnSpc>
-                          <a:spcPct val="150000"/>
-                        </a:lnSpc>
-                        <a:spcBef>
-                          <a:spcPts val="0"/>
-                        </a:spcBef>
-                        <a:spcAft>
-                          <a:spcPts val="0"/>
-                        </a:spcAft>
-                        <a:buClrTx/>
-                        <a:buSzTx/>
-                        <a:buFontTx/>
-                        <a:buNone/>
-                        <a:tabLst/>
-                        <a:defRPr/>
-                      </a:pPr>
-                      <a:r>
-                        <a:rPr lang="ko-KR" altLang="en-US" sz="1400" b="1" dirty="0">
-                          <a:solidFill>
-                            <a:schemeClr val="tx1">
-                              <a:lumMod val="65000"/>
-                              <a:lumOff val="35000"/>
-                            </a:schemeClr>
-                          </a:solidFill>
-                        </a:rPr>
-                        <a:t>결과</a:t>
-                      </a:r>
-                    </a:p>
-                  </a:txBody>
-                  <a:tcPr marL="216000" anchor="ctr">
-                    <a:lnL w="12700" cap="flat" cmpd="sng" algn="ctr">
-                      <a:noFill/>
-                      <a:prstDash val="solid"/>
-                      <a:round/>
-                      <a:headEnd type="none" w="med" len="med"/>
-                      <a:tailEnd type="none" w="med" len="med"/>
-                    </a:lnL>
-                    <a:lnR w="12700" cap="flat" cmpd="sng" algn="ctr">
-                      <a:noFill/>
-                      <a:prstDash val="solid"/>
-                      <a:round/>
-                      <a:headEnd type="none" w="med" len="med"/>
-                      <a:tailEnd type="none" w="med" len="med"/>
-                    </a:lnR>
-                    <a:lnT w="12700" cap="flat" cmpd="sng" algn="ctr">
-                      <a:solidFill>
-                        <a:srgbClr val="CACACA"/>
-                      </a:solidFill>
-                      <a:prstDash val="solid"/>
-                      <a:round/>
-                      <a:headEnd type="none" w="med" len="med"/>
-                      <a:tailEnd type="none" w="med" len="med"/>
-                    </a:lnT>
-                    <a:lnB w="12700" cap="flat" cmpd="sng" algn="ctr">
-                      <a:solidFill>
-                        <a:srgbClr val="CACACA"/>
-                      </a:solidFill>
-                      <a:prstDash val="solid"/>
-                      <a:round/>
-                      <a:headEnd type="none" w="med" len="med"/>
-                      <a:tailEnd type="none" w="med" len="med"/>
-                    </a:lnB>
-                    <a:lnTlToBr w="12700" cmpd="sng">
-                      <a:noFill/>
-                      <a:prstDash val="solid"/>
-                    </a:lnTlToBr>
-                    <a:lnBlToTr w="12700" cmpd="sng">
-                      <a:noFill/>
-                      <a:prstDash val="solid"/>
-                    </a:lnBlToTr>
-                    <a:solidFill>
-                      <a:schemeClr val="bg1"/>
-                    </a:solidFill>
-                  </a:tcPr>
-                </a:tc>
-                <a:tc>
-                  <a:txBody>
-                    <a:bodyPr/>
-                    <a:lstStyle/>
-                    <a:p>
-                      <a:pPr marL="228600" lvl="0" indent="-228600" algn="ctr" latinLnBrk="1">
-                        <a:lnSpc>
-                          <a:spcPct val="150000"/>
-                        </a:lnSpc>
-                        <a:buAutoNum type="arabicPeriod"/>
-                      </a:pPr>
-                      <a:r>
-                        <a:rPr lang="ko-KR" altLang="en-US" sz="1400" b="1" dirty="0">
-                          <a:solidFill>
-                            <a:schemeClr val="tx1">
-                              <a:lumMod val="65000"/>
-                              <a:lumOff val="35000"/>
-                            </a:schemeClr>
-                          </a:solidFill>
-                        </a:rPr>
-                        <a:t>전투기 이미지 구현</a:t>
-                      </a:r>
-                      <a:r>
-                        <a:rPr lang="en-US" altLang="ko-KR" sz="1400" b="1" dirty="0">
-                          <a:solidFill>
-                            <a:schemeClr val="tx1">
-                              <a:lumMod val="65000"/>
-                              <a:lumOff val="35000"/>
-                            </a:schemeClr>
-                          </a:solidFill>
-                          <a:highlight>
-                            <a:srgbClr val="00FFFF"/>
-                          </a:highlight>
-                        </a:rPr>
-                        <a:t>(100%)</a:t>
-                      </a:r>
-                    </a:p>
-                    <a:p>
-                      <a:pPr marL="228600" lvl="0" indent="-228600" algn="ctr" latinLnBrk="1">
-                        <a:lnSpc>
-                          <a:spcPct val="150000"/>
-                        </a:lnSpc>
-                        <a:buAutoNum type="arabicPeriod"/>
-                      </a:pPr>
-                      <a:r>
-                        <a:rPr lang="ko-KR" altLang="en-US" sz="1400" b="1" dirty="0">
-                          <a:solidFill>
-                            <a:schemeClr val="tx1">
-                              <a:lumMod val="65000"/>
-                              <a:lumOff val="35000"/>
-                            </a:schemeClr>
-                          </a:solidFill>
-                        </a:rPr>
-                        <a:t>키 입력 시 아군 출격 구현</a:t>
-                      </a:r>
-                      <a:r>
-                        <a:rPr lang="en-US" altLang="ko-KR" sz="1400" b="1" dirty="0">
-                          <a:solidFill>
-                            <a:schemeClr val="tx1">
-                              <a:lumMod val="65000"/>
-                              <a:lumOff val="35000"/>
-                            </a:schemeClr>
-                          </a:solidFill>
-                          <a:highlight>
-                            <a:srgbClr val="00FFFF"/>
-                          </a:highlight>
-                        </a:rPr>
-                        <a:t>(100%)</a:t>
-                      </a:r>
-                    </a:p>
-                    <a:p>
-                      <a:pPr marL="228600" lvl="0" indent="-228600" algn="ctr" latinLnBrk="1">
-                        <a:lnSpc>
-                          <a:spcPct val="150000"/>
-                        </a:lnSpc>
-                        <a:buAutoNum type="arabicPeriod"/>
-                      </a:pPr>
-                      <a:r>
-                        <a:rPr lang="ko-KR" altLang="en-US" sz="1400" b="1" dirty="0">
-                          <a:solidFill>
-                            <a:schemeClr val="tx1">
-                              <a:lumMod val="65000"/>
-                              <a:lumOff val="35000"/>
-                            </a:schemeClr>
-                          </a:solidFill>
-                        </a:rPr>
-                        <a:t>기본 공격</a:t>
-                      </a:r>
-                      <a:r>
-                        <a:rPr lang="en-US" altLang="ko-KR" sz="1400" b="1" dirty="0">
-                          <a:solidFill>
-                            <a:schemeClr val="tx1">
-                              <a:lumMod val="65000"/>
-                              <a:lumOff val="35000"/>
-                            </a:schemeClr>
-                          </a:solidFill>
-                        </a:rPr>
-                        <a:t>(</a:t>
-                      </a:r>
-                      <a:r>
-                        <a:rPr lang="ko-KR" altLang="en-US" sz="1400" b="1" dirty="0">
-                          <a:solidFill>
-                            <a:schemeClr val="tx1">
-                              <a:lumMod val="65000"/>
-                              <a:lumOff val="35000"/>
-                            </a:schemeClr>
-                          </a:solidFill>
-                        </a:rPr>
-                        <a:t>슈팅</a:t>
-                      </a:r>
-                      <a:r>
-                        <a:rPr lang="en-US" altLang="ko-KR" sz="1400" b="1" dirty="0">
-                          <a:solidFill>
-                            <a:schemeClr val="tx1">
-                              <a:lumMod val="65000"/>
-                              <a:lumOff val="35000"/>
-                            </a:schemeClr>
-                          </a:solidFill>
-                        </a:rPr>
-                        <a:t>)</a:t>
-                      </a:r>
-                      <a:r>
-                        <a:rPr lang="ko-KR" altLang="en-US" sz="1400" b="1" dirty="0">
-                          <a:solidFill>
-                            <a:schemeClr val="tx1">
-                              <a:lumMod val="65000"/>
-                              <a:lumOff val="35000"/>
-                            </a:schemeClr>
-                          </a:solidFill>
-                        </a:rPr>
-                        <a:t> 구현</a:t>
-                      </a:r>
-                      <a:r>
-                        <a:rPr lang="en-US" altLang="ko-KR" sz="1400" b="1" dirty="0">
-                          <a:solidFill>
-                            <a:schemeClr val="tx1">
-                              <a:lumMod val="65000"/>
-                              <a:lumOff val="35000"/>
-                            </a:schemeClr>
-                          </a:solidFill>
-                          <a:highlight>
-                            <a:srgbClr val="00FFFF"/>
-                          </a:highlight>
-                        </a:rPr>
-                        <a:t>(100%)</a:t>
-                      </a:r>
-                    </a:p>
-                  </a:txBody>
-                  <a:tcPr marL="216000" anchor="ctr">
-                    <a:lnL w="12700" cap="flat" cmpd="sng" algn="ctr">
-                      <a:noFill/>
-                      <a:prstDash val="solid"/>
-                      <a:round/>
-                      <a:headEnd type="none" w="med" len="med"/>
-                      <a:tailEnd type="none" w="med" len="med"/>
-                    </a:lnL>
-                    <a:lnR w="12700" cap="flat" cmpd="sng" algn="ctr">
-                      <a:noFill/>
-                      <a:prstDash val="solid"/>
-                      <a:round/>
-                      <a:headEnd type="none" w="med" len="med"/>
-                      <a:tailEnd type="none" w="med" len="med"/>
-                    </a:lnR>
-                    <a:lnT w="12700" cap="flat" cmpd="sng" algn="ctr">
-                      <a:solidFill>
-                        <a:srgbClr val="CACACA"/>
-                      </a:solidFill>
-                      <a:prstDash val="solid"/>
-                      <a:round/>
-                      <a:headEnd type="none" w="med" len="med"/>
-                      <a:tailEnd type="none" w="med" len="med"/>
-                    </a:lnT>
-                    <a:lnB w="12700" cap="flat" cmpd="sng" algn="ctr">
-                      <a:solidFill>
-                        <a:srgbClr val="CACACA"/>
-                      </a:solidFill>
-                      <a:prstDash val="solid"/>
-                      <a:round/>
-                      <a:headEnd type="none" w="med" len="med"/>
-                      <a:tailEnd type="none" w="med" len="med"/>
-                    </a:lnB>
-                    <a:lnTlToBr w="12700" cmpd="sng">
-                      <a:noFill/>
-                      <a:prstDash val="solid"/>
-                    </a:lnTlToBr>
-                    <a:lnBlToTr w="12700" cmpd="sng">
-                      <a:noFill/>
-                      <a:prstDash val="solid"/>
-                    </a:lnBlToTr>
-                    <a:solidFill>
-                      <a:schemeClr val="bg1"/>
-                    </a:solidFill>
-                  </a:tcPr>
-                </a:tc>
-                <a:extLst>
-                  <a:ext uri="{0D108BD9-81ED-4DB2-BD59-A6C34878D82A}">
-                    <a16:rowId xmlns:a16="http://schemas.microsoft.com/office/drawing/2014/main" val="3236870359"/>
-                  </a:ext>
-                </a:extLst>
-              </a:tr>
-              <a:tr h="351661">
-                <a:tc rowSpan="2">
-                  <a:txBody>
-                    <a:bodyPr/>
-                    <a:lstStyle/>
-                    <a:p>
-                      <a:pPr marL="0" marR="0" lvl="0" indent="0" algn="ctr" defTabSz="914400" rtl="0" eaLnBrk="1" fontAlgn="auto" latinLnBrk="1" hangingPunct="1">
-                        <a:lnSpc>
-                          <a:spcPct val="100000"/>
-                        </a:lnSpc>
-                        <a:spcBef>
-                          <a:spcPts val="0"/>
-                        </a:spcBef>
-                        <a:spcAft>
-                          <a:spcPts val="0"/>
-                        </a:spcAft>
-                        <a:buClrTx/>
-                        <a:buSzTx/>
-                        <a:buFontTx/>
-                        <a:buNone/>
-                        <a:tabLst/>
-                        <a:defRPr/>
-                      </a:pPr>
-                      <a:r>
-                        <a:rPr kumimoji="0" lang="en-US" altLang="ko-KR" sz="1400" b="1" i="0" u="none" strike="noStrike" kern="1200" cap="none" spc="0" normalizeH="0" baseline="0" noProof="0" dirty="0">
-                          <a:ln>
-                            <a:noFill/>
-                          </a:ln>
-                          <a:solidFill>
-                            <a:schemeClr val="tx1">
-                              <a:lumMod val="65000"/>
-                              <a:lumOff val="35000"/>
-                            </a:schemeClr>
-                          </a:solidFill>
-                          <a:effectLst/>
-                          <a:uLnTx/>
-                          <a:uFillTx/>
-                          <a:latin typeface="+mn-lt"/>
-                          <a:ea typeface="+mn-ea"/>
-                          <a:cs typeface="+mn-cs"/>
-                        </a:rPr>
-                        <a:t>4</a:t>
-                      </a:r>
-                      <a:r>
-                        <a:rPr kumimoji="0" lang="ko-KR" altLang="en-US" sz="1400" b="1" i="0" u="none" strike="noStrike" kern="1200" cap="none" spc="0" normalizeH="0" baseline="0" noProof="0" dirty="0">
-                          <a:ln>
-                            <a:noFill/>
-                          </a:ln>
-                          <a:solidFill>
-                            <a:schemeClr val="tx1">
-                              <a:lumMod val="65000"/>
-                              <a:lumOff val="35000"/>
-                            </a:schemeClr>
-                          </a:solidFill>
-                          <a:effectLst/>
-                          <a:uLnTx/>
-                          <a:uFillTx/>
-                          <a:latin typeface="+mn-lt"/>
-                          <a:ea typeface="+mn-ea"/>
-                          <a:cs typeface="+mn-cs"/>
-                        </a:rPr>
-                        <a:t>주차</a:t>
-                      </a:r>
-                      <a:endParaRPr kumimoji="0" lang="en-US" altLang="ko-KR" sz="1400" b="1" i="0" u="none" strike="noStrike" kern="1200" cap="none" spc="0" normalizeH="0" baseline="0" noProof="0" dirty="0">
-                        <a:ln>
-                          <a:noFill/>
-                        </a:ln>
-                        <a:solidFill>
-                          <a:schemeClr val="tx1">
-                            <a:lumMod val="65000"/>
-                            <a:lumOff val="35000"/>
-                          </a:schemeClr>
-                        </a:solidFill>
-                        <a:effectLst/>
-                        <a:uLnTx/>
-                        <a:uFillTx/>
-                        <a:latin typeface="+mn-lt"/>
-                        <a:ea typeface="+mn-ea"/>
-                        <a:cs typeface="+mn-cs"/>
-                      </a:endParaRPr>
-                    </a:p>
-                  </a:txBody>
-                  <a:tcPr marL="216000" anchor="ctr">
-                    <a:lnL w="12700" cap="flat" cmpd="sng" algn="ctr">
-                      <a:noFill/>
-                      <a:prstDash val="solid"/>
-                      <a:round/>
-                      <a:headEnd type="none" w="med" len="med"/>
-                      <a:tailEnd type="none" w="med" len="med"/>
-                    </a:lnL>
-                    <a:lnR w="12700" cap="flat" cmpd="sng" algn="ctr">
-                      <a:noFill/>
-                      <a:prstDash val="solid"/>
-                      <a:round/>
-                      <a:headEnd type="none" w="med" len="med"/>
-                      <a:tailEnd type="none" w="med" len="med"/>
-                    </a:lnR>
-                    <a:lnT w="12700" cap="flat" cmpd="sng" algn="ctr">
-                      <a:solidFill>
-                        <a:srgbClr val="CACACA"/>
-                      </a:solidFill>
-                      <a:prstDash val="solid"/>
-                      <a:round/>
-                      <a:headEnd type="none" w="med" len="med"/>
-                      <a:tailEnd type="none" w="med" len="med"/>
-                    </a:lnT>
-                    <a:lnB w="12700" cap="flat" cmpd="sng" algn="ctr">
-                      <a:solidFill>
-                        <a:srgbClr val="CACACA"/>
-                      </a:solidFill>
-                      <a:prstDash val="solid"/>
-                      <a:round/>
-                      <a:headEnd type="none" w="med" len="med"/>
-                      <a:tailEnd type="none" w="med" len="med"/>
-                    </a:lnB>
-                    <a:lnTlToBr w="12700" cmpd="sng">
-                      <a:noFill/>
-                      <a:prstDash val="solid"/>
-                    </a:lnTlToBr>
-                    <a:lnBlToTr w="12700" cmpd="sng">
-                      <a:noFill/>
-                      <a:prstDash val="solid"/>
-                    </a:lnBlToTr>
-                    <a:noFill/>
-                  </a:tcPr>
-                </a:tc>
-                <a:tc>
-                  <a:txBody>
-                    <a:bodyPr/>
-                    <a:lstStyle/>
-                    <a:p>
-                      <a:pPr marL="0" marR="0" lvl="0" indent="0" algn="ctr" defTabSz="914400" rtl="0" eaLnBrk="1" fontAlgn="auto" latinLnBrk="1" hangingPunct="1">
-                        <a:lnSpc>
-                          <a:spcPct val="150000"/>
-                        </a:lnSpc>
-                        <a:spcBef>
-                          <a:spcPts val="0"/>
-                        </a:spcBef>
-                        <a:spcAft>
-                          <a:spcPts val="0"/>
-                        </a:spcAft>
-                        <a:buClrTx/>
-                        <a:buSzTx/>
-                        <a:buFontTx/>
-                        <a:buNone/>
-                        <a:tabLst/>
-                        <a:defRPr/>
-                      </a:pPr>
-                      <a:r>
-                        <a:rPr lang="ko-KR" altLang="en-US" sz="1400" b="1" dirty="0">
-                          <a:solidFill>
-                            <a:schemeClr val="tx1">
-                              <a:lumMod val="65000"/>
-                              <a:lumOff val="35000"/>
-                            </a:schemeClr>
-                          </a:solidFill>
-                        </a:rPr>
-                        <a:t>계획</a:t>
-                      </a:r>
-                    </a:p>
-                  </a:txBody>
-                  <a:tcPr marL="216000" anchor="ctr">
-                    <a:lnL w="12700" cap="flat" cmpd="sng" algn="ctr">
-                      <a:noFill/>
-                      <a:prstDash val="solid"/>
-                      <a:round/>
-                      <a:headEnd type="none" w="med" len="med"/>
-                      <a:tailEnd type="none" w="med" len="med"/>
-                    </a:lnL>
-                    <a:lnR w="12700" cap="flat" cmpd="sng" algn="ctr">
-                      <a:noFill/>
-                      <a:prstDash val="solid"/>
-                      <a:round/>
-                      <a:headEnd type="none" w="med" len="med"/>
-                      <a:tailEnd type="none" w="med" len="med"/>
-                    </a:lnR>
-                    <a:lnT w="12700" cap="flat" cmpd="sng" algn="ctr">
-                      <a:solidFill>
-                        <a:srgbClr val="CACACA"/>
-                      </a:solidFill>
-                      <a:prstDash val="solid"/>
-                      <a:round/>
-                      <a:headEnd type="none" w="med" len="med"/>
-                      <a:tailEnd type="none" w="med" len="med"/>
-                    </a:lnT>
-                    <a:lnB w="12700" cap="flat" cmpd="sng" algn="ctr">
-                      <a:solidFill>
-                        <a:srgbClr val="CACACA"/>
-                      </a:solidFill>
-                      <a:prstDash val="solid"/>
-                      <a:round/>
-                      <a:headEnd type="none" w="med" len="med"/>
-                      <a:tailEnd type="none" w="med" len="med"/>
-                    </a:lnB>
-                    <a:lnTlToBr w="12700" cmpd="sng">
-                      <a:noFill/>
-                      <a:prstDash val="solid"/>
-                    </a:lnTlToBr>
-                    <a:lnBlToTr w="12700" cmpd="sng">
-                      <a:noFill/>
-                      <a:prstDash val="solid"/>
-                    </a:lnBlToTr>
-                    <a:noFill/>
-                  </a:tcPr>
-                </a:tc>
-                <a:tc>
-                  <a:txBody>
-                    <a:bodyPr/>
-                    <a:lstStyle/>
-                    <a:p>
-                      <a:pPr marL="0" marR="0" lvl="0" indent="0" algn="ctr" defTabSz="914400" rtl="0" eaLnBrk="1" fontAlgn="auto" latinLnBrk="1" hangingPunct="1">
-                        <a:lnSpc>
-                          <a:spcPct val="150000"/>
-                        </a:lnSpc>
-                        <a:spcBef>
-                          <a:spcPts val="0"/>
-                        </a:spcBef>
-                        <a:spcAft>
-                          <a:spcPts val="0"/>
-                        </a:spcAft>
-                        <a:buClrTx/>
-                        <a:buSzTx/>
-                        <a:buFontTx/>
-                        <a:buNone/>
-                        <a:tabLst/>
-                        <a:defRPr/>
-                      </a:pPr>
-                      <a:r>
-                        <a:rPr lang="ko-KR" altLang="en-US" sz="1400" b="1" dirty="0">
-                          <a:solidFill>
-                            <a:schemeClr val="tx1">
-                              <a:lumMod val="65000"/>
-                              <a:lumOff val="35000"/>
-                            </a:schemeClr>
-                          </a:solidFill>
-                        </a:rPr>
-                        <a:t>적 구현</a:t>
-                      </a:r>
-                    </a:p>
-                  </a:txBody>
-                  <a:tcPr marL="216000" anchor="ctr">
-                    <a:lnL w="12700" cap="flat" cmpd="sng" algn="ctr">
-                      <a:noFill/>
-                      <a:prstDash val="solid"/>
-                      <a:round/>
-                      <a:headEnd type="none" w="med" len="med"/>
-                      <a:tailEnd type="none" w="med" len="med"/>
-                    </a:lnL>
-                    <a:lnR w="12700" cap="flat" cmpd="sng" algn="ctr">
-                      <a:noFill/>
-                      <a:prstDash val="solid"/>
-                      <a:round/>
-                      <a:headEnd type="none" w="med" len="med"/>
-                      <a:tailEnd type="none" w="med" len="med"/>
-                    </a:lnR>
-                    <a:lnT w="12700" cap="flat" cmpd="sng" algn="ctr">
-                      <a:solidFill>
-                        <a:srgbClr val="CACACA"/>
-                      </a:solidFill>
-                      <a:prstDash val="solid"/>
-                      <a:round/>
-                      <a:headEnd type="none" w="med" len="med"/>
-                      <a:tailEnd type="none" w="med" len="med"/>
-                    </a:lnT>
-                    <a:lnB w="12700" cap="flat" cmpd="sng" algn="ctr">
-                      <a:solidFill>
-                        <a:srgbClr val="CACACA"/>
-                      </a:solidFill>
-                      <a:prstDash val="solid"/>
-                      <a:round/>
-                      <a:headEnd type="none" w="med" len="med"/>
-                      <a:tailEnd type="none" w="med" len="med"/>
-                    </a:lnB>
-                    <a:lnTlToBr w="12700" cmpd="sng">
-                      <a:noFill/>
-                      <a:prstDash val="solid"/>
-                    </a:lnTlToBr>
-                    <a:lnBlToTr w="12700" cmpd="sng">
-                      <a:noFill/>
-                      <a:prstDash val="solid"/>
-                    </a:lnBlToTr>
-                    <a:noFill/>
-                  </a:tcPr>
-                </a:tc>
-                <a:extLst>
-                  <a:ext uri="{0D108BD9-81ED-4DB2-BD59-A6C34878D82A}">
-                    <a16:rowId xmlns:a16="http://schemas.microsoft.com/office/drawing/2014/main" val="10003"/>
-                  </a:ext>
-                </a:extLst>
-              </a:tr>
-              <a:tr h="655618">
-                <a:tc vMerge="1">
-                  <a:txBody>
-                    <a:bodyPr/>
-                    <a:lstStyle/>
-                    <a:p>
-                      <a:pPr latinLnBrk="1"/>
-                      <a:endParaRPr lang="ko-KR" altLang="en-US"/>
-                    </a:p>
-                  </a:txBody>
-                  <a:tcPr/>
-                </a:tc>
-                <a:tc>
-                  <a:txBody>
-                    <a:bodyPr/>
-                    <a:lstStyle/>
-                    <a:p>
-                      <a:pPr marL="0" marR="0" lvl="0" indent="0" algn="ctr" defTabSz="914400" rtl="0" eaLnBrk="1" fontAlgn="auto" latinLnBrk="1" hangingPunct="1">
-                        <a:lnSpc>
-                          <a:spcPct val="150000"/>
-                        </a:lnSpc>
-                        <a:spcBef>
-                          <a:spcPts val="0"/>
-                        </a:spcBef>
-                        <a:spcAft>
-                          <a:spcPts val="0"/>
-                        </a:spcAft>
-                        <a:buClrTx/>
-                        <a:buSzTx/>
-                        <a:buFontTx/>
-                        <a:buNone/>
-                        <a:tabLst/>
-                        <a:defRPr/>
-                      </a:pPr>
-                      <a:r>
-                        <a:rPr lang="ko-KR" altLang="en-US" sz="1400" b="1" dirty="0">
-                          <a:solidFill>
-                            <a:schemeClr val="tx1">
-                              <a:lumMod val="65000"/>
-                              <a:lumOff val="35000"/>
-                            </a:schemeClr>
-                          </a:solidFill>
-                        </a:rPr>
-                        <a:t>결과</a:t>
-                      </a:r>
-                    </a:p>
-                  </a:txBody>
-                  <a:tcPr marL="216000" anchor="ctr">
-                    <a:lnL w="12700" cap="flat" cmpd="sng" algn="ctr">
-                      <a:noFill/>
-                      <a:prstDash val="solid"/>
-                      <a:round/>
-                      <a:headEnd type="none" w="med" len="med"/>
-                      <a:tailEnd type="none" w="med" len="med"/>
-                    </a:lnL>
-                    <a:lnR w="12700" cap="flat" cmpd="sng" algn="ctr">
-                      <a:noFill/>
-                      <a:prstDash val="solid"/>
-                      <a:round/>
-                      <a:headEnd type="none" w="med" len="med"/>
-                      <a:tailEnd type="none" w="med" len="med"/>
-                    </a:lnR>
-                    <a:lnT w="12700" cap="flat" cmpd="sng" algn="ctr">
-                      <a:solidFill>
-                        <a:srgbClr val="CACACA"/>
-                      </a:solidFill>
-                      <a:prstDash val="solid"/>
-                      <a:round/>
-                      <a:headEnd type="none" w="med" len="med"/>
-                      <a:tailEnd type="none" w="med" len="med"/>
-                    </a:lnT>
-                    <a:lnB w="12700" cap="flat" cmpd="sng" algn="ctr">
-                      <a:solidFill>
-                        <a:srgbClr val="CACACA"/>
-                      </a:solidFill>
-                      <a:prstDash val="solid"/>
-                      <a:round/>
-                      <a:headEnd type="none" w="med" len="med"/>
-                      <a:tailEnd type="none" w="med" len="med"/>
-                    </a:lnB>
-                    <a:lnTlToBr w="12700" cmpd="sng">
-                      <a:noFill/>
-                      <a:prstDash val="solid"/>
-                    </a:lnTlToBr>
-                    <a:lnBlToTr w="12700" cmpd="sng">
-                      <a:noFill/>
-                      <a:prstDash val="solid"/>
-                    </a:lnBlToTr>
-                    <a:noFill/>
-                  </a:tcPr>
-                </a:tc>
-                <a:tc>
-                  <a:txBody>
-                    <a:bodyPr/>
-                    <a:lstStyle/>
-                    <a:p>
-                      <a:pPr marL="228600" lvl="0" indent="-228600" algn="ctr" latinLnBrk="1">
-                        <a:lnSpc>
-                          <a:spcPct val="150000"/>
-                        </a:lnSpc>
-                        <a:buAutoNum type="arabicPeriod"/>
-                      </a:pPr>
-                      <a:r>
-                        <a:rPr lang="ko-KR" altLang="en-US" sz="1400" b="1" kern="1200" dirty="0">
-                          <a:solidFill>
-                            <a:schemeClr val="tx1">
-                              <a:lumMod val="65000"/>
-                              <a:lumOff val="35000"/>
-                            </a:schemeClr>
-                          </a:solidFill>
-                          <a:latin typeface="+mn-lt"/>
-                          <a:ea typeface="+mn-ea"/>
-                          <a:cs typeface="+mn-cs"/>
-                        </a:rPr>
-                        <a:t>적의 이미지 구현</a:t>
-                      </a:r>
-                      <a:r>
-                        <a:rPr lang="en-US" altLang="ko-KR" sz="1400" b="1" kern="1200" dirty="0">
-                          <a:solidFill>
-                            <a:schemeClr val="tx1">
-                              <a:lumMod val="65000"/>
-                              <a:lumOff val="35000"/>
-                            </a:schemeClr>
-                          </a:solidFill>
-                          <a:highlight>
-                            <a:srgbClr val="00FFFF"/>
-                          </a:highlight>
-                          <a:latin typeface="+mn-lt"/>
-                          <a:ea typeface="+mn-ea"/>
-                          <a:cs typeface="+mn-cs"/>
-                        </a:rPr>
-                        <a:t>(100%)</a:t>
-                      </a:r>
-                    </a:p>
-                    <a:p>
-                      <a:pPr marL="228600" lvl="0" indent="-228600" algn="ctr" latinLnBrk="1">
-                        <a:lnSpc>
-                          <a:spcPct val="150000"/>
-                        </a:lnSpc>
-                        <a:buAutoNum type="arabicPeriod"/>
-                      </a:pPr>
-                      <a:r>
-                        <a:rPr lang="ko-KR" altLang="en-US" sz="1400" b="1" kern="1200" dirty="0">
-                          <a:solidFill>
-                            <a:schemeClr val="tx1">
-                              <a:lumMod val="65000"/>
-                              <a:lumOff val="35000"/>
-                            </a:schemeClr>
-                          </a:solidFill>
-                          <a:latin typeface="+mn-lt"/>
-                          <a:ea typeface="+mn-ea"/>
-                          <a:cs typeface="+mn-cs"/>
-                        </a:rPr>
-                        <a:t>적의 이동 방향과 공격 방향 구현 </a:t>
-                      </a:r>
-                      <a:r>
-                        <a:rPr lang="en-US" altLang="ko-KR" sz="1400" b="1" kern="1200" dirty="0">
-                          <a:solidFill>
-                            <a:schemeClr val="tx1">
-                              <a:lumMod val="65000"/>
-                              <a:lumOff val="35000"/>
-                            </a:schemeClr>
-                          </a:solidFill>
-                          <a:highlight>
-                            <a:srgbClr val="00FFFF"/>
-                          </a:highlight>
-                          <a:latin typeface="+mn-lt"/>
-                          <a:ea typeface="+mn-ea"/>
-                          <a:cs typeface="+mn-cs"/>
-                        </a:rPr>
-                        <a:t>(50%)</a:t>
-                      </a:r>
-                    </a:p>
-                  </a:txBody>
-                  <a:tcPr marL="216000" anchor="ctr">
-                    <a:lnL w="12700" cap="flat" cmpd="sng" algn="ctr">
-                      <a:noFill/>
-                      <a:prstDash val="solid"/>
-                      <a:round/>
-                      <a:headEnd type="none" w="med" len="med"/>
-                      <a:tailEnd type="none" w="med" len="med"/>
-                    </a:lnL>
-                    <a:lnR w="12700" cap="flat" cmpd="sng" algn="ctr">
-                      <a:noFill/>
-                      <a:prstDash val="solid"/>
-                      <a:round/>
-                      <a:headEnd type="none" w="med" len="med"/>
-                      <a:tailEnd type="none" w="med" len="med"/>
-                    </a:lnR>
-                    <a:lnT w="12700" cap="flat" cmpd="sng" algn="ctr">
-                      <a:solidFill>
-                        <a:srgbClr val="CACACA"/>
-                      </a:solidFill>
-                      <a:prstDash val="solid"/>
-                      <a:round/>
-                      <a:headEnd type="none" w="med" len="med"/>
-                      <a:tailEnd type="none" w="med" len="med"/>
-                    </a:lnT>
-                    <a:lnB w="12700" cap="flat" cmpd="sng" algn="ctr">
-                      <a:solidFill>
-                        <a:srgbClr val="CACACA"/>
-                      </a:solidFill>
-                      <a:prstDash val="solid"/>
-                      <a:round/>
-                      <a:headEnd type="none" w="med" len="med"/>
-                      <a:tailEnd type="none" w="med" len="med"/>
-                    </a:lnB>
-                    <a:lnTlToBr w="12700" cmpd="sng">
-                      <a:noFill/>
-                      <a:prstDash val="solid"/>
-                    </a:lnTlToBr>
-                    <a:lnBlToTr w="12700" cmpd="sng">
-                      <a:noFill/>
-                      <a:prstDash val="solid"/>
-                    </a:lnBlToTr>
-                    <a:noFill/>
-                  </a:tcPr>
-                </a:tc>
-                <a:extLst>
-                  <a:ext uri="{0D108BD9-81ED-4DB2-BD59-A6C34878D82A}">
-                    <a16:rowId xmlns:a16="http://schemas.microsoft.com/office/drawing/2014/main" val="390665612"/>
-                  </a:ext>
-                </a:extLst>
-              </a:tr>
-              <a:tr h="351661">
-                <a:tc rowSpan="2">
-                  <a:txBody>
-                    <a:bodyPr/>
-                    <a:lstStyle/>
-                    <a:p>
-                      <a:pPr marL="0" marR="0" lvl="0" indent="0" algn="ctr" defTabSz="914400" rtl="0" eaLnBrk="1" fontAlgn="auto" latinLnBrk="1" hangingPunct="1">
-                        <a:lnSpc>
-                          <a:spcPct val="100000"/>
-                        </a:lnSpc>
-                        <a:spcBef>
-                          <a:spcPts val="0"/>
-                        </a:spcBef>
-                        <a:spcAft>
-                          <a:spcPts val="0"/>
-                        </a:spcAft>
-                        <a:buClrTx/>
-                        <a:buSzTx/>
-                        <a:buFontTx/>
-                        <a:buNone/>
-                        <a:tabLst/>
-                        <a:defRPr/>
-                      </a:pPr>
-                      <a:r>
-                        <a:rPr kumimoji="0" lang="en-US" altLang="ko-KR" sz="1400" b="1" i="0" u="none" strike="noStrike" kern="1200" cap="none" spc="0" normalizeH="0" baseline="0" noProof="0" dirty="0">
-                          <a:ln>
-                            <a:noFill/>
-                          </a:ln>
-                          <a:solidFill>
-                            <a:schemeClr val="tx1">
-                              <a:lumMod val="65000"/>
-                              <a:lumOff val="35000"/>
-                            </a:schemeClr>
-                          </a:solidFill>
-                          <a:effectLst/>
-                          <a:uLnTx/>
-                          <a:uFillTx/>
-                          <a:latin typeface="+mn-lt"/>
-                          <a:ea typeface="+mn-ea"/>
-                          <a:cs typeface="+mn-cs"/>
-                        </a:rPr>
-                        <a:t>5</a:t>
-                      </a:r>
-                      <a:r>
-                        <a:rPr kumimoji="0" lang="ko-KR" altLang="en-US" sz="1400" b="1" i="0" u="none" strike="noStrike" kern="1200" cap="none" spc="0" normalizeH="0" baseline="0" noProof="0" dirty="0">
-                          <a:ln>
-                            <a:noFill/>
-                          </a:ln>
-                          <a:solidFill>
-                            <a:schemeClr val="tx1">
-                              <a:lumMod val="65000"/>
-                              <a:lumOff val="35000"/>
-                            </a:schemeClr>
-                          </a:solidFill>
-                          <a:effectLst/>
-                          <a:uLnTx/>
-                          <a:uFillTx/>
-                          <a:latin typeface="+mn-lt"/>
-                          <a:ea typeface="+mn-ea"/>
-                          <a:cs typeface="+mn-cs"/>
-                        </a:rPr>
-                        <a:t>주차</a:t>
-                      </a:r>
-                      <a:endParaRPr kumimoji="0" lang="en-US" altLang="ko-KR" sz="1400" b="1" i="0" u="none" strike="noStrike" kern="1200" cap="none" spc="0" normalizeH="0" baseline="0" noProof="0" dirty="0">
-                        <a:ln>
-                          <a:noFill/>
-                        </a:ln>
-                        <a:solidFill>
-                          <a:schemeClr val="tx1">
-                            <a:lumMod val="65000"/>
-                            <a:lumOff val="35000"/>
-                          </a:schemeClr>
-                        </a:solidFill>
-                        <a:effectLst/>
-                        <a:uLnTx/>
-                        <a:uFillTx/>
-                        <a:latin typeface="+mn-lt"/>
-                        <a:ea typeface="+mn-ea"/>
-                        <a:cs typeface="+mn-cs"/>
-                      </a:endParaRPr>
-                    </a:p>
-                  </a:txBody>
-                  <a:tcPr marL="216000" anchor="ctr">
-                    <a:lnL w="12700" cap="flat" cmpd="sng" algn="ctr">
-                      <a:noFill/>
-                      <a:prstDash val="solid"/>
-                      <a:round/>
-                      <a:headEnd type="none" w="med" len="med"/>
-                      <a:tailEnd type="none" w="med" len="med"/>
-                    </a:lnL>
-                    <a:lnR w="12700" cap="flat" cmpd="sng" algn="ctr">
-                      <a:noFill/>
-                      <a:prstDash val="solid"/>
-                      <a:round/>
-                      <a:headEnd type="none" w="med" len="med"/>
-                      <a:tailEnd type="none" w="med" len="med"/>
-                    </a:lnR>
-                    <a:lnT w="12700" cap="flat" cmpd="sng" algn="ctr">
-                      <a:solidFill>
-                        <a:srgbClr val="CACACA"/>
-                      </a:solidFill>
-                      <a:prstDash val="solid"/>
-                      <a:round/>
-                      <a:headEnd type="none" w="med" len="med"/>
-                      <a:tailEnd type="none" w="med" len="med"/>
-                    </a:lnT>
-                    <a:lnB w="12700" cap="flat" cmpd="sng" algn="ctr">
-                      <a:solidFill>
-                        <a:srgbClr val="CACACA"/>
-                      </a:solidFill>
-                      <a:prstDash val="solid"/>
-                      <a:round/>
-                      <a:headEnd type="none" w="med" len="med"/>
-                      <a:tailEnd type="none" w="med" len="med"/>
-                    </a:lnB>
-                    <a:lnTlToBr w="12700" cmpd="sng">
-                      <a:noFill/>
-                      <a:prstDash val="solid"/>
-                    </a:lnTlToBr>
-                    <a:lnBlToTr w="12700" cmpd="sng">
-                      <a:noFill/>
-                      <a:prstDash val="solid"/>
-                    </a:lnBlToTr>
-                    <a:solidFill>
-                      <a:schemeClr val="bg1"/>
-                    </a:solidFill>
-                  </a:tcPr>
-                </a:tc>
-                <a:tc>
-                  <a:txBody>
-                    <a:bodyPr/>
-                    <a:lstStyle/>
-                    <a:p>
-                      <a:pPr marL="0" marR="0" lvl="0" indent="0" algn="ctr" defTabSz="914400" rtl="0" eaLnBrk="1" fontAlgn="auto" latinLnBrk="1" hangingPunct="1">
-                        <a:lnSpc>
-                          <a:spcPct val="150000"/>
-                        </a:lnSpc>
-                        <a:spcBef>
-                          <a:spcPts val="0"/>
-                        </a:spcBef>
-                        <a:spcAft>
-                          <a:spcPts val="0"/>
-                        </a:spcAft>
-                        <a:buClrTx/>
-                        <a:buSzTx/>
-                        <a:buFontTx/>
-                        <a:buNone/>
-                        <a:tabLst/>
-                        <a:defRPr/>
-                      </a:pPr>
-                      <a:r>
-                        <a:rPr lang="ko-KR" altLang="en-US" sz="1400" b="1" dirty="0">
-                          <a:solidFill>
-                            <a:schemeClr val="tx1">
-                              <a:lumMod val="65000"/>
-                              <a:lumOff val="35000"/>
-                            </a:schemeClr>
-                          </a:solidFill>
-                        </a:rPr>
-                        <a:t>계획</a:t>
-                      </a:r>
-                    </a:p>
-                  </a:txBody>
-                  <a:tcPr marL="216000" anchor="ctr">
-                    <a:lnL w="12700" cap="flat" cmpd="sng" algn="ctr">
-                      <a:noFill/>
-                      <a:prstDash val="solid"/>
-                      <a:round/>
-                      <a:headEnd type="none" w="med" len="med"/>
-                      <a:tailEnd type="none" w="med" len="med"/>
-                    </a:lnL>
-                    <a:lnR w="12700" cap="flat" cmpd="sng" algn="ctr">
-                      <a:noFill/>
-                      <a:prstDash val="solid"/>
-                      <a:round/>
-                      <a:headEnd type="none" w="med" len="med"/>
-                      <a:tailEnd type="none" w="med" len="med"/>
-                    </a:lnR>
-                    <a:lnT w="12700" cap="flat" cmpd="sng" algn="ctr">
-                      <a:solidFill>
-                        <a:srgbClr val="CACACA"/>
-                      </a:solidFill>
-                      <a:prstDash val="solid"/>
-                      <a:round/>
-                      <a:headEnd type="none" w="med" len="med"/>
-                      <a:tailEnd type="none" w="med" len="med"/>
-                    </a:lnT>
-                    <a:lnB w="12700" cap="flat" cmpd="sng" algn="ctr">
-                      <a:solidFill>
-                        <a:srgbClr val="CACACA"/>
-                      </a:solidFill>
-                      <a:prstDash val="solid"/>
-                      <a:round/>
-                      <a:headEnd type="none" w="med" len="med"/>
-                      <a:tailEnd type="none" w="med" len="med"/>
-                    </a:lnB>
-                    <a:lnTlToBr w="12700" cmpd="sng">
-                      <a:noFill/>
-                      <a:prstDash val="solid"/>
-                    </a:lnTlToBr>
-                    <a:lnBlToTr w="12700" cmpd="sng">
-                      <a:noFill/>
-                      <a:prstDash val="solid"/>
-                    </a:lnBlToTr>
-                    <a:solidFill>
-                      <a:schemeClr val="bg1"/>
-                    </a:solidFill>
-                  </a:tcPr>
-                </a:tc>
-                <a:tc>
-                  <a:txBody>
-                    <a:bodyPr/>
-                    <a:lstStyle/>
-                    <a:p>
-                      <a:pPr marL="0" lvl="0" indent="0" algn="ctr" latinLnBrk="1">
-                        <a:lnSpc>
-                          <a:spcPct val="150000"/>
-                        </a:lnSpc>
-                        <a:buNone/>
-                      </a:pPr>
-                      <a:r>
-                        <a:rPr lang="ko-KR" altLang="en-US" sz="1400" b="1" dirty="0">
-                          <a:solidFill>
-                            <a:schemeClr val="tx1">
-                              <a:lumMod val="65000"/>
-                              <a:lumOff val="35000"/>
-                            </a:schemeClr>
-                          </a:solidFill>
-                        </a:rPr>
-                        <a:t>오브젝트 애니메이션 구현</a:t>
-                      </a:r>
-                      <a:endParaRPr lang="en-US" altLang="ko-KR" sz="1400" b="1" dirty="0">
-                        <a:solidFill>
-                          <a:schemeClr val="tx1">
-                            <a:lumMod val="65000"/>
-                            <a:lumOff val="35000"/>
-                          </a:schemeClr>
-                        </a:solidFill>
-                      </a:endParaRPr>
-                    </a:p>
-                  </a:txBody>
-                  <a:tcPr marL="216000" anchor="ctr">
-                    <a:lnL w="12700" cap="flat" cmpd="sng" algn="ctr">
-                      <a:noFill/>
-                      <a:prstDash val="solid"/>
-                      <a:round/>
-                      <a:headEnd type="none" w="med" len="med"/>
-                      <a:tailEnd type="none" w="med" len="med"/>
-                    </a:lnL>
-                    <a:lnR w="12700" cap="flat" cmpd="sng" algn="ctr">
-                      <a:noFill/>
-                      <a:prstDash val="solid"/>
-                      <a:round/>
-                      <a:headEnd type="none" w="med" len="med"/>
-                      <a:tailEnd type="none" w="med" len="med"/>
-                    </a:lnR>
-                    <a:lnT w="12700" cap="flat" cmpd="sng" algn="ctr">
-                      <a:solidFill>
-                        <a:srgbClr val="CACACA"/>
-                      </a:solidFill>
-                      <a:prstDash val="solid"/>
-                      <a:round/>
-                      <a:headEnd type="none" w="med" len="med"/>
-                      <a:tailEnd type="none" w="med" len="med"/>
-                    </a:lnT>
-                    <a:lnB w="12700" cap="flat" cmpd="sng" algn="ctr">
-                      <a:solidFill>
-                        <a:srgbClr val="CACACA"/>
-                      </a:solidFill>
-                      <a:prstDash val="solid"/>
-                      <a:round/>
-                      <a:headEnd type="none" w="med" len="med"/>
-                      <a:tailEnd type="none" w="med" len="med"/>
-                    </a:lnB>
-                    <a:lnTlToBr w="12700" cmpd="sng">
-                      <a:noFill/>
-                      <a:prstDash val="solid"/>
-                    </a:lnTlToBr>
-                    <a:lnBlToTr w="12700" cmpd="sng">
-                      <a:noFill/>
-                      <a:prstDash val="solid"/>
-                    </a:lnBlToTr>
-                    <a:solidFill>
-                      <a:schemeClr val="bg1"/>
-                    </a:solidFill>
-                  </a:tcPr>
-                </a:tc>
-                <a:extLst>
-                  <a:ext uri="{0D108BD9-81ED-4DB2-BD59-A6C34878D82A}">
-                    <a16:rowId xmlns:a16="http://schemas.microsoft.com/office/drawing/2014/main" val="10004"/>
-                  </a:ext>
-                </a:extLst>
-              </a:tr>
-              <a:tr h="814380">
-                <a:tc vMerge="1">
-                  <a:txBody>
-                    <a:bodyPr/>
-                    <a:lstStyle/>
-                    <a:p>
-                      <a:pPr latinLnBrk="1"/>
-                      <a:endParaRPr lang="ko-KR" altLang="en-US"/>
-                    </a:p>
-                  </a:txBody>
-                  <a:tcPr/>
-                </a:tc>
-                <a:tc>
-                  <a:txBody>
-                    <a:bodyPr/>
-                    <a:lstStyle/>
-                    <a:p>
-                      <a:pPr marL="0" marR="0" lvl="0" indent="0" algn="ctr" defTabSz="914400" rtl="0" eaLnBrk="1" fontAlgn="auto" latinLnBrk="1" hangingPunct="1">
-                        <a:lnSpc>
-                          <a:spcPct val="150000"/>
-                        </a:lnSpc>
-                        <a:spcBef>
-                          <a:spcPts val="0"/>
-                        </a:spcBef>
-                        <a:spcAft>
-                          <a:spcPts val="0"/>
-                        </a:spcAft>
-                        <a:buClrTx/>
-                        <a:buSzTx/>
-                        <a:buFontTx/>
-                        <a:buNone/>
-                        <a:tabLst/>
-                        <a:defRPr/>
-                      </a:pPr>
-                      <a:r>
-                        <a:rPr lang="ko-KR" altLang="en-US" sz="1400" b="1" dirty="0">
-                          <a:solidFill>
-                            <a:schemeClr val="tx1">
-                              <a:lumMod val="65000"/>
-                              <a:lumOff val="35000"/>
-                            </a:schemeClr>
-                          </a:solidFill>
-                        </a:rPr>
-                        <a:t>결과</a:t>
-                      </a:r>
-                    </a:p>
-                  </a:txBody>
-                  <a:tcPr marL="216000" anchor="ctr">
-                    <a:lnL w="12700" cap="flat" cmpd="sng" algn="ctr">
-                      <a:noFill/>
-                      <a:prstDash val="solid"/>
-                      <a:round/>
-                      <a:headEnd type="none" w="med" len="med"/>
-                      <a:tailEnd type="none" w="med" len="med"/>
-                    </a:lnL>
-                    <a:lnR w="12700" cap="flat" cmpd="sng" algn="ctr">
-                      <a:noFill/>
-                      <a:prstDash val="solid"/>
-                      <a:round/>
-                      <a:headEnd type="none" w="med" len="med"/>
-                      <a:tailEnd type="none" w="med" len="med"/>
-                    </a:lnR>
-                    <a:lnT w="12700" cap="flat" cmpd="sng" algn="ctr">
-                      <a:solidFill>
-                        <a:srgbClr val="CACACA"/>
-                      </a:solidFill>
-                      <a:prstDash val="solid"/>
-                      <a:round/>
-                      <a:headEnd type="none" w="med" len="med"/>
-                      <a:tailEnd type="none" w="med" len="med"/>
-                    </a:lnT>
-                    <a:lnB w="12700" cap="flat" cmpd="sng" algn="ctr">
-                      <a:solidFill>
-                        <a:srgbClr val="CACACA"/>
-                      </a:solidFill>
-                      <a:prstDash val="solid"/>
-                      <a:round/>
-                      <a:headEnd type="none" w="med" len="med"/>
-                      <a:tailEnd type="none" w="med" len="med"/>
-                    </a:lnB>
-                    <a:lnTlToBr w="12700" cmpd="sng">
-                      <a:noFill/>
-                      <a:prstDash val="solid"/>
-                    </a:lnTlToBr>
-                    <a:lnBlToTr w="12700" cmpd="sng">
-                      <a:noFill/>
-                      <a:prstDash val="solid"/>
-                    </a:lnBlToTr>
-                    <a:solidFill>
-                      <a:schemeClr val="bg1"/>
-                    </a:solidFill>
-                  </a:tcPr>
-                </a:tc>
-                <a:tc>
-                  <a:txBody>
-                    <a:bodyPr/>
-                    <a:lstStyle/>
-                    <a:p>
-                      <a:pPr marL="228600" marR="0" lvl="0" indent="-228600" algn="ctr" defTabSz="914400" rtl="0" eaLnBrk="1" fontAlgn="auto" latinLnBrk="1" hangingPunct="1">
-                        <a:lnSpc>
-                          <a:spcPct val="150000"/>
-                        </a:lnSpc>
-                        <a:spcBef>
-                          <a:spcPts val="0"/>
-                        </a:spcBef>
-                        <a:spcAft>
-                          <a:spcPts val="0"/>
-                        </a:spcAft>
-                        <a:buClrTx/>
-                        <a:buSzTx/>
-                        <a:buFontTx/>
-                        <a:buAutoNum type="arabicPeriod"/>
-                        <a:tabLst/>
-                        <a:defRPr/>
-                      </a:pPr>
-                      <a:r>
-                        <a:rPr lang="ko-KR" altLang="en-US" sz="1400" b="1" dirty="0">
-                          <a:solidFill>
-                            <a:schemeClr val="tx1">
-                              <a:lumMod val="65000"/>
-                              <a:lumOff val="35000"/>
-                            </a:schemeClr>
-                          </a:solidFill>
-                        </a:rPr>
-                        <a:t>전투기 애니메이션 구현 완료</a:t>
-                      </a:r>
-                      <a:r>
-                        <a:rPr lang="en-US" altLang="ko-KR" sz="1400" b="1" dirty="0">
-                          <a:solidFill>
-                            <a:schemeClr val="tx1">
-                              <a:lumMod val="65000"/>
-                              <a:lumOff val="35000"/>
-                            </a:schemeClr>
-                          </a:solidFill>
-                          <a:highlight>
-                            <a:srgbClr val="00FFFF"/>
-                          </a:highlight>
-                        </a:rPr>
-                        <a:t>(100%) </a:t>
-                      </a:r>
-                      <a:r>
-                        <a:rPr lang="en-US" altLang="ko-KR" sz="1400" b="1" dirty="0">
-                          <a:solidFill>
-                            <a:schemeClr val="tx1">
-                              <a:lumMod val="65000"/>
-                              <a:lumOff val="35000"/>
-                            </a:schemeClr>
-                          </a:solidFill>
-                        </a:rPr>
-                        <a:t>2.</a:t>
-                      </a:r>
-                      <a:r>
-                        <a:rPr lang="ko-KR" altLang="en-US" sz="1400" b="1" dirty="0">
-                          <a:solidFill>
-                            <a:schemeClr val="tx1">
-                              <a:lumMod val="65000"/>
-                              <a:lumOff val="35000"/>
-                            </a:schemeClr>
-                          </a:solidFill>
-                        </a:rPr>
-                        <a:t>아군 애니메이션 구현 완료</a:t>
-                      </a:r>
-                      <a:r>
-                        <a:rPr lang="en-US" altLang="ko-KR" sz="1400" b="1" dirty="0">
-                          <a:solidFill>
-                            <a:schemeClr val="tx1">
-                              <a:lumMod val="65000"/>
-                              <a:lumOff val="35000"/>
-                            </a:schemeClr>
-                          </a:solidFill>
-                          <a:highlight>
-                            <a:srgbClr val="00FFFF"/>
-                          </a:highlight>
-                        </a:rPr>
-                        <a:t>(100%) </a:t>
-                      </a:r>
-                    </a:p>
-                    <a:p>
-                      <a:pPr marL="228600" marR="0" lvl="0" indent="-228600" algn="ctr" defTabSz="914400" rtl="0" eaLnBrk="1" fontAlgn="auto" latinLnBrk="1" hangingPunct="1">
-                        <a:lnSpc>
-                          <a:spcPct val="150000"/>
-                        </a:lnSpc>
-                        <a:spcBef>
-                          <a:spcPts val="0"/>
-                        </a:spcBef>
-                        <a:spcAft>
-                          <a:spcPts val="0"/>
-                        </a:spcAft>
-                        <a:buClrTx/>
-                        <a:buSzTx/>
-                        <a:buFontTx/>
-                        <a:buAutoNum type="arabicPeriod"/>
-                        <a:tabLst/>
-                        <a:defRPr/>
-                      </a:pPr>
-                      <a:r>
-                        <a:rPr lang="en-US" altLang="ko-KR" sz="1400" b="1" dirty="0">
-                          <a:solidFill>
-                            <a:schemeClr val="tx1">
-                              <a:lumMod val="65000"/>
-                              <a:lumOff val="35000"/>
-                            </a:schemeClr>
-                          </a:solidFill>
-                        </a:rPr>
-                        <a:t>3. </a:t>
-                      </a:r>
-                      <a:r>
-                        <a:rPr lang="ko-KR" altLang="en-US" sz="1400" b="1" dirty="0">
-                          <a:solidFill>
-                            <a:schemeClr val="tx1">
-                              <a:lumMod val="65000"/>
-                              <a:lumOff val="35000"/>
-                            </a:schemeClr>
-                          </a:solidFill>
-                        </a:rPr>
-                        <a:t>적군 애니메이션 </a:t>
-                      </a:r>
-                      <a:r>
-                        <a:rPr lang="en-US" altLang="ko-KR" sz="1400" b="1" dirty="0">
-                          <a:solidFill>
-                            <a:schemeClr val="tx1">
-                              <a:lumMod val="65000"/>
-                              <a:lumOff val="35000"/>
-                            </a:schemeClr>
-                          </a:solidFill>
-                          <a:highlight>
-                            <a:srgbClr val="00FFFF"/>
-                          </a:highlight>
-                        </a:rPr>
-                        <a:t>(</a:t>
-                      </a:r>
-                      <a:r>
-                        <a:rPr lang="ko-KR" altLang="en-US" sz="1400" b="1" dirty="0">
-                          <a:solidFill>
-                            <a:schemeClr val="tx1">
-                              <a:lumMod val="65000"/>
-                              <a:lumOff val="35000"/>
-                            </a:schemeClr>
-                          </a:solidFill>
-                          <a:highlight>
-                            <a:srgbClr val="00FFFF"/>
-                          </a:highlight>
-                        </a:rPr>
-                        <a:t>진행중</a:t>
-                      </a:r>
-                      <a:r>
-                        <a:rPr lang="en-US" altLang="ko-KR" sz="1400" b="1" dirty="0">
-                          <a:solidFill>
-                            <a:schemeClr val="tx1">
-                              <a:lumMod val="65000"/>
-                              <a:lumOff val="35000"/>
-                            </a:schemeClr>
-                          </a:solidFill>
-                          <a:highlight>
-                            <a:srgbClr val="00FFFF"/>
-                          </a:highlight>
-                        </a:rPr>
-                        <a:t>)</a:t>
-                      </a:r>
-                    </a:p>
-                  </a:txBody>
-                  <a:tcPr marL="216000" anchor="ctr">
-                    <a:lnL w="12700" cap="flat" cmpd="sng" algn="ctr">
-                      <a:noFill/>
-                      <a:prstDash val="solid"/>
-                      <a:round/>
-                      <a:headEnd type="none" w="med" len="med"/>
-                      <a:tailEnd type="none" w="med" len="med"/>
-                    </a:lnL>
-                    <a:lnR w="12700" cap="flat" cmpd="sng" algn="ctr">
-                      <a:noFill/>
-                      <a:prstDash val="solid"/>
-                      <a:round/>
-                      <a:headEnd type="none" w="med" len="med"/>
-                      <a:tailEnd type="none" w="med" len="med"/>
-                    </a:lnR>
-                    <a:lnT w="12700" cap="flat" cmpd="sng" algn="ctr">
-                      <a:solidFill>
-                        <a:srgbClr val="CACACA"/>
-                      </a:solidFill>
-                      <a:prstDash val="solid"/>
-                      <a:round/>
-                      <a:headEnd type="none" w="med" len="med"/>
-                      <a:tailEnd type="none" w="med" len="med"/>
-                    </a:lnT>
-                    <a:lnB w="12700" cap="flat" cmpd="sng" algn="ctr">
-                      <a:solidFill>
-                        <a:srgbClr val="CACACA"/>
-                      </a:solidFill>
-                      <a:prstDash val="solid"/>
-                      <a:round/>
-                      <a:headEnd type="none" w="med" len="med"/>
-                      <a:tailEnd type="none" w="med" len="med"/>
-                    </a:lnB>
-                    <a:lnTlToBr w="12700" cmpd="sng">
-                      <a:noFill/>
-                      <a:prstDash val="solid"/>
-                    </a:lnTlToBr>
-                    <a:lnBlToTr w="12700" cmpd="sng">
-                      <a:noFill/>
-                      <a:prstDash val="solid"/>
-                    </a:lnBlToTr>
-                    <a:solidFill>
-                      <a:schemeClr val="bg1"/>
-                    </a:solidFill>
-                  </a:tcPr>
-                </a:tc>
-                <a:extLst>
-                  <a:ext uri="{0D108BD9-81ED-4DB2-BD59-A6C34878D82A}">
-                    <a16:rowId xmlns:a16="http://schemas.microsoft.com/office/drawing/2014/main" val="4170528528"/>
-                  </a:ext>
-                </a:extLst>
-              </a:tr>
-            </a:tbl>
-          </a:graphicData>
-        </a:graphic>
-      </p:graphicFrame>
-      <p:sp>
-        <p:nvSpPr>
-          <p:cNvPr id="21" name="직사각형 20"/>
-          <p:cNvSpPr/>
-          <p:nvPr/>
-        </p:nvSpPr>
-        <p:spPr>
-          <a:xfrm>
-            <a:off x="591911" y="37432"/>
-            <a:ext cx="6096000" cy="969496"/>
-          </a:xfrm>
-          <a:prstGeom prst="rect">
-            <a:avLst/>
-          </a:prstGeom>
-        </p:spPr>
-        <p:txBody>
-          <a:bodyPr>
-            <a:spAutoFit/>
-          </a:bodyPr>
-          <a:lstStyle/>
-          <a:p>
-            <a:pPr>
-              <a:lnSpc>
-                <a:spcPct val="150000"/>
-              </a:lnSpc>
-              <a:defRPr/>
-            </a:pPr>
+              <a:t>커밋</a:t>
+            </a:r>
             <a:r>
               <a:rPr lang="ko-KR" altLang="en-US" sz="2800" b="1" dirty="0">
                 <a:solidFill>
                   <a:srgbClr val="2C303A"/>
                 </a:solidFill>
               </a:rPr>
-              <a:t>개발 상황</a:t>
+              <a:t> 통계</a:t>
             </a:r>
             <a:endParaRPr lang="en-US" altLang="ko-KR" sz="2800" b="1" dirty="0">
               <a:solidFill>
@@ -11899,2144 +8618,6 @@
           </a:p>
         </p:txBody>
       </p:sp>
-    </p:spTree>
-    <p:extLst>
-      <p:ext uri="{BB962C8B-B14F-4D97-AF65-F5344CB8AC3E}">
-        <p14:creationId xmlns:p14="http://schemas.microsoft.com/office/powerpoint/2010/main" val="2412117606"/>
-      </p:ext>
-    </p:extLst>
-  </p:cSld>
-  <p:clrMapOvr>
-    <a:masterClrMapping/>
-  </p:clrMapOvr>
-</p:sld>
-</file>
-
-<file path=ppt/slides/slide5.xml><?xml version="1.0" encoding="utf-8"?>
-<p:sld xmlns:a="http://schemas.openxmlformats.org/drawingml/2006/main" xmlns:r="http://schemas.openxmlformats.org/officeDocument/2006/relationships" xmlns:p="http://schemas.openxmlformats.org/presentationml/2006/main">
-  <p:cSld>
-    <p:bg>
-      <p:bgPr>
-        <a:solidFill>
-          <a:schemeClr val="bg1">
-            <a:lumMod val="95000"/>
-          </a:schemeClr>
-        </a:solidFill>
-        <a:effectLst/>
-      </p:bgPr>
-    </p:bg>
-    <p:spTree>
-      <p:nvGrpSpPr>
-        <p:cNvPr id="1" name=""/>
-        <p:cNvGrpSpPr/>
-        <p:nvPr/>
-      </p:nvGrpSpPr>
-      <p:grpSpPr>
-        <a:xfrm>
-          <a:off x="0" y="0"/>
-          <a:ext cx="0" cy="0"/>
-          <a:chOff x="0" y="0"/>
-          <a:chExt cx="0" cy="0"/>
-        </a:xfrm>
-      </p:grpSpPr>
-      <p:sp>
-        <p:nvSpPr>
-          <p:cNvPr id="21" name="직사각형 20"/>
-          <p:cNvSpPr/>
-          <p:nvPr/>
-        </p:nvSpPr>
-        <p:spPr>
-          <a:xfrm>
-            <a:off x="591911" y="179874"/>
-            <a:ext cx="6096000" cy="969496"/>
-          </a:xfrm>
-          <a:prstGeom prst="rect">
-            <a:avLst/>
-          </a:prstGeom>
-        </p:spPr>
-        <p:txBody>
-          <a:bodyPr>
-            <a:spAutoFit/>
-          </a:bodyPr>
-          <a:lstStyle/>
-          <a:p>
-            <a:pPr>
-              <a:lnSpc>
-                <a:spcPct val="150000"/>
-              </a:lnSpc>
-              <a:defRPr/>
-            </a:pPr>
-            <a:r>
-              <a:rPr lang="ko-KR" altLang="en-US" sz="2800" b="1" dirty="0">
-                <a:solidFill>
-                  <a:srgbClr val="2C303A"/>
-                </a:solidFill>
-              </a:rPr>
-              <a:t>개발 계획</a:t>
-            </a:r>
-            <a:endParaRPr lang="en-US" altLang="ko-KR" sz="2800" b="1" dirty="0">
-              <a:solidFill>
-                <a:srgbClr val="2C303A"/>
-              </a:solidFill>
-            </a:endParaRPr>
-          </a:p>
-          <a:p>
-            <a:pPr>
-              <a:lnSpc>
-                <a:spcPct val="150000"/>
-              </a:lnSpc>
-              <a:defRPr/>
-            </a:pPr>
-            <a:r>
-              <a:rPr lang="en-US" altLang="ko-KR" sz="1000" dirty="0">
-                <a:solidFill>
-                  <a:prstClr val="black">
-                    <a:lumMod val="75000"/>
-                    <a:lumOff val="25000"/>
-                  </a:prstClr>
-                </a:solidFill>
-              </a:rPr>
-              <a:t>Fly High 1997</a:t>
-            </a:r>
-            <a:endParaRPr lang="ko-KR" altLang="en-US" sz="2800" dirty="0">
-              <a:solidFill>
-                <a:prstClr val="black">
-                  <a:lumMod val="75000"/>
-                  <a:lumOff val="25000"/>
-                </a:prstClr>
-              </a:solidFill>
-            </a:endParaRPr>
-          </a:p>
-        </p:txBody>
-      </p:sp>
-      <p:graphicFrame>
-        <p:nvGraphicFramePr>
-          <p:cNvPr id="8" name="표 7">
-            <a:extLst>
-              <a:ext uri="{FF2B5EF4-FFF2-40B4-BE49-F238E27FC236}">
-                <a16:creationId xmlns:a16="http://schemas.microsoft.com/office/drawing/2014/main" id="{673FA27A-208A-477D-BA13-40E6196A4737}"/>
-              </a:ext>
-            </a:extLst>
-          </p:cNvPr>
-          <p:cNvGraphicFramePr>
-            <a:graphicFrameLocks noGrp="1"/>
-          </p:cNvGraphicFramePr>
-          <p:nvPr>
-            <p:extLst>
-              <p:ext uri="{D42A27DB-BD31-4B8C-83A1-F6EECF244321}">
-                <p14:modId xmlns:p14="http://schemas.microsoft.com/office/powerpoint/2010/main" val="3867371220"/>
-              </p:ext>
-            </p:extLst>
-          </p:nvPr>
-        </p:nvGraphicFramePr>
-        <p:xfrm>
-          <a:off x="591911" y="1310640"/>
-          <a:ext cx="11103283" cy="4944229"/>
-        </p:xfrm>
-        <a:graphic>
-          <a:graphicData uri="http://schemas.openxmlformats.org/drawingml/2006/table">
-            <a:tbl>
-              <a:tblPr firstRow="1" bandRow="1">
-                <a:tableStyleId>{5C22544A-7EE6-4342-B048-85BDC9FD1C3A}</a:tableStyleId>
-              </a:tblPr>
-              <a:tblGrid>
-                <a:gridCol w="1630653">
-                  <a:extLst>
-                    <a:ext uri="{9D8B030D-6E8A-4147-A177-3AD203B41FA5}">
-                      <a16:colId xmlns:a16="http://schemas.microsoft.com/office/drawing/2014/main" val="20000"/>
-                    </a:ext>
-                  </a:extLst>
-                </a:gridCol>
-                <a:gridCol w="2990430">
-                  <a:extLst>
-                    <a:ext uri="{9D8B030D-6E8A-4147-A177-3AD203B41FA5}">
-                      <a16:colId xmlns:a16="http://schemas.microsoft.com/office/drawing/2014/main" val="20001"/>
-                    </a:ext>
-                  </a:extLst>
-                </a:gridCol>
-                <a:gridCol w="6482200">
-                  <a:extLst>
-                    <a:ext uri="{9D8B030D-6E8A-4147-A177-3AD203B41FA5}">
-                      <a16:colId xmlns:a16="http://schemas.microsoft.com/office/drawing/2014/main" val="20002"/>
-                    </a:ext>
-                  </a:extLst>
-                </a:gridCol>
-              </a:tblGrid>
-              <a:tr h="1232481">
-                <a:tc>
-                  <a:txBody>
-                    <a:bodyPr/>
-                    <a:lstStyle/>
-                    <a:p>
-                      <a:pPr marL="0" marR="0" lvl="0" indent="0" algn="ctr" defTabSz="914400" rtl="0" eaLnBrk="1" fontAlgn="auto" latinLnBrk="1" hangingPunct="1">
-                        <a:lnSpc>
-                          <a:spcPct val="100000"/>
-                        </a:lnSpc>
-                        <a:spcBef>
-                          <a:spcPts val="0"/>
-                        </a:spcBef>
-                        <a:spcAft>
-                          <a:spcPts val="0"/>
-                        </a:spcAft>
-                        <a:buClrTx/>
-                        <a:buSzTx/>
-                        <a:buFontTx/>
-                        <a:buNone/>
-                        <a:tabLst/>
-                        <a:defRPr/>
-                      </a:pPr>
-                      <a:r>
-                        <a:rPr kumimoji="0" lang="en-US" altLang="ko-KR" sz="1400" b="1" i="0" u="none" strike="noStrike" kern="1200" cap="none" spc="0" normalizeH="0" baseline="0" noProof="0" dirty="0">
-                          <a:ln>
-                            <a:noFill/>
-                          </a:ln>
-                          <a:solidFill>
-                            <a:schemeClr val="tx1">
-                              <a:lumMod val="65000"/>
-                              <a:lumOff val="35000"/>
-                            </a:schemeClr>
-                          </a:solidFill>
-                          <a:effectLst/>
-                          <a:uLnTx/>
-                          <a:uFillTx/>
-                          <a:latin typeface="+mn-lt"/>
-                          <a:ea typeface="+mn-ea"/>
-                          <a:cs typeface="+mn-cs"/>
-                        </a:rPr>
-                        <a:t>6</a:t>
-                      </a:r>
-                      <a:r>
-                        <a:rPr kumimoji="0" lang="ko-KR" altLang="en-US" sz="1400" b="1" i="0" u="none" strike="noStrike" kern="1200" cap="none" spc="0" normalizeH="0" baseline="0" noProof="0" dirty="0">
-                          <a:ln>
-                            <a:noFill/>
-                          </a:ln>
-                          <a:solidFill>
-                            <a:schemeClr val="tx1">
-                              <a:lumMod val="65000"/>
-                              <a:lumOff val="35000"/>
-                            </a:schemeClr>
-                          </a:solidFill>
-                          <a:effectLst/>
-                          <a:uLnTx/>
-                          <a:uFillTx/>
-                          <a:latin typeface="+mn-lt"/>
-                          <a:ea typeface="+mn-ea"/>
-                          <a:cs typeface="+mn-cs"/>
-                        </a:rPr>
-                        <a:t>주차</a:t>
-                      </a:r>
-                      <a:endParaRPr kumimoji="0" lang="en-US" altLang="ko-KR" sz="1400" b="1" i="0" u="none" strike="noStrike" kern="1200" cap="none" spc="0" normalizeH="0" baseline="0" noProof="0" dirty="0">
-                        <a:ln>
-                          <a:noFill/>
-                        </a:ln>
-                        <a:solidFill>
-                          <a:schemeClr val="tx1">
-                            <a:lumMod val="65000"/>
-                            <a:lumOff val="35000"/>
-                          </a:schemeClr>
-                        </a:solidFill>
-                        <a:effectLst/>
-                        <a:uLnTx/>
-                        <a:uFillTx/>
-                        <a:latin typeface="+mn-lt"/>
-                        <a:ea typeface="+mn-ea"/>
-                        <a:cs typeface="+mn-cs"/>
-                      </a:endParaRPr>
-                    </a:p>
-                  </a:txBody>
-                  <a:tcPr marL="216000" anchor="ctr">
-                    <a:lnL w="12700" cap="flat" cmpd="sng" algn="ctr">
-                      <a:noFill/>
-                      <a:prstDash val="solid"/>
-                      <a:round/>
-                      <a:headEnd type="none" w="med" len="med"/>
-                      <a:tailEnd type="none" w="med" len="med"/>
-                    </a:lnL>
-                    <a:lnR w="12700" cap="flat" cmpd="sng" algn="ctr">
-                      <a:noFill/>
-                      <a:prstDash val="solid"/>
-                      <a:round/>
-                      <a:headEnd type="none" w="med" len="med"/>
-                      <a:tailEnd type="none" w="med" len="med"/>
-                    </a:lnR>
-                    <a:lnT w="12700" cap="flat" cmpd="sng" algn="ctr">
-                      <a:solidFill>
-                        <a:srgbClr val="CACACA"/>
-                      </a:solidFill>
-                      <a:prstDash val="solid"/>
-                      <a:round/>
-                      <a:headEnd type="none" w="med" len="med"/>
-                      <a:tailEnd type="none" w="med" len="med"/>
-                    </a:lnT>
-                    <a:lnB w="12700" cap="flat" cmpd="sng" algn="ctr">
-                      <a:solidFill>
-                        <a:srgbClr val="CACACA"/>
-                      </a:solidFill>
-                      <a:prstDash val="solid"/>
-                      <a:round/>
-                      <a:headEnd type="none" w="med" len="med"/>
-                      <a:tailEnd type="none" w="med" len="med"/>
-                    </a:lnB>
-                    <a:lnTlToBr w="12700" cmpd="sng">
-                      <a:noFill/>
-                      <a:prstDash val="solid"/>
-                    </a:lnTlToBr>
-                    <a:lnBlToTr w="12700" cmpd="sng">
-                      <a:noFill/>
-                      <a:prstDash val="solid"/>
-                    </a:lnBlToTr>
-                    <a:solidFill>
-                      <a:srgbClr val="F2F2F2"/>
-                    </a:solidFill>
-                  </a:tcPr>
-                </a:tc>
-                <a:tc>
-                  <a:txBody>
-                    <a:bodyPr/>
-                    <a:lstStyle/>
-                    <a:p>
-                      <a:pPr marL="0" marR="0" lvl="0" indent="0" algn="ctr" defTabSz="914400" rtl="0" eaLnBrk="1" fontAlgn="auto" latinLnBrk="1" hangingPunct="1">
-                        <a:lnSpc>
-                          <a:spcPct val="150000"/>
-                        </a:lnSpc>
-                        <a:spcBef>
-                          <a:spcPts val="0"/>
-                        </a:spcBef>
-                        <a:spcAft>
-                          <a:spcPts val="0"/>
-                        </a:spcAft>
-                        <a:buClrTx/>
-                        <a:buSzTx/>
-                        <a:buFontTx/>
-                        <a:buNone/>
-                        <a:tabLst/>
-                        <a:defRPr/>
-                      </a:pPr>
-                      <a:r>
-                        <a:rPr lang="ko-KR" altLang="en-US" sz="1400" b="1" dirty="0">
-                          <a:solidFill>
-                            <a:schemeClr val="tx1">
-                              <a:lumMod val="65000"/>
-                              <a:lumOff val="35000"/>
-                            </a:schemeClr>
-                          </a:solidFill>
-                        </a:rPr>
-                        <a:t>슈팅 충돌처리</a:t>
-                      </a:r>
-                    </a:p>
-                  </a:txBody>
-                  <a:tcPr marL="216000" anchor="ctr">
-                    <a:lnL w="12700" cap="flat" cmpd="sng" algn="ctr">
-                      <a:noFill/>
-                      <a:prstDash val="solid"/>
-                      <a:round/>
-                      <a:headEnd type="none" w="med" len="med"/>
-                      <a:tailEnd type="none" w="med" len="med"/>
-                    </a:lnL>
-                    <a:lnR w="12700" cap="flat" cmpd="sng" algn="ctr">
-                      <a:noFill/>
-                      <a:prstDash val="solid"/>
-                      <a:round/>
-                      <a:headEnd type="none" w="med" len="med"/>
-                      <a:tailEnd type="none" w="med" len="med"/>
-                    </a:lnR>
-                    <a:lnT w="12700" cap="flat" cmpd="sng" algn="ctr">
-                      <a:solidFill>
-                        <a:srgbClr val="CACACA"/>
-                      </a:solidFill>
-                      <a:prstDash val="solid"/>
-                      <a:round/>
-                      <a:headEnd type="none" w="med" len="med"/>
-                      <a:tailEnd type="none" w="med" len="med"/>
-                    </a:lnT>
-                    <a:lnB w="12700" cap="flat" cmpd="sng" algn="ctr">
-                      <a:solidFill>
-                        <a:srgbClr val="CACACA"/>
-                      </a:solidFill>
-                      <a:prstDash val="solid"/>
-                      <a:round/>
-                      <a:headEnd type="none" w="med" len="med"/>
-                      <a:tailEnd type="none" w="med" len="med"/>
-                    </a:lnB>
-                    <a:lnTlToBr w="12700" cmpd="sng">
-                      <a:noFill/>
-                      <a:prstDash val="solid"/>
-                    </a:lnTlToBr>
-                    <a:lnBlToTr w="12700" cmpd="sng">
-                      <a:noFill/>
-                      <a:prstDash val="solid"/>
-                    </a:lnBlToTr>
-                    <a:solidFill>
-                      <a:srgbClr val="F2F2F2"/>
-                    </a:solidFill>
-                  </a:tcPr>
-                </a:tc>
-                <a:tc>
-                  <a:txBody>
-                    <a:bodyPr/>
-                    <a:lstStyle/>
-                    <a:p>
-                      <a:pPr marL="228600" lvl="0" indent="-228600" algn="ctr" latinLnBrk="1">
-                        <a:lnSpc>
-                          <a:spcPct val="150000"/>
-                        </a:lnSpc>
-                        <a:buAutoNum type="arabicPeriod"/>
-                      </a:pPr>
-                      <a:r>
-                        <a:rPr lang="ko-KR" altLang="en-US" sz="1400" b="1" dirty="0">
-                          <a:solidFill>
-                            <a:schemeClr val="tx1">
-                              <a:lumMod val="65000"/>
-                              <a:lumOff val="35000"/>
-                            </a:schemeClr>
-                          </a:solidFill>
-                        </a:rPr>
-                        <a:t>전투기</a:t>
-                      </a:r>
-                      <a:r>
-                        <a:rPr lang="en-US" altLang="ko-KR" sz="1400" b="1" dirty="0">
-                          <a:solidFill>
-                            <a:schemeClr val="tx1">
-                              <a:lumMod val="65000"/>
-                              <a:lumOff val="35000"/>
-                            </a:schemeClr>
-                          </a:solidFill>
-                        </a:rPr>
-                        <a:t>, </a:t>
-                      </a:r>
-                      <a:r>
-                        <a:rPr lang="ko-KR" altLang="en-US" sz="1400" b="1" dirty="0">
-                          <a:solidFill>
-                            <a:schemeClr val="tx1">
-                              <a:lumMod val="65000"/>
-                              <a:lumOff val="35000"/>
-                            </a:schemeClr>
-                          </a:solidFill>
-                        </a:rPr>
-                        <a:t>아군</a:t>
-                      </a:r>
-                      <a:r>
-                        <a:rPr lang="en-US" altLang="ko-KR" sz="1400" b="1" dirty="0">
-                          <a:solidFill>
-                            <a:schemeClr val="tx1">
-                              <a:lumMod val="65000"/>
-                              <a:lumOff val="35000"/>
-                            </a:schemeClr>
-                          </a:solidFill>
-                        </a:rPr>
-                        <a:t>, </a:t>
-                      </a:r>
-                      <a:r>
-                        <a:rPr lang="ko-KR" altLang="en-US" sz="1400" b="1" dirty="0">
-                          <a:solidFill>
-                            <a:schemeClr val="tx1">
-                              <a:lumMod val="65000"/>
-                              <a:lumOff val="35000"/>
-                            </a:schemeClr>
-                          </a:solidFill>
-                        </a:rPr>
-                        <a:t>적의 슈팅 들이 서로에게 맞았을 때 충돌처리</a:t>
-                      </a:r>
-                      <a:endParaRPr lang="en-US" altLang="ko-KR" sz="1400" b="1" dirty="0">
-                        <a:solidFill>
-                          <a:schemeClr val="tx1">
-                            <a:lumMod val="65000"/>
-                            <a:lumOff val="35000"/>
-                          </a:schemeClr>
-                        </a:solidFill>
-                      </a:endParaRPr>
-                    </a:p>
-                    <a:p>
-                      <a:pPr marL="228600" lvl="0" indent="-228600" algn="ctr" latinLnBrk="1">
-                        <a:lnSpc>
-                          <a:spcPct val="150000"/>
-                        </a:lnSpc>
-                        <a:buAutoNum type="arabicPeriod"/>
-                      </a:pPr>
-                      <a:r>
-                        <a:rPr lang="ko-KR" altLang="en-US" sz="1400" b="1" dirty="0">
-                          <a:solidFill>
-                            <a:schemeClr val="tx1">
-                              <a:lumMod val="65000"/>
-                              <a:lumOff val="35000"/>
-                            </a:schemeClr>
-                          </a:solidFill>
-                        </a:rPr>
-                        <a:t>적 과 전투기가 충돌했을 때의 처리</a:t>
-                      </a:r>
-                      <a:endParaRPr lang="en-US" altLang="ko-KR" sz="1400" b="1" dirty="0">
-                        <a:solidFill>
-                          <a:schemeClr val="tx1">
-                            <a:lumMod val="65000"/>
-                            <a:lumOff val="35000"/>
-                          </a:schemeClr>
-                        </a:solidFill>
-                      </a:endParaRPr>
-                    </a:p>
-                    <a:p>
-                      <a:pPr marL="228600" lvl="0" indent="-228600" algn="ctr" latinLnBrk="1">
-                        <a:lnSpc>
-                          <a:spcPct val="150000"/>
-                        </a:lnSpc>
-                        <a:buAutoNum type="arabicPeriod"/>
-                      </a:pPr>
-                      <a:r>
-                        <a:rPr lang="ko-KR" altLang="en-US" sz="1400" b="1" dirty="0">
-                          <a:solidFill>
-                            <a:schemeClr val="tx1">
-                              <a:lumMod val="65000"/>
-                              <a:lumOff val="35000"/>
-                            </a:schemeClr>
-                          </a:solidFill>
-                        </a:rPr>
-                        <a:t>게임 화면 안에서만 움직이도록 충돌처리</a:t>
-                      </a:r>
-                      <a:endParaRPr lang="en-US" altLang="ko-KR" sz="1400" b="1" dirty="0">
-                        <a:solidFill>
-                          <a:schemeClr val="tx1">
-                            <a:lumMod val="65000"/>
-                            <a:lumOff val="35000"/>
-                          </a:schemeClr>
-                        </a:solidFill>
-                      </a:endParaRPr>
-                    </a:p>
-                    <a:p>
-                      <a:pPr marL="0" lvl="0" indent="0" algn="ctr" latinLnBrk="1">
-                        <a:lnSpc>
-                          <a:spcPct val="150000"/>
-                        </a:lnSpc>
-                        <a:buNone/>
-                      </a:pPr>
-                      <a:r>
-                        <a:rPr lang="ko-KR" altLang="en-US" sz="1400" b="1" dirty="0">
-                          <a:solidFill>
-                            <a:srgbClr val="FF0000"/>
-                          </a:solidFill>
-                        </a:rPr>
-                        <a:t>전투기 화면 안의 충돌 처리</a:t>
-                      </a:r>
-                      <a:r>
-                        <a:rPr lang="en-US" altLang="ko-KR" sz="1400" b="1" dirty="0">
-                          <a:solidFill>
-                            <a:srgbClr val="FF0000"/>
-                          </a:solidFill>
-                        </a:rPr>
-                        <a:t>, </a:t>
-                      </a:r>
-                      <a:r>
-                        <a:rPr lang="ko-KR" altLang="en-US" sz="1400" b="1" dirty="0">
-                          <a:solidFill>
-                            <a:srgbClr val="FF0000"/>
-                          </a:solidFill>
-                        </a:rPr>
-                        <a:t>총알이 화면 밖으로 나갈 경우 삭제 구현 </a:t>
-                      </a:r>
-                      <a:r>
-                        <a:rPr lang="en-US" altLang="ko-KR" sz="1400" b="1" dirty="0">
-                          <a:solidFill>
-                            <a:schemeClr val="tx1"/>
-                          </a:solidFill>
-                          <a:highlight>
-                            <a:srgbClr val="00FFFF"/>
-                          </a:highlight>
-                        </a:rPr>
-                        <a:t>(50%)</a:t>
-                      </a:r>
-                    </a:p>
-                  </a:txBody>
-                  <a:tcPr marL="216000" anchor="ctr">
-                    <a:lnL w="12700" cap="flat" cmpd="sng" algn="ctr">
-                      <a:noFill/>
-                      <a:prstDash val="solid"/>
-                      <a:round/>
-                      <a:headEnd type="none" w="med" len="med"/>
-                      <a:tailEnd type="none" w="med" len="med"/>
-                    </a:lnL>
-                    <a:lnR w="12700" cap="flat" cmpd="sng" algn="ctr">
-                      <a:noFill/>
-                      <a:prstDash val="solid"/>
-                      <a:round/>
-                      <a:headEnd type="none" w="med" len="med"/>
-                      <a:tailEnd type="none" w="med" len="med"/>
-                    </a:lnR>
-                    <a:lnT w="12700" cap="flat" cmpd="sng" algn="ctr">
-                      <a:solidFill>
-                        <a:srgbClr val="CACACA"/>
-                      </a:solidFill>
-                      <a:prstDash val="solid"/>
-                      <a:round/>
-                      <a:headEnd type="none" w="med" len="med"/>
-                      <a:tailEnd type="none" w="med" len="med"/>
-                    </a:lnT>
-                    <a:lnB w="12700" cap="flat" cmpd="sng" algn="ctr">
-                      <a:solidFill>
-                        <a:srgbClr val="CACACA"/>
-                      </a:solidFill>
-                      <a:prstDash val="solid"/>
-                      <a:round/>
-                      <a:headEnd type="none" w="med" len="med"/>
-                      <a:tailEnd type="none" w="med" len="med"/>
-                    </a:lnB>
-                    <a:lnTlToBr w="12700" cmpd="sng">
-                      <a:noFill/>
-                      <a:prstDash val="solid"/>
-                    </a:lnTlToBr>
-                    <a:lnBlToTr w="12700" cmpd="sng">
-                      <a:noFill/>
-                      <a:prstDash val="solid"/>
-                    </a:lnBlToTr>
-                    <a:solidFill>
-                      <a:srgbClr val="F2F2F2"/>
-                    </a:solidFill>
-                  </a:tcPr>
-                </a:tc>
-                <a:extLst>
-                  <a:ext uri="{0D108BD9-81ED-4DB2-BD59-A6C34878D82A}">
-                    <a16:rowId xmlns:a16="http://schemas.microsoft.com/office/drawing/2014/main" val="2916528846"/>
-                  </a:ext>
-                </a:extLst>
-              </a:tr>
-              <a:tr h="847860">
-                <a:tc>
-                  <a:txBody>
-                    <a:bodyPr/>
-                    <a:lstStyle/>
-                    <a:p>
-                      <a:pPr marL="0" marR="0" lvl="0" indent="0" algn="ctr" defTabSz="914400" rtl="0" eaLnBrk="1" fontAlgn="auto" latinLnBrk="1" hangingPunct="1">
-                        <a:lnSpc>
-                          <a:spcPct val="100000"/>
-                        </a:lnSpc>
-                        <a:spcBef>
-                          <a:spcPts val="0"/>
-                        </a:spcBef>
-                        <a:spcAft>
-                          <a:spcPts val="0"/>
-                        </a:spcAft>
-                        <a:buClrTx/>
-                        <a:buSzTx/>
-                        <a:buFontTx/>
-                        <a:buNone/>
-                        <a:tabLst/>
-                        <a:defRPr/>
-                      </a:pPr>
-                      <a:r>
-                        <a:rPr kumimoji="0" lang="en-US" altLang="ko-KR" sz="1400" b="1" i="0" u="none" strike="noStrike" kern="1200" cap="none" spc="0" normalizeH="0" baseline="0" noProof="0" dirty="0">
-                          <a:ln>
-                            <a:noFill/>
-                          </a:ln>
-                          <a:solidFill>
-                            <a:schemeClr val="tx1">
-                              <a:lumMod val="65000"/>
-                              <a:lumOff val="35000"/>
-                            </a:schemeClr>
-                          </a:solidFill>
-                          <a:effectLst/>
-                          <a:uLnTx/>
-                          <a:uFillTx/>
-                          <a:latin typeface="+mn-lt"/>
-                          <a:ea typeface="+mn-ea"/>
-                          <a:cs typeface="+mn-cs"/>
-                        </a:rPr>
-                        <a:t>7</a:t>
-                      </a:r>
-                      <a:r>
-                        <a:rPr kumimoji="0" lang="ko-KR" altLang="en-US" sz="1400" b="1" i="0" u="none" strike="noStrike" kern="1200" cap="none" spc="0" normalizeH="0" baseline="0" noProof="0" dirty="0">
-                          <a:ln>
-                            <a:noFill/>
-                          </a:ln>
-                          <a:solidFill>
-                            <a:schemeClr val="tx1">
-                              <a:lumMod val="65000"/>
-                              <a:lumOff val="35000"/>
-                            </a:schemeClr>
-                          </a:solidFill>
-                          <a:effectLst/>
-                          <a:uLnTx/>
-                          <a:uFillTx/>
-                          <a:latin typeface="+mn-lt"/>
-                          <a:ea typeface="+mn-ea"/>
-                          <a:cs typeface="+mn-cs"/>
-                        </a:rPr>
-                        <a:t>주차</a:t>
-                      </a:r>
-                      <a:endParaRPr kumimoji="0" lang="en-US" altLang="ko-KR" sz="1400" b="1" i="0" u="none" strike="noStrike" kern="1200" cap="none" spc="0" normalizeH="0" baseline="0" noProof="0" dirty="0">
-                        <a:ln>
-                          <a:noFill/>
-                        </a:ln>
-                        <a:solidFill>
-                          <a:schemeClr val="tx1">
-                            <a:lumMod val="65000"/>
-                            <a:lumOff val="35000"/>
-                          </a:schemeClr>
-                        </a:solidFill>
-                        <a:effectLst/>
-                        <a:uLnTx/>
-                        <a:uFillTx/>
-                        <a:latin typeface="+mn-lt"/>
-                        <a:ea typeface="+mn-ea"/>
-                        <a:cs typeface="+mn-cs"/>
-                      </a:endParaRPr>
-                    </a:p>
-                  </a:txBody>
-                  <a:tcPr marL="216000" anchor="ctr">
-                    <a:lnL w="12700" cap="flat" cmpd="sng" algn="ctr">
-                      <a:noFill/>
-                      <a:prstDash val="solid"/>
-                      <a:round/>
-                      <a:headEnd type="none" w="med" len="med"/>
-                      <a:tailEnd type="none" w="med" len="med"/>
-                    </a:lnL>
-                    <a:lnR w="12700" cap="flat" cmpd="sng" algn="ctr">
-                      <a:noFill/>
-                      <a:prstDash val="solid"/>
-                      <a:round/>
-                      <a:headEnd type="none" w="med" len="med"/>
-                      <a:tailEnd type="none" w="med" len="med"/>
-                    </a:lnR>
-                    <a:lnT w="12700" cap="flat" cmpd="sng" algn="ctr">
-                      <a:solidFill>
-                        <a:srgbClr val="CACACA"/>
-                      </a:solidFill>
-                      <a:prstDash val="solid"/>
-                      <a:round/>
-                      <a:headEnd type="none" w="med" len="med"/>
-                      <a:tailEnd type="none" w="med" len="med"/>
-                    </a:lnT>
-                    <a:lnB w="12700" cap="flat" cmpd="sng" algn="ctr">
-                      <a:solidFill>
-                        <a:srgbClr val="CACACA"/>
-                      </a:solidFill>
-                      <a:prstDash val="solid"/>
-                      <a:round/>
-                      <a:headEnd type="none" w="med" len="med"/>
-                      <a:tailEnd type="none" w="med" len="med"/>
-                    </a:lnB>
-                    <a:lnTlToBr w="12700" cmpd="sng">
-                      <a:noFill/>
-                      <a:prstDash val="solid"/>
-                    </a:lnTlToBr>
-                    <a:lnBlToTr w="12700" cmpd="sng">
-                      <a:noFill/>
-                      <a:prstDash val="solid"/>
-                    </a:lnBlToTr>
-                    <a:solidFill>
-                      <a:schemeClr val="bg1"/>
-                    </a:solidFill>
-                  </a:tcPr>
-                </a:tc>
-                <a:tc>
-                  <a:txBody>
-                    <a:bodyPr/>
-                    <a:lstStyle/>
-                    <a:p>
-                      <a:pPr marL="0" marR="0" lvl="0" indent="0" algn="ctr" defTabSz="914400" rtl="0" eaLnBrk="1" fontAlgn="auto" latinLnBrk="1" hangingPunct="1">
-                        <a:lnSpc>
-                          <a:spcPct val="150000"/>
-                        </a:lnSpc>
-                        <a:spcBef>
-                          <a:spcPts val="0"/>
-                        </a:spcBef>
-                        <a:spcAft>
-                          <a:spcPts val="0"/>
-                        </a:spcAft>
-                        <a:buClrTx/>
-                        <a:buSzTx/>
-                        <a:buFontTx/>
-                        <a:buNone/>
-                        <a:tabLst/>
-                        <a:defRPr/>
-                      </a:pPr>
-                      <a:r>
-                        <a:rPr lang="ko-KR" altLang="en-US" sz="1400" b="1" dirty="0">
-                          <a:solidFill>
-                            <a:schemeClr val="tx1">
-                              <a:lumMod val="65000"/>
-                              <a:lumOff val="35000"/>
-                            </a:schemeClr>
-                          </a:solidFill>
-                        </a:rPr>
-                        <a:t>오브젝트 최종 구현</a:t>
-                      </a:r>
-                    </a:p>
-                  </a:txBody>
-                  <a:tcPr marL="216000" anchor="ctr">
-                    <a:lnL w="12700" cap="flat" cmpd="sng" algn="ctr">
-                      <a:noFill/>
-                      <a:prstDash val="solid"/>
-                      <a:round/>
-                      <a:headEnd type="none" w="med" len="med"/>
-                      <a:tailEnd type="none" w="med" len="med"/>
-                    </a:lnL>
-                    <a:lnR w="12700" cap="flat" cmpd="sng" algn="ctr">
-                      <a:noFill/>
-                      <a:prstDash val="solid"/>
-                      <a:round/>
-                      <a:headEnd type="none" w="med" len="med"/>
-                      <a:tailEnd type="none" w="med" len="med"/>
-                    </a:lnR>
-                    <a:lnT w="12700" cap="flat" cmpd="sng" algn="ctr">
-                      <a:solidFill>
-                        <a:srgbClr val="CACACA"/>
-                      </a:solidFill>
-                      <a:prstDash val="solid"/>
-                      <a:round/>
-                      <a:headEnd type="none" w="med" len="med"/>
-                      <a:tailEnd type="none" w="med" len="med"/>
-                    </a:lnT>
-                    <a:lnB w="12700" cap="flat" cmpd="sng" algn="ctr">
-                      <a:solidFill>
-                        <a:srgbClr val="CACACA"/>
-                      </a:solidFill>
-                      <a:prstDash val="solid"/>
-                      <a:round/>
-                      <a:headEnd type="none" w="med" len="med"/>
-                      <a:tailEnd type="none" w="med" len="med"/>
-                    </a:lnB>
-                    <a:lnTlToBr w="12700" cmpd="sng">
-                      <a:noFill/>
-                      <a:prstDash val="solid"/>
-                    </a:lnTlToBr>
-                    <a:lnBlToTr w="12700" cmpd="sng">
-                      <a:noFill/>
-                      <a:prstDash val="solid"/>
-                    </a:lnBlToTr>
-                    <a:solidFill>
-                      <a:schemeClr val="bg1"/>
-                    </a:solidFill>
-                  </a:tcPr>
-                </a:tc>
-                <a:tc>
-                  <a:txBody>
-                    <a:bodyPr/>
-                    <a:lstStyle/>
-                    <a:p>
-                      <a:pPr marL="228600" lvl="0" indent="-228600" algn="ctr" latinLnBrk="1">
-                        <a:lnSpc>
-                          <a:spcPct val="150000"/>
-                        </a:lnSpc>
-                        <a:buAutoNum type="arabicPeriod"/>
-                      </a:pPr>
-                      <a:r>
-                        <a:rPr lang="ko-KR" altLang="en-US" sz="1400" b="1" dirty="0">
-                          <a:solidFill>
-                            <a:schemeClr val="tx1">
-                              <a:lumMod val="65000"/>
-                              <a:lumOff val="35000"/>
-                            </a:schemeClr>
-                          </a:solidFill>
-                        </a:rPr>
-                        <a:t>전투기 및 아군의 미비한 부분이나 추가적인 요소 구현</a:t>
-                      </a:r>
-                      <a:endParaRPr lang="en-US" altLang="ko-KR" sz="1400" b="1" dirty="0">
-                        <a:solidFill>
-                          <a:schemeClr val="tx1">
-                            <a:lumMod val="65000"/>
-                            <a:lumOff val="35000"/>
-                          </a:schemeClr>
-                        </a:solidFill>
-                      </a:endParaRPr>
-                    </a:p>
-                    <a:p>
-                      <a:pPr marL="228600" lvl="0" indent="-228600" algn="ctr" latinLnBrk="1">
-                        <a:lnSpc>
-                          <a:spcPct val="150000"/>
-                        </a:lnSpc>
-                        <a:buAutoNum type="arabicPeriod"/>
-                      </a:pPr>
-                      <a:r>
-                        <a:rPr lang="ko-KR" altLang="en-US" sz="1400" b="1" dirty="0">
-                          <a:solidFill>
-                            <a:schemeClr val="tx1">
-                              <a:lumMod val="65000"/>
-                              <a:lumOff val="35000"/>
-                            </a:schemeClr>
-                          </a:solidFill>
-                        </a:rPr>
-                        <a:t>적의 종류와 수를 증가 </a:t>
-                      </a:r>
-                      <a:endParaRPr lang="en-US" altLang="ko-KR" sz="1400" b="1" dirty="0">
-                        <a:solidFill>
-                          <a:schemeClr val="tx1">
-                            <a:lumMod val="65000"/>
-                            <a:lumOff val="35000"/>
-                          </a:schemeClr>
-                        </a:solidFill>
-                      </a:endParaRPr>
-                    </a:p>
-                  </a:txBody>
-                  <a:tcPr marL="216000" anchor="ctr">
-                    <a:lnL w="12700" cap="flat" cmpd="sng" algn="ctr">
-                      <a:noFill/>
-                      <a:prstDash val="solid"/>
-                      <a:round/>
-                      <a:headEnd type="none" w="med" len="med"/>
-                      <a:tailEnd type="none" w="med" len="med"/>
-                    </a:lnL>
-                    <a:lnR w="12700" cap="flat" cmpd="sng" algn="ctr">
-                      <a:noFill/>
-                      <a:prstDash val="solid"/>
-                      <a:round/>
-                      <a:headEnd type="none" w="med" len="med"/>
-                      <a:tailEnd type="none" w="med" len="med"/>
-                    </a:lnR>
-                    <a:lnT w="12700" cap="flat" cmpd="sng" algn="ctr">
-                      <a:solidFill>
-                        <a:srgbClr val="CACACA"/>
-                      </a:solidFill>
-                      <a:prstDash val="solid"/>
-                      <a:round/>
-                      <a:headEnd type="none" w="med" len="med"/>
-                      <a:tailEnd type="none" w="med" len="med"/>
-                    </a:lnT>
-                    <a:lnB w="12700" cap="flat" cmpd="sng" algn="ctr">
-                      <a:solidFill>
-                        <a:srgbClr val="CACACA"/>
-                      </a:solidFill>
-                      <a:prstDash val="solid"/>
-                      <a:round/>
-                      <a:headEnd type="none" w="med" len="med"/>
-                      <a:tailEnd type="none" w="med" len="med"/>
-                    </a:lnB>
-                    <a:lnTlToBr w="12700" cmpd="sng">
-                      <a:noFill/>
-                      <a:prstDash val="solid"/>
-                    </a:lnTlToBr>
-                    <a:lnBlToTr w="12700" cmpd="sng">
-                      <a:noFill/>
-                      <a:prstDash val="solid"/>
-                    </a:lnBlToTr>
-                    <a:solidFill>
-                      <a:schemeClr val="bg1"/>
-                    </a:solidFill>
-                  </a:tcPr>
-                </a:tc>
-                <a:extLst>
-                  <a:ext uri="{0D108BD9-81ED-4DB2-BD59-A6C34878D82A}">
-                    <a16:rowId xmlns:a16="http://schemas.microsoft.com/office/drawing/2014/main" val="3970382900"/>
-                  </a:ext>
-                </a:extLst>
-              </a:tr>
-              <a:tr h="847860">
-                <a:tc>
-                  <a:txBody>
-                    <a:bodyPr/>
-                    <a:lstStyle/>
-                    <a:p>
-                      <a:pPr marL="0" marR="0" lvl="0" indent="0" algn="ctr" defTabSz="914400" rtl="0" eaLnBrk="1" fontAlgn="auto" latinLnBrk="1" hangingPunct="1">
-                        <a:lnSpc>
-                          <a:spcPct val="100000"/>
-                        </a:lnSpc>
-                        <a:spcBef>
-                          <a:spcPts val="0"/>
-                        </a:spcBef>
-                        <a:spcAft>
-                          <a:spcPts val="0"/>
-                        </a:spcAft>
-                        <a:buClrTx/>
-                        <a:buSzTx/>
-                        <a:buFontTx/>
-                        <a:buNone/>
-                        <a:tabLst/>
-                        <a:defRPr/>
-                      </a:pPr>
-                      <a:r>
-                        <a:rPr kumimoji="0" lang="en-US" altLang="ko-KR" sz="1400" b="1" i="0" u="none" strike="noStrike" kern="1200" cap="none" spc="0" normalizeH="0" baseline="0" noProof="0" dirty="0">
-                          <a:ln>
-                            <a:noFill/>
-                          </a:ln>
-                          <a:solidFill>
-                            <a:schemeClr val="tx1">
-                              <a:lumMod val="65000"/>
-                              <a:lumOff val="35000"/>
-                            </a:schemeClr>
-                          </a:solidFill>
-                          <a:effectLst/>
-                          <a:uLnTx/>
-                          <a:uFillTx/>
-                          <a:latin typeface="+mn-lt"/>
-                          <a:ea typeface="+mn-ea"/>
-                          <a:cs typeface="+mn-cs"/>
-                        </a:rPr>
-                        <a:t>8</a:t>
-                      </a:r>
-                      <a:r>
-                        <a:rPr kumimoji="0" lang="ko-KR" altLang="en-US" sz="1400" b="1" i="0" u="none" strike="noStrike" kern="1200" cap="none" spc="0" normalizeH="0" baseline="0" noProof="0" dirty="0">
-                          <a:ln>
-                            <a:noFill/>
-                          </a:ln>
-                          <a:solidFill>
-                            <a:schemeClr val="tx1">
-                              <a:lumMod val="65000"/>
-                              <a:lumOff val="35000"/>
-                            </a:schemeClr>
-                          </a:solidFill>
-                          <a:effectLst/>
-                          <a:uLnTx/>
-                          <a:uFillTx/>
-                          <a:latin typeface="+mn-lt"/>
-                          <a:ea typeface="+mn-ea"/>
-                          <a:cs typeface="+mn-cs"/>
-                        </a:rPr>
-                        <a:t>주차</a:t>
-                      </a:r>
-                      <a:endParaRPr kumimoji="0" lang="en-US" altLang="ko-KR" sz="1400" b="1" i="0" u="none" strike="noStrike" kern="1200" cap="none" spc="0" normalizeH="0" baseline="0" noProof="0" dirty="0">
-                        <a:ln>
-                          <a:noFill/>
-                        </a:ln>
-                        <a:solidFill>
-                          <a:schemeClr val="tx1">
-                            <a:lumMod val="65000"/>
-                            <a:lumOff val="35000"/>
-                          </a:schemeClr>
-                        </a:solidFill>
-                        <a:effectLst/>
-                        <a:uLnTx/>
-                        <a:uFillTx/>
-                        <a:latin typeface="+mn-lt"/>
-                        <a:ea typeface="+mn-ea"/>
-                        <a:cs typeface="+mn-cs"/>
-                      </a:endParaRPr>
-                    </a:p>
-                  </a:txBody>
-                  <a:tcPr marL="216000" anchor="ctr">
-                    <a:lnL w="12700" cap="flat" cmpd="sng" algn="ctr">
-                      <a:noFill/>
-                      <a:prstDash val="solid"/>
-                      <a:round/>
-                      <a:headEnd type="none" w="med" len="med"/>
-                      <a:tailEnd type="none" w="med" len="med"/>
-                    </a:lnL>
-                    <a:lnR w="12700" cap="flat" cmpd="sng" algn="ctr">
-                      <a:noFill/>
-                      <a:prstDash val="solid"/>
-                      <a:round/>
-                      <a:headEnd type="none" w="med" len="med"/>
-                      <a:tailEnd type="none" w="med" len="med"/>
-                    </a:lnR>
-                    <a:lnT w="12700" cap="flat" cmpd="sng" algn="ctr">
-                      <a:solidFill>
-                        <a:srgbClr val="CACACA"/>
-                      </a:solidFill>
-                      <a:prstDash val="solid"/>
-                      <a:round/>
-                      <a:headEnd type="none" w="med" len="med"/>
-                      <a:tailEnd type="none" w="med" len="med"/>
-                    </a:lnT>
-                    <a:lnB w="12700" cap="flat" cmpd="sng" algn="ctr">
-                      <a:solidFill>
-                        <a:srgbClr val="CACACA"/>
-                      </a:solidFill>
-                      <a:prstDash val="solid"/>
-                      <a:round/>
-                      <a:headEnd type="none" w="med" len="med"/>
-                      <a:tailEnd type="none" w="med" len="med"/>
-                    </a:lnB>
-                    <a:lnTlToBr w="12700" cmpd="sng">
-                      <a:noFill/>
-                      <a:prstDash val="solid"/>
-                    </a:lnTlToBr>
-                    <a:lnBlToTr w="12700" cmpd="sng">
-                      <a:noFill/>
-                      <a:prstDash val="solid"/>
-                    </a:lnBlToTr>
-                    <a:solidFill>
-                      <a:srgbClr val="F2F2F2"/>
-                    </a:solidFill>
-                  </a:tcPr>
-                </a:tc>
-                <a:tc>
-                  <a:txBody>
-                    <a:bodyPr/>
-                    <a:lstStyle/>
-                    <a:p>
-                      <a:pPr marL="0" marR="0" lvl="0" indent="0" algn="ctr" defTabSz="914400" rtl="0" eaLnBrk="1" fontAlgn="auto" latinLnBrk="1" hangingPunct="1">
-                        <a:lnSpc>
-                          <a:spcPct val="150000"/>
-                        </a:lnSpc>
-                        <a:spcBef>
-                          <a:spcPts val="0"/>
-                        </a:spcBef>
-                        <a:spcAft>
-                          <a:spcPts val="0"/>
-                        </a:spcAft>
-                        <a:buClrTx/>
-                        <a:buSzTx/>
-                        <a:buFontTx/>
-                        <a:buNone/>
-                        <a:tabLst/>
-                        <a:defRPr/>
-                      </a:pPr>
-                      <a:r>
-                        <a:rPr lang="ko-KR" altLang="en-US" sz="1400" b="1" dirty="0">
-                          <a:solidFill>
-                            <a:schemeClr val="tx1">
-                              <a:lumMod val="65000"/>
-                              <a:lumOff val="35000"/>
-                            </a:schemeClr>
-                          </a:solidFill>
-                        </a:rPr>
-                        <a:t>추가 범위 구현</a:t>
-                      </a:r>
-                    </a:p>
-                  </a:txBody>
-                  <a:tcPr marL="216000" anchor="ctr">
-                    <a:lnL w="12700" cap="flat" cmpd="sng" algn="ctr">
-                      <a:noFill/>
-                      <a:prstDash val="solid"/>
-                      <a:round/>
-                      <a:headEnd type="none" w="med" len="med"/>
-                      <a:tailEnd type="none" w="med" len="med"/>
-                    </a:lnL>
-                    <a:lnR w="12700" cap="flat" cmpd="sng" algn="ctr">
-                      <a:noFill/>
-                      <a:prstDash val="solid"/>
-                      <a:round/>
-                      <a:headEnd type="none" w="med" len="med"/>
-                      <a:tailEnd type="none" w="med" len="med"/>
-                    </a:lnR>
-                    <a:lnT w="12700" cap="flat" cmpd="sng" algn="ctr">
-                      <a:solidFill>
-                        <a:srgbClr val="CACACA"/>
-                      </a:solidFill>
-                      <a:prstDash val="solid"/>
-                      <a:round/>
-                      <a:headEnd type="none" w="med" len="med"/>
-                      <a:tailEnd type="none" w="med" len="med"/>
-                    </a:lnT>
-                    <a:lnB w="12700" cap="flat" cmpd="sng" algn="ctr">
-                      <a:solidFill>
-                        <a:srgbClr val="CACACA"/>
-                      </a:solidFill>
-                      <a:prstDash val="solid"/>
-                      <a:round/>
-                      <a:headEnd type="none" w="med" len="med"/>
-                      <a:tailEnd type="none" w="med" len="med"/>
-                    </a:lnB>
-                    <a:lnTlToBr w="12700" cmpd="sng">
-                      <a:noFill/>
-                      <a:prstDash val="solid"/>
-                    </a:lnTlToBr>
-                    <a:lnBlToTr w="12700" cmpd="sng">
-                      <a:noFill/>
-                      <a:prstDash val="solid"/>
-                    </a:lnBlToTr>
-                    <a:solidFill>
-                      <a:srgbClr val="F2F2F2"/>
-                    </a:solidFill>
-                  </a:tcPr>
-                </a:tc>
-                <a:tc>
-                  <a:txBody>
-                    <a:bodyPr/>
-                    <a:lstStyle/>
-                    <a:p>
-                      <a:pPr lvl="0" algn="ctr" latinLnBrk="1">
-                        <a:lnSpc>
-                          <a:spcPct val="150000"/>
-                        </a:lnSpc>
-                      </a:pPr>
-                      <a:r>
-                        <a:rPr lang="en-US" altLang="ko-KR" sz="1400" b="1" dirty="0">
-                          <a:solidFill>
-                            <a:schemeClr val="tx1">
-                              <a:lumMod val="65000"/>
-                              <a:lumOff val="35000"/>
-                            </a:schemeClr>
-                          </a:solidFill>
-                        </a:rPr>
-                        <a:t>1.</a:t>
-                      </a:r>
-                      <a:r>
-                        <a:rPr lang="ko-KR" altLang="en-US" sz="1400" b="1" dirty="0">
-                          <a:solidFill>
-                            <a:schemeClr val="tx1">
-                              <a:lumMod val="65000"/>
-                              <a:lumOff val="35000"/>
-                            </a:schemeClr>
-                          </a:solidFill>
-                        </a:rPr>
-                        <a:t>최소 범위 구현 이후에 추가 범위 구현</a:t>
-                      </a:r>
-                      <a:endParaRPr lang="en-US" altLang="ko-KR" sz="1400" b="1" dirty="0">
-                        <a:solidFill>
-                          <a:schemeClr val="tx1">
-                            <a:lumMod val="65000"/>
-                            <a:lumOff val="35000"/>
-                          </a:schemeClr>
-                        </a:solidFill>
-                      </a:endParaRPr>
-                    </a:p>
-                    <a:p>
-                      <a:pPr lvl="0" algn="ctr" latinLnBrk="1">
-                        <a:lnSpc>
-                          <a:spcPct val="150000"/>
-                        </a:lnSpc>
-                      </a:pPr>
-                      <a:r>
-                        <a:rPr lang="en-US" altLang="ko-KR" sz="1400" b="1" dirty="0">
-                          <a:solidFill>
-                            <a:schemeClr val="tx1">
-                              <a:lumMod val="65000"/>
-                              <a:lumOff val="35000"/>
-                            </a:schemeClr>
-                          </a:solidFill>
-                        </a:rPr>
-                        <a:t>(</a:t>
-                      </a:r>
-                      <a:r>
-                        <a:rPr lang="ko-KR" altLang="en-US" sz="1400" b="1" dirty="0">
-                          <a:solidFill>
-                            <a:schemeClr val="tx1">
-                              <a:lumMod val="65000"/>
-                              <a:lumOff val="35000"/>
-                            </a:schemeClr>
-                          </a:solidFill>
-                        </a:rPr>
-                        <a:t>이전 주차 에서도 추가 범위 구현</a:t>
-                      </a:r>
-                      <a:r>
-                        <a:rPr lang="en-US" altLang="ko-KR" sz="1400" b="1" dirty="0">
-                          <a:solidFill>
-                            <a:schemeClr val="tx1">
-                              <a:lumMod val="65000"/>
-                              <a:lumOff val="35000"/>
-                            </a:schemeClr>
-                          </a:solidFill>
-                        </a:rPr>
-                        <a:t>)</a:t>
-                      </a:r>
-                    </a:p>
-                  </a:txBody>
-                  <a:tcPr marL="216000" anchor="ctr">
-                    <a:lnL w="12700" cap="flat" cmpd="sng" algn="ctr">
-                      <a:noFill/>
-                      <a:prstDash val="solid"/>
-                      <a:round/>
-                      <a:headEnd type="none" w="med" len="med"/>
-                      <a:tailEnd type="none" w="med" len="med"/>
-                    </a:lnL>
-                    <a:lnR w="12700" cap="flat" cmpd="sng" algn="ctr">
-                      <a:noFill/>
-                      <a:prstDash val="solid"/>
-                      <a:round/>
-                      <a:headEnd type="none" w="med" len="med"/>
-                      <a:tailEnd type="none" w="med" len="med"/>
-                    </a:lnR>
-                    <a:lnT w="12700" cap="flat" cmpd="sng" algn="ctr">
-                      <a:solidFill>
-                        <a:srgbClr val="CACACA"/>
-                      </a:solidFill>
-                      <a:prstDash val="solid"/>
-                      <a:round/>
-                      <a:headEnd type="none" w="med" len="med"/>
-                      <a:tailEnd type="none" w="med" len="med"/>
-                    </a:lnT>
-                    <a:lnB w="12700" cap="flat" cmpd="sng" algn="ctr">
-                      <a:solidFill>
-                        <a:srgbClr val="CACACA"/>
-                      </a:solidFill>
-                      <a:prstDash val="solid"/>
-                      <a:round/>
-                      <a:headEnd type="none" w="med" len="med"/>
-                      <a:tailEnd type="none" w="med" len="med"/>
-                    </a:lnB>
-                    <a:lnTlToBr w="12700" cmpd="sng">
-                      <a:noFill/>
-                      <a:prstDash val="solid"/>
-                    </a:lnTlToBr>
-                    <a:lnBlToTr w="12700" cmpd="sng">
-                      <a:noFill/>
-                      <a:prstDash val="solid"/>
-                    </a:lnBlToTr>
-                    <a:solidFill>
-                      <a:srgbClr val="F2F2F2"/>
-                    </a:solidFill>
-                  </a:tcPr>
-                </a:tc>
-                <a:extLst>
-                  <a:ext uri="{0D108BD9-81ED-4DB2-BD59-A6C34878D82A}">
-                    <a16:rowId xmlns:a16="http://schemas.microsoft.com/office/drawing/2014/main" val="238570224"/>
-                  </a:ext>
-                </a:extLst>
-              </a:tr>
-              <a:tr h="1135889">
-                <a:tc>
-                  <a:txBody>
-                    <a:bodyPr/>
-                    <a:lstStyle/>
-                    <a:p>
-                      <a:pPr marL="0" marR="0" lvl="0" indent="0" algn="ctr" defTabSz="914400" rtl="0" eaLnBrk="1" fontAlgn="auto" latinLnBrk="1" hangingPunct="1">
-                        <a:lnSpc>
-                          <a:spcPct val="100000"/>
-                        </a:lnSpc>
-                        <a:spcBef>
-                          <a:spcPts val="0"/>
-                        </a:spcBef>
-                        <a:spcAft>
-                          <a:spcPts val="0"/>
-                        </a:spcAft>
-                        <a:buClrTx/>
-                        <a:buSzTx/>
-                        <a:buFontTx/>
-                        <a:buNone/>
-                        <a:tabLst/>
-                        <a:defRPr/>
-                      </a:pPr>
-                      <a:r>
-                        <a:rPr kumimoji="0" lang="en-US" altLang="ko-KR" sz="1400" b="1" i="0" u="none" strike="noStrike" kern="1200" cap="none" spc="0" normalizeH="0" baseline="0" noProof="0" dirty="0">
-                          <a:ln>
-                            <a:noFill/>
-                          </a:ln>
-                          <a:solidFill>
-                            <a:schemeClr val="tx1">
-                              <a:lumMod val="65000"/>
-                              <a:lumOff val="35000"/>
-                            </a:schemeClr>
-                          </a:solidFill>
-                          <a:effectLst/>
-                          <a:uLnTx/>
-                          <a:uFillTx/>
-                          <a:latin typeface="+mn-lt"/>
-                          <a:ea typeface="+mn-ea"/>
-                          <a:cs typeface="+mn-cs"/>
-                        </a:rPr>
-                        <a:t>9</a:t>
-                      </a:r>
-                      <a:r>
-                        <a:rPr kumimoji="0" lang="ko-KR" altLang="en-US" sz="1400" b="1" i="0" u="none" strike="noStrike" kern="1200" cap="none" spc="0" normalizeH="0" baseline="0" noProof="0" dirty="0">
-                          <a:ln>
-                            <a:noFill/>
-                          </a:ln>
-                          <a:solidFill>
-                            <a:schemeClr val="tx1">
-                              <a:lumMod val="65000"/>
-                              <a:lumOff val="35000"/>
-                            </a:schemeClr>
-                          </a:solidFill>
-                          <a:effectLst/>
-                          <a:uLnTx/>
-                          <a:uFillTx/>
-                          <a:latin typeface="+mn-lt"/>
-                          <a:ea typeface="+mn-ea"/>
-                          <a:cs typeface="+mn-cs"/>
-                        </a:rPr>
-                        <a:t>주차</a:t>
-                      </a:r>
-                      <a:endParaRPr kumimoji="0" lang="en-US" altLang="ko-KR" sz="1400" b="1" i="0" u="none" strike="noStrike" kern="1200" cap="none" spc="0" normalizeH="0" baseline="0" noProof="0" dirty="0">
-                        <a:ln>
-                          <a:noFill/>
-                        </a:ln>
-                        <a:solidFill>
-                          <a:schemeClr val="tx1">
-                            <a:lumMod val="65000"/>
-                            <a:lumOff val="35000"/>
-                          </a:schemeClr>
-                        </a:solidFill>
-                        <a:effectLst/>
-                        <a:uLnTx/>
-                        <a:uFillTx/>
-                        <a:latin typeface="+mn-lt"/>
-                        <a:ea typeface="+mn-ea"/>
-                        <a:cs typeface="+mn-cs"/>
-                      </a:endParaRPr>
-                    </a:p>
-                  </a:txBody>
-                  <a:tcPr marL="216000" anchor="ctr">
-                    <a:lnL w="12700" cap="flat" cmpd="sng" algn="ctr">
-                      <a:noFill/>
-                      <a:prstDash val="solid"/>
-                      <a:round/>
-                      <a:headEnd type="none" w="med" len="med"/>
-                      <a:tailEnd type="none" w="med" len="med"/>
-                    </a:lnL>
-                    <a:lnR w="12700" cap="flat" cmpd="sng" algn="ctr">
-                      <a:noFill/>
-                      <a:prstDash val="solid"/>
-                      <a:round/>
-                      <a:headEnd type="none" w="med" len="med"/>
-                      <a:tailEnd type="none" w="med" len="med"/>
-                    </a:lnR>
-                    <a:lnT w="12700" cap="flat" cmpd="sng" algn="ctr">
-                      <a:solidFill>
-                        <a:srgbClr val="CACACA"/>
-                      </a:solidFill>
-                      <a:prstDash val="solid"/>
-                      <a:round/>
-                      <a:headEnd type="none" w="med" len="med"/>
-                      <a:tailEnd type="none" w="med" len="med"/>
-                    </a:lnT>
-                    <a:lnB w="12700" cap="flat" cmpd="sng" algn="ctr">
-                      <a:solidFill>
-                        <a:srgbClr val="CACACA"/>
-                      </a:solidFill>
-                      <a:prstDash val="solid"/>
-                      <a:round/>
-                      <a:headEnd type="none" w="med" len="med"/>
-                      <a:tailEnd type="none" w="med" len="med"/>
-                    </a:lnB>
-                    <a:lnTlToBr w="12700" cmpd="sng">
-                      <a:noFill/>
-                      <a:prstDash val="solid"/>
-                    </a:lnTlToBr>
-                    <a:lnBlToTr w="12700" cmpd="sng">
-                      <a:noFill/>
-                      <a:prstDash val="solid"/>
-                    </a:lnBlToTr>
-                    <a:solidFill>
-                      <a:schemeClr val="bg1"/>
-                    </a:solidFill>
-                  </a:tcPr>
-                </a:tc>
-                <a:tc>
-                  <a:txBody>
-                    <a:bodyPr/>
-                    <a:lstStyle/>
-                    <a:p>
-                      <a:pPr marL="0" marR="0" lvl="0" indent="0" algn="ctr" defTabSz="914400" rtl="0" eaLnBrk="1" fontAlgn="auto" latinLnBrk="1" hangingPunct="1">
-                        <a:lnSpc>
-                          <a:spcPct val="150000"/>
-                        </a:lnSpc>
-                        <a:spcBef>
-                          <a:spcPts val="0"/>
-                        </a:spcBef>
-                        <a:spcAft>
-                          <a:spcPts val="0"/>
-                        </a:spcAft>
-                        <a:buClrTx/>
-                        <a:buSzTx/>
-                        <a:buFontTx/>
-                        <a:buNone/>
-                        <a:tabLst/>
-                        <a:defRPr/>
-                      </a:pPr>
-                      <a:r>
-                        <a:rPr lang="ko-KR" altLang="en-US" sz="1400" b="1" dirty="0">
-                          <a:solidFill>
-                            <a:schemeClr val="tx1">
-                              <a:lumMod val="65000"/>
-                              <a:lumOff val="35000"/>
-                            </a:schemeClr>
-                          </a:solidFill>
-                        </a:rPr>
-                        <a:t>시작과 종료 처리</a:t>
-                      </a:r>
-                    </a:p>
-                  </a:txBody>
-                  <a:tcPr marL="216000" anchor="ctr">
-                    <a:lnL w="12700" cap="flat" cmpd="sng" algn="ctr">
-                      <a:noFill/>
-                      <a:prstDash val="solid"/>
-                      <a:round/>
-                      <a:headEnd type="none" w="med" len="med"/>
-                      <a:tailEnd type="none" w="med" len="med"/>
-                    </a:lnL>
-                    <a:lnR w="12700" cap="flat" cmpd="sng" algn="ctr">
-                      <a:noFill/>
-                      <a:prstDash val="solid"/>
-                      <a:round/>
-                      <a:headEnd type="none" w="med" len="med"/>
-                      <a:tailEnd type="none" w="med" len="med"/>
-                    </a:lnR>
-                    <a:lnT w="12700" cap="flat" cmpd="sng" algn="ctr">
-                      <a:solidFill>
-                        <a:srgbClr val="CACACA"/>
-                      </a:solidFill>
-                      <a:prstDash val="solid"/>
-                      <a:round/>
-                      <a:headEnd type="none" w="med" len="med"/>
-                      <a:tailEnd type="none" w="med" len="med"/>
-                    </a:lnT>
-                    <a:lnB w="12700" cap="flat" cmpd="sng" algn="ctr">
-                      <a:solidFill>
-                        <a:srgbClr val="CACACA"/>
-                      </a:solidFill>
-                      <a:prstDash val="solid"/>
-                      <a:round/>
-                      <a:headEnd type="none" w="med" len="med"/>
-                      <a:tailEnd type="none" w="med" len="med"/>
-                    </a:lnB>
-                    <a:lnTlToBr w="12700" cmpd="sng">
-                      <a:noFill/>
-                      <a:prstDash val="solid"/>
-                    </a:lnTlToBr>
-                    <a:lnBlToTr w="12700" cmpd="sng">
-                      <a:noFill/>
-                      <a:prstDash val="solid"/>
-                    </a:lnBlToTr>
-                    <a:solidFill>
-                      <a:schemeClr val="bg1"/>
-                    </a:solidFill>
-                  </a:tcPr>
-                </a:tc>
-                <a:tc>
-                  <a:txBody>
-                    <a:bodyPr/>
-                    <a:lstStyle/>
-                    <a:p>
-                      <a:pPr marL="228600" lvl="0" indent="-228600" algn="ctr" latinLnBrk="1">
-                        <a:lnSpc>
-                          <a:spcPct val="150000"/>
-                        </a:lnSpc>
-                        <a:buAutoNum type="arabicPeriod"/>
-                      </a:pPr>
-                      <a:r>
-                        <a:rPr lang="ko-KR" altLang="en-US" sz="1400" b="1" dirty="0">
-                          <a:solidFill>
-                            <a:schemeClr val="tx1">
-                              <a:lumMod val="65000"/>
-                              <a:lumOff val="35000"/>
-                            </a:schemeClr>
-                          </a:solidFill>
-                        </a:rPr>
-                        <a:t>게임의 시작 부분 및 종료 부분의 구현과 처리</a:t>
-                      </a:r>
-                      <a:endParaRPr lang="en-US" altLang="ko-KR" sz="1400" b="1" dirty="0">
-                        <a:solidFill>
-                          <a:schemeClr val="tx1">
-                            <a:lumMod val="65000"/>
-                            <a:lumOff val="35000"/>
-                          </a:schemeClr>
-                        </a:solidFill>
-                      </a:endParaRPr>
-                    </a:p>
-                    <a:p>
-                      <a:pPr marL="0" lvl="0" indent="0" algn="ctr" latinLnBrk="1">
-                        <a:lnSpc>
-                          <a:spcPct val="150000"/>
-                        </a:lnSpc>
-                        <a:buNone/>
-                      </a:pPr>
-                      <a:r>
-                        <a:rPr lang="ko-KR" altLang="en-US" sz="1400" b="1" dirty="0">
-                          <a:solidFill>
-                            <a:srgbClr val="FF0000"/>
-                          </a:solidFill>
-                        </a:rPr>
-                        <a:t>게임 프레임 워크로 시작 부분 예비 구현</a:t>
-                      </a:r>
-                      <a:r>
-                        <a:rPr lang="en-US" altLang="ko-KR" sz="1400" b="1" dirty="0">
-                          <a:solidFill>
-                            <a:schemeClr val="tx1"/>
-                          </a:solidFill>
-                          <a:highlight>
-                            <a:srgbClr val="00FFFF"/>
-                          </a:highlight>
-                        </a:rPr>
-                        <a:t>(50%)</a:t>
-                      </a:r>
-                    </a:p>
-                    <a:p>
-                      <a:pPr lvl="0" algn="ctr" latinLnBrk="1">
-                        <a:lnSpc>
-                          <a:spcPct val="150000"/>
-                        </a:lnSpc>
-                      </a:pPr>
-                      <a:r>
-                        <a:rPr lang="en-US" altLang="ko-KR" sz="1400" b="1" dirty="0">
-                          <a:solidFill>
-                            <a:schemeClr val="tx1">
-                              <a:lumMod val="65000"/>
-                              <a:lumOff val="35000"/>
-                            </a:schemeClr>
-                          </a:solidFill>
-                        </a:rPr>
-                        <a:t>2. </a:t>
-                      </a:r>
-                      <a:r>
-                        <a:rPr lang="ko-KR" altLang="en-US" sz="1400" b="1" dirty="0">
-                          <a:solidFill>
-                            <a:schemeClr val="tx1">
-                              <a:lumMod val="65000"/>
-                              <a:lumOff val="35000"/>
-                            </a:schemeClr>
-                          </a:solidFill>
-                        </a:rPr>
-                        <a:t>종료 시 결과화면 생성</a:t>
-                      </a:r>
-                      <a:endParaRPr lang="en-US" altLang="ko-KR" sz="1400" b="1" dirty="0">
-                        <a:solidFill>
-                          <a:schemeClr val="tx1">
-                            <a:lumMod val="65000"/>
-                            <a:lumOff val="35000"/>
-                          </a:schemeClr>
-                        </a:solidFill>
-                      </a:endParaRPr>
-                    </a:p>
-                  </a:txBody>
-                  <a:tcPr marL="216000" anchor="ctr">
-                    <a:lnL w="12700" cap="flat" cmpd="sng" algn="ctr">
-                      <a:noFill/>
-                      <a:prstDash val="solid"/>
-                      <a:round/>
-                      <a:headEnd type="none" w="med" len="med"/>
-                      <a:tailEnd type="none" w="med" len="med"/>
-                    </a:lnL>
-                    <a:lnR w="12700" cap="flat" cmpd="sng" algn="ctr">
-                      <a:noFill/>
-                      <a:prstDash val="solid"/>
-                      <a:round/>
-                      <a:headEnd type="none" w="med" len="med"/>
-                      <a:tailEnd type="none" w="med" len="med"/>
-                    </a:lnR>
-                    <a:lnT w="12700" cap="flat" cmpd="sng" algn="ctr">
-                      <a:solidFill>
-                        <a:srgbClr val="CACACA"/>
-                      </a:solidFill>
-                      <a:prstDash val="solid"/>
-                      <a:round/>
-                      <a:headEnd type="none" w="med" len="med"/>
-                      <a:tailEnd type="none" w="med" len="med"/>
-                    </a:lnT>
-                    <a:lnB w="12700" cap="flat" cmpd="sng" algn="ctr">
-                      <a:solidFill>
-                        <a:srgbClr val="CACACA"/>
-                      </a:solidFill>
-                      <a:prstDash val="solid"/>
-                      <a:round/>
-                      <a:headEnd type="none" w="med" len="med"/>
-                      <a:tailEnd type="none" w="med" len="med"/>
-                    </a:lnB>
-                    <a:lnTlToBr w="12700" cmpd="sng">
-                      <a:noFill/>
-                      <a:prstDash val="solid"/>
-                    </a:lnTlToBr>
-                    <a:lnBlToTr w="12700" cmpd="sng">
-                      <a:noFill/>
-                      <a:prstDash val="solid"/>
-                    </a:lnBlToTr>
-                    <a:solidFill>
-                      <a:schemeClr val="bg1"/>
-                    </a:solidFill>
-                  </a:tcPr>
-                </a:tc>
-                <a:extLst>
-                  <a:ext uri="{0D108BD9-81ED-4DB2-BD59-A6C34878D82A}">
-                    <a16:rowId xmlns:a16="http://schemas.microsoft.com/office/drawing/2014/main" val="1901458511"/>
-                  </a:ext>
-                </a:extLst>
-              </a:tr>
-              <a:tr h="782231">
-                <a:tc>
-                  <a:txBody>
-                    <a:bodyPr/>
-                    <a:lstStyle/>
-                    <a:p>
-                      <a:pPr marL="0" marR="0" lvl="0" indent="0" algn="ctr" defTabSz="914400" rtl="0" eaLnBrk="1" fontAlgn="auto" latinLnBrk="1" hangingPunct="1">
-                        <a:lnSpc>
-                          <a:spcPct val="100000"/>
-                        </a:lnSpc>
-                        <a:spcBef>
-                          <a:spcPts val="0"/>
-                        </a:spcBef>
-                        <a:spcAft>
-                          <a:spcPts val="0"/>
-                        </a:spcAft>
-                        <a:buClrTx/>
-                        <a:buSzTx/>
-                        <a:buFontTx/>
-                        <a:buNone/>
-                        <a:tabLst/>
-                        <a:defRPr/>
-                      </a:pPr>
-                      <a:r>
-                        <a:rPr kumimoji="0" lang="en-US" altLang="ko-KR" sz="1400" b="1" i="0" u="none" strike="noStrike" kern="1200" cap="none" spc="0" normalizeH="0" baseline="0" noProof="0" dirty="0">
-                          <a:ln>
-                            <a:noFill/>
-                          </a:ln>
-                          <a:solidFill>
-                            <a:schemeClr val="bg1"/>
-                          </a:solidFill>
-                          <a:effectLst/>
-                          <a:uLnTx/>
-                          <a:uFillTx/>
-                          <a:latin typeface="+mn-lt"/>
-                          <a:ea typeface="+mn-ea"/>
-                          <a:cs typeface="+mn-cs"/>
-                        </a:rPr>
-                        <a:t>10</a:t>
-                      </a:r>
-                      <a:r>
-                        <a:rPr kumimoji="0" lang="ko-KR" altLang="en-US" sz="1400" b="1" i="0" u="none" strike="noStrike" kern="1200" cap="none" spc="0" normalizeH="0" baseline="0" noProof="0" dirty="0">
-                          <a:ln>
-                            <a:noFill/>
-                          </a:ln>
-                          <a:solidFill>
-                            <a:schemeClr val="bg1"/>
-                          </a:solidFill>
-                          <a:effectLst/>
-                          <a:uLnTx/>
-                          <a:uFillTx/>
-                          <a:latin typeface="+mn-lt"/>
-                          <a:ea typeface="+mn-ea"/>
-                          <a:cs typeface="+mn-cs"/>
-                        </a:rPr>
-                        <a:t>주차</a:t>
-                      </a:r>
-                      <a:endParaRPr kumimoji="0" lang="en-US" altLang="ko-KR" sz="1400" b="1" i="0" u="none" strike="noStrike" kern="1200" cap="none" spc="0" normalizeH="0" baseline="0" noProof="0" dirty="0">
-                        <a:ln>
-                          <a:noFill/>
-                        </a:ln>
-                        <a:solidFill>
-                          <a:schemeClr val="bg1"/>
-                        </a:solidFill>
-                        <a:effectLst/>
-                        <a:uLnTx/>
-                        <a:uFillTx/>
-                        <a:latin typeface="+mn-lt"/>
-                        <a:ea typeface="+mn-ea"/>
-                        <a:cs typeface="+mn-cs"/>
-                      </a:endParaRPr>
-                    </a:p>
-                  </a:txBody>
-                  <a:tcPr marL="216000" anchor="ctr">
-                    <a:lnL w="12700" cap="flat" cmpd="sng" algn="ctr">
-                      <a:noFill/>
-                      <a:prstDash val="solid"/>
-                      <a:round/>
-                      <a:headEnd type="none" w="med" len="med"/>
-                      <a:tailEnd type="none" w="med" len="med"/>
-                    </a:lnL>
-                    <a:lnR w="12700" cap="flat" cmpd="sng" algn="ctr">
-                      <a:noFill/>
-                      <a:prstDash val="solid"/>
-                      <a:round/>
-                      <a:headEnd type="none" w="med" len="med"/>
-                      <a:tailEnd type="none" w="med" len="med"/>
-                    </a:lnR>
-                    <a:lnT w="12700" cap="flat" cmpd="sng" algn="ctr">
-                      <a:solidFill>
-                        <a:srgbClr val="CACACA"/>
-                      </a:solidFill>
-                      <a:prstDash val="solid"/>
-                      <a:round/>
-                      <a:headEnd type="none" w="med" len="med"/>
-                      <a:tailEnd type="none" w="med" len="med"/>
-                    </a:lnT>
-                    <a:lnB w="12700" cap="flat" cmpd="sng" algn="ctr">
-                      <a:solidFill>
-                        <a:schemeClr val="bg1">
-                          <a:lumMod val="50000"/>
-                        </a:schemeClr>
-                      </a:solidFill>
-                      <a:prstDash val="solid"/>
-                      <a:round/>
-                      <a:headEnd type="none" w="med" len="med"/>
-                      <a:tailEnd type="none" w="med" len="med"/>
-                    </a:lnB>
-                    <a:lnTlToBr w="12700" cmpd="sng">
-                      <a:noFill/>
-                      <a:prstDash val="solid"/>
-                    </a:lnTlToBr>
-                    <a:lnBlToTr w="12700" cmpd="sng">
-                      <a:noFill/>
-                      <a:prstDash val="solid"/>
-                    </a:lnBlToTr>
-                    <a:solidFill>
-                      <a:srgbClr val="B9B9B9"/>
-                    </a:solidFill>
-                  </a:tcPr>
-                </a:tc>
-                <a:tc>
-                  <a:txBody>
-                    <a:bodyPr/>
-                    <a:lstStyle/>
-                    <a:p>
-                      <a:pPr marL="0" marR="0" lvl="0" indent="0" algn="ctr" defTabSz="914400" rtl="0" eaLnBrk="1" fontAlgn="auto" latinLnBrk="1" hangingPunct="1">
-                        <a:lnSpc>
-                          <a:spcPct val="100000"/>
-                        </a:lnSpc>
-                        <a:spcBef>
-                          <a:spcPts val="0"/>
-                        </a:spcBef>
-                        <a:spcAft>
-                          <a:spcPts val="0"/>
-                        </a:spcAft>
-                        <a:buClrTx/>
-                        <a:buSzTx/>
-                        <a:buFontTx/>
-                        <a:buNone/>
-                        <a:tabLst/>
-                        <a:defRPr/>
-                      </a:pPr>
-                      <a:r>
-                        <a:rPr kumimoji="0" lang="ko-KR" altLang="en-US" sz="1400" b="1" i="0" u="none" strike="noStrike" kern="1200" cap="none" spc="0" normalizeH="0" baseline="0" noProof="0" dirty="0">
-                          <a:ln>
-                            <a:noFill/>
-                          </a:ln>
-                          <a:solidFill>
-                            <a:schemeClr val="bg1"/>
-                          </a:solidFill>
-                          <a:effectLst/>
-                          <a:uLnTx/>
-                          <a:uFillTx/>
-                          <a:latin typeface="+mn-lt"/>
-                          <a:ea typeface="+mn-ea"/>
-                          <a:cs typeface="+mn-cs"/>
-                        </a:rPr>
-                        <a:t>밸런스 조절 및 마무리</a:t>
-                      </a:r>
-                      <a:endParaRPr kumimoji="0" lang="en-US" altLang="ko-KR" sz="1400" b="1" i="0" u="none" strike="noStrike" kern="1200" cap="none" spc="0" normalizeH="0" baseline="0" noProof="0" dirty="0">
-                        <a:ln>
-                          <a:noFill/>
-                        </a:ln>
-                        <a:solidFill>
-                          <a:schemeClr val="bg1"/>
-                        </a:solidFill>
-                        <a:effectLst/>
-                        <a:uLnTx/>
-                        <a:uFillTx/>
-                        <a:latin typeface="+mn-lt"/>
-                        <a:ea typeface="+mn-ea"/>
-                        <a:cs typeface="+mn-cs"/>
-                      </a:endParaRPr>
-                    </a:p>
-                  </a:txBody>
-                  <a:tcPr marL="216000" anchor="ctr">
-                    <a:lnL w="12700" cap="flat" cmpd="sng" algn="ctr">
-                      <a:noFill/>
-                      <a:prstDash val="solid"/>
-                      <a:round/>
-                      <a:headEnd type="none" w="med" len="med"/>
-                      <a:tailEnd type="none" w="med" len="med"/>
-                    </a:lnL>
-                    <a:lnR w="12700" cap="flat" cmpd="sng" algn="ctr">
-                      <a:noFill/>
-                      <a:prstDash val="solid"/>
-                      <a:round/>
-                      <a:headEnd type="none" w="med" len="med"/>
-                      <a:tailEnd type="none" w="med" len="med"/>
-                    </a:lnR>
-                    <a:lnT w="12700" cap="flat" cmpd="sng" algn="ctr">
-                      <a:solidFill>
-                        <a:srgbClr val="CACACA"/>
-                      </a:solidFill>
-                      <a:prstDash val="solid"/>
-                      <a:round/>
-                      <a:headEnd type="none" w="med" len="med"/>
-                      <a:tailEnd type="none" w="med" len="med"/>
-                    </a:lnT>
-                    <a:lnB w="12700" cap="flat" cmpd="sng" algn="ctr">
-                      <a:solidFill>
-                        <a:schemeClr val="bg1">
-                          <a:lumMod val="50000"/>
-                        </a:schemeClr>
-                      </a:solidFill>
-                      <a:prstDash val="solid"/>
-                      <a:round/>
-                      <a:headEnd type="none" w="med" len="med"/>
-                      <a:tailEnd type="none" w="med" len="med"/>
-                    </a:lnB>
-                    <a:lnTlToBr w="12700" cmpd="sng">
-                      <a:noFill/>
-                      <a:prstDash val="solid"/>
-                    </a:lnTlToBr>
-                    <a:lnBlToTr w="12700" cmpd="sng">
-                      <a:noFill/>
-                      <a:prstDash val="solid"/>
-                    </a:lnBlToTr>
-                    <a:solidFill>
-                      <a:srgbClr val="B9B9B9"/>
-                    </a:solidFill>
-                  </a:tcPr>
-                </a:tc>
-                <a:tc>
-                  <a:txBody>
-                    <a:bodyPr/>
-                    <a:lstStyle/>
-                    <a:p>
-                      <a:pPr marL="228600" marR="0" lvl="0" indent="-228600" algn="ctr" defTabSz="914400" rtl="0" eaLnBrk="1" fontAlgn="auto" latinLnBrk="1" hangingPunct="1">
-                        <a:lnSpc>
-                          <a:spcPct val="100000"/>
-                        </a:lnSpc>
-                        <a:spcBef>
-                          <a:spcPts val="0"/>
-                        </a:spcBef>
-                        <a:spcAft>
-                          <a:spcPts val="0"/>
-                        </a:spcAft>
-                        <a:buClrTx/>
-                        <a:buSzTx/>
-                        <a:buFontTx/>
-                        <a:buAutoNum type="arabicPeriod"/>
-                        <a:tabLst/>
-                        <a:defRPr/>
-                      </a:pPr>
-                      <a:r>
-                        <a:rPr kumimoji="0" lang="ko-KR" altLang="en-US" sz="1400" b="1" i="0" u="none" strike="noStrike" kern="1200" cap="none" spc="0" normalizeH="0" baseline="0" noProof="0" dirty="0">
-                          <a:ln>
-                            <a:noFill/>
-                          </a:ln>
-                          <a:solidFill>
-                            <a:schemeClr val="bg1"/>
-                          </a:solidFill>
-                          <a:effectLst/>
-                          <a:uLnTx/>
-                          <a:uFillTx/>
-                          <a:latin typeface="+mn-lt"/>
-                          <a:ea typeface="+mn-ea"/>
-                          <a:cs typeface="+mn-cs"/>
-                        </a:rPr>
-                        <a:t>전체적인 난이도와 밸런스 조절</a:t>
-                      </a:r>
-                      <a:endParaRPr kumimoji="0" lang="en-US" altLang="ko-KR" sz="1400" b="1" i="0" u="none" strike="noStrike" kern="1200" cap="none" spc="0" normalizeH="0" baseline="0" noProof="0" dirty="0">
-                        <a:ln>
-                          <a:noFill/>
-                        </a:ln>
-                        <a:solidFill>
-                          <a:schemeClr val="bg1"/>
-                        </a:solidFill>
-                        <a:effectLst/>
-                        <a:uLnTx/>
-                        <a:uFillTx/>
-                        <a:latin typeface="+mn-lt"/>
-                        <a:ea typeface="+mn-ea"/>
-                        <a:cs typeface="+mn-cs"/>
-                      </a:endParaRPr>
-                    </a:p>
-                    <a:p>
-                      <a:pPr marL="228600" marR="0" lvl="0" indent="-228600" algn="ctr" defTabSz="914400" rtl="0" eaLnBrk="1" fontAlgn="auto" latinLnBrk="1" hangingPunct="1">
-                        <a:lnSpc>
-                          <a:spcPct val="100000"/>
-                        </a:lnSpc>
-                        <a:spcBef>
-                          <a:spcPts val="0"/>
-                        </a:spcBef>
-                        <a:spcAft>
-                          <a:spcPts val="0"/>
-                        </a:spcAft>
-                        <a:buClrTx/>
-                        <a:buSzTx/>
-                        <a:buFontTx/>
-                        <a:buAutoNum type="arabicPeriod"/>
-                        <a:tabLst/>
-                        <a:defRPr/>
-                      </a:pPr>
-                      <a:r>
-                        <a:rPr kumimoji="0" lang="ko-KR" altLang="en-US" sz="1400" b="1" i="0" u="none" strike="noStrike" kern="1200" cap="none" spc="0" normalizeH="0" baseline="0" noProof="0" dirty="0">
-                          <a:ln>
-                            <a:noFill/>
-                          </a:ln>
-                          <a:solidFill>
-                            <a:schemeClr val="bg1"/>
-                          </a:solidFill>
-                          <a:effectLst/>
-                          <a:uLnTx/>
-                          <a:uFillTx/>
-                          <a:latin typeface="+mn-lt"/>
-                          <a:ea typeface="+mn-ea"/>
-                          <a:cs typeface="+mn-cs"/>
-                        </a:rPr>
-                        <a:t>최종 점검</a:t>
-                      </a:r>
-                      <a:endParaRPr kumimoji="0" lang="en-US" altLang="ko-KR" sz="1400" b="1" i="0" u="none" strike="noStrike" kern="1200" cap="none" spc="0" normalizeH="0" baseline="0" noProof="0" dirty="0">
-                        <a:ln>
-                          <a:noFill/>
-                        </a:ln>
-                        <a:solidFill>
-                          <a:schemeClr val="bg1"/>
-                        </a:solidFill>
-                        <a:effectLst/>
-                        <a:uLnTx/>
-                        <a:uFillTx/>
-                        <a:latin typeface="+mn-lt"/>
-                        <a:ea typeface="+mn-ea"/>
-                        <a:cs typeface="+mn-cs"/>
-                      </a:endParaRPr>
-                    </a:p>
-                  </a:txBody>
-                  <a:tcPr marL="216000" anchor="ctr">
-                    <a:lnL w="12700" cap="flat" cmpd="sng" algn="ctr">
-                      <a:noFill/>
-                      <a:prstDash val="solid"/>
-                      <a:round/>
-                      <a:headEnd type="none" w="med" len="med"/>
-                      <a:tailEnd type="none" w="med" len="med"/>
-                    </a:lnL>
-                    <a:lnR w="12700" cap="flat" cmpd="sng" algn="ctr">
-                      <a:noFill/>
-                      <a:prstDash val="solid"/>
-                      <a:round/>
-                      <a:headEnd type="none" w="med" len="med"/>
-                      <a:tailEnd type="none" w="med" len="med"/>
-                    </a:lnR>
-                    <a:lnT w="12700" cap="flat" cmpd="sng" algn="ctr">
-                      <a:solidFill>
-                        <a:srgbClr val="CACACA"/>
-                      </a:solidFill>
-                      <a:prstDash val="solid"/>
-                      <a:round/>
-                      <a:headEnd type="none" w="med" len="med"/>
-                      <a:tailEnd type="none" w="med" len="med"/>
-                    </a:lnT>
-                    <a:lnB w="12700" cap="flat" cmpd="sng" algn="ctr">
-                      <a:solidFill>
-                        <a:schemeClr val="bg1">
-                          <a:lumMod val="50000"/>
-                        </a:schemeClr>
-                      </a:solidFill>
-                      <a:prstDash val="solid"/>
-                      <a:round/>
-                      <a:headEnd type="none" w="med" len="med"/>
-                      <a:tailEnd type="none" w="med" len="med"/>
-                    </a:lnB>
-                    <a:lnTlToBr w="12700" cmpd="sng">
-                      <a:noFill/>
-                      <a:prstDash val="solid"/>
-                    </a:lnTlToBr>
-                    <a:lnBlToTr w="12700" cmpd="sng">
-                      <a:noFill/>
-                      <a:prstDash val="solid"/>
-                    </a:lnBlToTr>
-                    <a:solidFill>
-                      <a:srgbClr val="B9B9B9"/>
-                    </a:solidFill>
-                  </a:tcPr>
-                </a:tc>
-                <a:extLst>
-                  <a:ext uri="{0D108BD9-81ED-4DB2-BD59-A6C34878D82A}">
-                    <a16:rowId xmlns:a16="http://schemas.microsoft.com/office/drawing/2014/main" val="3219735090"/>
-                  </a:ext>
-                </a:extLst>
-              </a:tr>
-            </a:tbl>
-          </a:graphicData>
-        </a:graphic>
-      </p:graphicFrame>
-    </p:spTree>
-    <p:extLst>
-      <p:ext uri="{BB962C8B-B14F-4D97-AF65-F5344CB8AC3E}">
-        <p14:creationId xmlns:p14="http://schemas.microsoft.com/office/powerpoint/2010/main" val="1616521470"/>
-      </p:ext>
-    </p:extLst>
-  </p:cSld>
-  <p:clrMapOvr>
-    <a:masterClrMapping/>
-  </p:clrMapOvr>
-</p:sld>
-</file>
-
-<file path=ppt/slides/slide6.xml><?xml version="1.0" encoding="utf-8"?>
-<p:sld xmlns:a="http://schemas.openxmlformats.org/drawingml/2006/main" xmlns:r="http://schemas.openxmlformats.org/officeDocument/2006/relationships" xmlns:p="http://schemas.openxmlformats.org/presentationml/2006/main">
-  <p:cSld>
-    <p:bg>
-      <p:bgPr>
-        <a:solidFill>
-          <a:schemeClr val="bg1">
-            <a:lumMod val="95000"/>
-          </a:schemeClr>
-        </a:solidFill>
-        <a:effectLst/>
-      </p:bgPr>
-    </p:bg>
-    <p:spTree>
-      <p:nvGrpSpPr>
-        <p:cNvPr id="1" name=""/>
-        <p:cNvGrpSpPr/>
-        <p:nvPr/>
-      </p:nvGrpSpPr>
-      <p:grpSpPr>
-        <a:xfrm>
-          <a:off x="0" y="0"/>
-          <a:ext cx="0" cy="0"/>
-          <a:chOff x="0" y="0"/>
-          <a:chExt cx="0" cy="0"/>
-        </a:xfrm>
-      </p:grpSpPr>
-      <p:sp>
-        <p:nvSpPr>
-          <p:cNvPr id="21" name="직사각형 20"/>
-          <p:cNvSpPr/>
-          <p:nvPr/>
-        </p:nvSpPr>
-        <p:spPr>
-          <a:xfrm>
-            <a:off x="591911" y="179874"/>
-            <a:ext cx="6096000" cy="939744"/>
-          </a:xfrm>
-          <a:prstGeom prst="rect">
-            <a:avLst/>
-          </a:prstGeom>
-        </p:spPr>
-        <p:txBody>
-          <a:bodyPr>
-            <a:spAutoFit/>
-          </a:bodyPr>
-          <a:lstStyle/>
-          <a:p>
-            <a:pPr>
-              <a:lnSpc>
-                <a:spcPct val="150000"/>
-              </a:lnSpc>
-              <a:defRPr/>
-            </a:pPr>
-            <a:r>
-              <a:rPr lang="en-US" altLang="ko-KR" sz="2800" b="1" dirty="0" err="1">
-                <a:solidFill>
-                  <a:srgbClr val="2C303A"/>
-                </a:solidFill>
-              </a:rPr>
-              <a:t>Github</a:t>
-            </a:r>
-            <a:r>
-              <a:rPr lang="ko-KR" altLang="en-US" sz="2800" b="1" dirty="0">
-                <a:solidFill>
-                  <a:srgbClr val="2C303A"/>
-                </a:solidFill>
-              </a:rPr>
-              <a:t> </a:t>
-            </a:r>
-            <a:r>
-              <a:rPr lang="ko-KR" altLang="en-US" sz="2800" b="1" dirty="0" err="1">
-                <a:solidFill>
-                  <a:srgbClr val="2C303A"/>
-                </a:solidFill>
-              </a:rPr>
-              <a:t>커밋</a:t>
-            </a:r>
-            <a:r>
-              <a:rPr lang="ko-KR" altLang="en-US" sz="2800" b="1" dirty="0">
-                <a:solidFill>
-                  <a:srgbClr val="2C303A"/>
-                </a:solidFill>
-              </a:rPr>
-              <a:t> 통계</a:t>
-            </a:r>
-            <a:endParaRPr lang="en-US" altLang="ko-KR" sz="2800" b="1" dirty="0">
-              <a:solidFill>
-                <a:srgbClr val="2C303A"/>
-              </a:solidFill>
-            </a:endParaRPr>
-          </a:p>
-          <a:p>
-            <a:pPr>
-              <a:lnSpc>
-                <a:spcPct val="150000"/>
-              </a:lnSpc>
-              <a:defRPr/>
-            </a:pPr>
-            <a:r>
-              <a:rPr lang="en-US" altLang="ko-KR" sz="1000" dirty="0">
-                <a:solidFill>
-                  <a:prstClr val="black">
-                    <a:lumMod val="75000"/>
-                    <a:lumOff val="25000"/>
-                  </a:prstClr>
-                </a:solidFill>
-              </a:rPr>
-              <a:t>Fly High 1997</a:t>
-            </a:r>
-            <a:endParaRPr lang="ko-KR" altLang="en-US" sz="2800" dirty="0">
-              <a:solidFill>
-                <a:prstClr val="black">
-                  <a:lumMod val="75000"/>
-                  <a:lumOff val="25000"/>
-                </a:prstClr>
-              </a:solidFill>
-            </a:endParaRPr>
-          </a:p>
-        </p:txBody>
-      </p:sp>
       <p:sp>
         <p:nvSpPr>
           <p:cNvPr id="4" name="직사각형 3">
@@ -14051,7 +8632,7 @@
         </p:nvSpPr>
         <p:spPr>
           <a:xfrm>
-            <a:off x="591910" y="1119618"/>
+            <a:off x="1428750" y="553889"/>
             <a:ext cx="11219089" cy="414024"/>
           </a:xfrm>
           <a:prstGeom prst="rect">
@@ -14091,10 +8672,10 @@
       </p:sp>
       <p:pic>
         <p:nvPicPr>
-          <p:cNvPr id="2" name="그림 1">
+          <p:cNvPr id="3" name="그림 2">
             <a:extLst>
               <a:ext uri="{FF2B5EF4-FFF2-40B4-BE49-F238E27FC236}">
-                <a16:creationId xmlns:a16="http://schemas.microsoft.com/office/drawing/2014/main" id="{A3DB7E7B-1875-4DC7-84E0-7A48A2CA2B1C}"/>
+                <a16:creationId xmlns:a16="http://schemas.microsoft.com/office/drawing/2014/main" id="{2F9DB921-FAFC-41D2-AEE2-5ABC285A68EF}"/>
               </a:ext>
             </a:extLst>
           </p:cNvPr>
@@ -14111,14 +8692,524 @@
         </p:blipFill>
         <p:spPr>
           <a:xfrm>
-            <a:off x="1381125" y="1533642"/>
-            <a:ext cx="9429750" cy="4826317"/>
+            <a:off x="1428750" y="967913"/>
+            <a:ext cx="9334500" cy="2676525"/>
           </a:xfrm>
           <a:prstGeom prst="rect">
             <a:avLst/>
           </a:prstGeom>
         </p:spPr>
       </p:pic>
+      <p:graphicFrame>
+        <p:nvGraphicFramePr>
+          <p:cNvPr id="5" name="표 5">
+            <a:extLst>
+              <a:ext uri="{FF2B5EF4-FFF2-40B4-BE49-F238E27FC236}">
+                <a16:creationId xmlns:a16="http://schemas.microsoft.com/office/drawing/2014/main" id="{599E39E9-5340-4144-BDBA-67B738ECE7E7}"/>
+              </a:ext>
+            </a:extLst>
+          </p:cNvPr>
+          <p:cNvGraphicFramePr>
+            <a:graphicFrameLocks noGrp="1"/>
+          </p:cNvGraphicFramePr>
+          <p:nvPr>
+            <p:extLst>
+              <p:ext uri="{D42A27DB-BD31-4B8C-83A1-F6EECF244321}">
+                <p14:modId xmlns:p14="http://schemas.microsoft.com/office/powerpoint/2010/main" val="402368931"/>
+              </p:ext>
+            </p:extLst>
+          </p:nvPr>
+        </p:nvGraphicFramePr>
+        <p:xfrm>
+          <a:off x="2032000" y="3911431"/>
+          <a:ext cx="8128000" cy="2743200"/>
+        </p:xfrm>
+        <a:graphic>
+          <a:graphicData uri="http://schemas.openxmlformats.org/drawingml/2006/table">
+            <a:tbl>
+              <a:tblPr firstRow="1" bandRow="1">
+                <a:tableStyleId>{EB344D84-9AFB-497E-A393-DC336BA19D2E}</a:tableStyleId>
+              </a:tblPr>
+              <a:tblGrid>
+                <a:gridCol w="2032000">
+                  <a:extLst>
+                    <a:ext uri="{9D8B030D-6E8A-4147-A177-3AD203B41FA5}">
+                      <a16:colId xmlns:a16="http://schemas.microsoft.com/office/drawing/2014/main" val="741728733"/>
+                    </a:ext>
+                  </a:extLst>
+                </a:gridCol>
+                <a:gridCol w="2032000">
+                  <a:extLst>
+                    <a:ext uri="{9D8B030D-6E8A-4147-A177-3AD203B41FA5}">
+                      <a16:colId xmlns:a16="http://schemas.microsoft.com/office/drawing/2014/main" val="2385388643"/>
+                    </a:ext>
+                  </a:extLst>
+                </a:gridCol>
+                <a:gridCol w="2032000">
+                  <a:extLst>
+                    <a:ext uri="{9D8B030D-6E8A-4147-A177-3AD203B41FA5}">
+                      <a16:colId xmlns:a16="http://schemas.microsoft.com/office/drawing/2014/main" val="592100179"/>
+                    </a:ext>
+                  </a:extLst>
+                </a:gridCol>
+                <a:gridCol w="2032000">
+                  <a:extLst>
+                    <a:ext uri="{9D8B030D-6E8A-4147-A177-3AD203B41FA5}">
+                      <a16:colId xmlns:a16="http://schemas.microsoft.com/office/drawing/2014/main" val="1467807811"/>
+                    </a:ext>
+                  </a:extLst>
+                </a:gridCol>
+              </a:tblGrid>
+              <a:tr h="370840">
+                <a:tc>
+                  <a:txBody>
+                    <a:bodyPr/>
+                    <a:lstStyle/>
+                    <a:p>
+                      <a:pPr latinLnBrk="1"/>
+                      <a:r>
+                        <a:rPr lang="ko-KR" altLang="en-US" sz="2400" dirty="0">
+                          <a:solidFill>
+                            <a:schemeClr val="bg1">
+                              <a:lumMod val="95000"/>
+                            </a:schemeClr>
+                          </a:solidFill>
+                        </a:rPr>
+                        <a:t>주</a:t>
+                      </a:r>
+                    </a:p>
+                  </a:txBody>
+                  <a:tcPr/>
+                </a:tc>
+                <a:tc>
+                  <a:txBody>
+                    <a:bodyPr/>
+                    <a:lstStyle/>
+                    <a:p>
+                      <a:pPr latinLnBrk="1"/>
+                      <a:r>
+                        <a:rPr lang="ko-KR" altLang="en-US" sz="2400" dirty="0" err="1">
+                          <a:solidFill>
+                            <a:schemeClr val="bg1">
+                              <a:lumMod val="95000"/>
+                            </a:schemeClr>
+                          </a:solidFill>
+                        </a:rPr>
+                        <a:t>커밋</a:t>
+                      </a:r>
+                      <a:r>
+                        <a:rPr lang="ko-KR" altLang="en-US" sz="2400" dirty="0">
+                          <a:solidFill>
+                            <a:schemeClr val="bg1">
+                              <a:lumMod val="95000"/>
+                            </a:schemeClr>
+                          </a:solidFill>
+                        </a:rPr>
+                        <a:t> 횟수</a:t>
+                      </a:r>
+                    </a:p>
+                  </a:txBody>
+                  <a:tcPr/>
+                </a:tc>
+                <a:tc>
+                  <a:txBody>
+                    <a:bodyPr/>
+                    <a:lstStyle/>
+                    <a:p>
+                      <a:pPr latinLnBrk="1"/>
+                      <a:r>
+                        <a:rPr lang="ko-KR" altLang="en-US" sz="2400" dirty="0">
+                          <a:solidFill>
+                            <a:schemeClr val="bg1">
+                              <a:lumMod val="95000"/>
+                            </a:schemeClr>
+                          </a:solidFill>
+                        </a:rPr>
+                        <a:t>주</a:t>
+                      </a:r>
+                    </a:p>
+                  </a:txBody>
+                  <a:tcPr/>
+                </a:tc>
+                <a:tc>
+                  <a:txBody>
+                    <a:bodyPr/>
+                    <a:lstStyle/>
+                    <a:p>
+                      <a:pPr latinLnBrk="1"/>
+                      <a:r>
+                        <a:rPr lang="ko-KR" altLang="en-US" sz="2400" dirty="0" err="1">
+                          <a:solidFill>
+                            <a:schemeClr val="bg1">
+                              <a:lumMod val="95000"/>
+                            </a:schemeClr>
+                          </a:solidFill>
+                        </a:rPr>
+                        <a:t>커밋</a:t>
+                      </a:r>
+                      <a:r>
+                        <a:rPr lang="ko-KR" altLang="en-US" sz="2400" dirty="0">
+                          <a:solidFill>
+                            <a:schemeClr val="bg1">
+                              <a:lumMod val="95000"/>
+                            </a:schemeClr>
+                          </a:solidFill>
+                        </a:rPr>
+                        <a:t> 횟수</a:t>
+                      </a:r>
+                    </a:p>
+                  </a:txBody>
+                  <a:tcPr/>
+                </a:tc>
+                <a:extLst>
+                  <a:ext uri="{0D108BD9-81ED-4DB2-BD59-A6C34878D82A}">
+                    <a16:rowId xmlns:a16="http://schemas.microsoft.com/office/drawing/2014/main" val="1744640740"/>
+                  </a:ext>
+                </a:extLst>
+              </a:tr>
+              <a:tr h="370840">
+                <a:tc>
+                  <a:txBody>
+                    <a:bodyPr/>
+                    <a:lstStyle/>
+                    <a:p>
+                      <a:pPr latinLnBrk="1"/>
+                      <a:r>
+                        <a:rPr lang="en-US" altLang="ko-KR" sz="2400" dirty="0"/>
+                        <a:t>1</a:t>
+                      </a:r>
+                      <a:endParaRPr lang="ko-KR" altLang="en-US" sz="2400" dirty="0"/>
+                    </a:p>
+                  </a:txBody>
+                  <a:tcPr/>
+                </a:tc>
+                <a:tc>
+                  <a:txBody>
+                    <a:bodyPr/>
+                    <a:lstStyle/>
+                    <a:p>
+                      <a:pPr latinLnBrk="1"/>
+                      <a:r>
+                        <a:rPr lang="en-US" altLang="ko-KR" sz="2400" dirty="0"/>
+                        <a:t>3</a:t>
+                      </a:r>
+                      <a:endParaRPr lang="ko-KR" altLang="en-US" sz="2400" dirty="0"/>
+                    </a:p>
+                  </a:txBody>
+                  <a:tcPr/>
+                </a:tc>
+                <a:tc>
+                  <a:txBody>
+                    <a:bodyPr/>
+                    <a:lstStyle/>
+                    <a:p>
+                      <a:pPr latinLnBrk="1"/>
+                      <a:r>
+                        <a:rPr lang="en-US" altLang="ko-KR" sz="2400" dirty="0"/>
+                        <a:t>6</a:t>
+                      </a:r>
+                      <a:endParaRPr lang="ko-KR" altLang="en-US" sz="2400" dirty="0"/>
+                    </a:p>
+                  </a:txBody>
+                  <a:tcPr/>
+                </a:tc>
+                <a:tc>
+                  <a:txBody>
+                    <a:bodyPr/>
+                    <a:lstStyle/>
+                    <a:p>
+                      <a:pPr latinLnBrk="1"/>
+                      <a:r>
+                        <a:rPr lang="en-US" altLang="ko-KR" sz="2400" dirty="0"/>
+                        <a:t>16</a:t>
+                      </a:r>
+                      <a:endParaRPr lang="ko-KR" altLang="en-US" sz="2400" dirty="0"/>
+                    </a:p>
+                  </a:txBody>
+                  <a:tcPr/>
+                </a:tc>
+                <a:extLst>
+                  <a:ext uri="{0D108BD9-81ED-4DB2-BD59-A6C34878D82A}">
+                    <a16:rowId xmlns:a16="http://schemas.microsoft.com/office/drawing/2014/main" val="1931862336"/>
+                  </a:ext>
+                </a:extLst>
+              </a:tr>
+              <a:tr h="370840">
+                <a:tc>
+                  <a:txBody>
+                    <a:bodyPr/>
+                    <a:lstStyle/>
+                    <a:p>
+                      <a:pPr latinLnBrk="1"/>
+                      <a:r>
+                        <a:rPr lang="en-US" altLang="ko-KR" sz="2400" dirty="0"/>
+                        <a:t>2</a:t>
+                      </a:r>
+                      <a:endParaRPr lang="ko-KR" altLang="en-US" sz="2400" dirty="0"/>
+                    </a:p>
+                  </a:txBody>
+                  <a:tcPr/>
+                </a:tc>
+                <a:tc>
+                  <a:txBody>
+                    <a:bodyPr/>
+                    <a:lstStyle/>
+                    <a:p>
+                      <a:pPr latinLnBrk="1"/>
+                      <a:r>
+                        <a:rPr lang="en-US" altLang="ko-KR" sz="2400" dirty="0"/>
+                        <a:t>7</a:t>
+                      </a:r>
+                      <a:endParaRPr lang="ko-KR" altLang="en-US" sz="2400" dirty="0"/>
+                    </a:p>
+                  </a:txBody>
+                  <a:tcPr/>
+                </a:tc>
+                <a:tc>
+                  <a:txBody>
+                    <a:bodyPr/>
+                    <a:lstStyle/>
+                    <a:p>
+                      <a:pPr latinLnBrk="1"/>
+                      <a:r>
+                        <a:rPr lang="en-US" altLang="ko-KR" sz="2400" dirty="0"/>
+                        <a:t>7</a:t>
+                      </a:r>
+                      <a:endParaRPr lang="ko-KR" altLang="en-US" sz="2400" dirty="0"/>
+                    </a:p>
+                  </a:txBody>
+                  <a:tcPr/>
+                </a:tc>
+                <a:tc>
+                  <a:txBody>
+                    <a:bodyPr/>
+                    <a:lstStyle/>
+                    <a:p>
+                      <a:pPr latinLnBrk="1"/>
+                      <a:r>
+                        <a:rPr lang="en-US" altLang="ko-KR" sz="2400" dirty="0"/>
+                        <a:t>16</a:t>
+                      </a:r>
+                      <a:endParaRPr lang="ko-KR" altLang="en-US" sz="2400" dirty="0"/>
+                    </a:p>
+                  </a:txBody>
+                  <a:tcPr/>
+                </a:tc>
+                <a:extLst>
+                  <a:ext uri="{0D108BD9-81ED-4DB2-BD59-A6C34878D82A}">
+                    <a16:rowId xmlns:a16="http://schemas.microsoft.com/office/drawing/2014/main" val="2985546052"/>
+                  </a:ext>
+                </a:extLst>
+              </a:tr>
+              <a:tr h="370840">
+                <a:tc>
+                  <a:txBody>
+                    <a:bodyPr/>
+                    <a:lstStyle/>
+                    <a:p>
+                      <a:pPr latinLnBrk="1"/>
+                      <a:r>
+                        <a:rPr lang="en-US" altLang="ko-KR" sz="2400" dirty="0"/>
+                        <a:t>3</a:t>
+                      </a:r>
+                      <a:endParaRPr lang="ko-KR" altLang="en-US" sz="2400" dirty="0"/>
+                    </a:p>
+                  </a:txBody>
+                  <a:tcPr/>
+                </a:tc>
+                <a:tc>
+                  <a:txBody>
+                    <a:bodyPr/>
+                    <a:lstStyle/>
+                    <a:p>
+                      <a:pPr latinLnBrk="1"/>
+                      <a:r>
+                        <a:rPr lang="en-US" altLang="ko-KR" sz="2400" dirty="0"/>
+                        <a:t>5</a:t>
+                      </a:r>
+                      <a:endParaRPr lang="ko-KR" altLang="en-US" sz="2400" dirty="0"/>
+                    </a:p>
+                  </a:txBody>
+                  <a:tcPr/>
+                </a:tc>
+                <a:tc>
+                  <a:txBody>
+                    <a:bodyPr/>
+                    <a:lstStyle/>
+                    <a:p>
+                      <a:pPr latinLnBrk="1"/>
+                      <a:r>
+                        <a:rPr lang="en-US" altLang="ko-KR" sz="2400" dirty="0"/>
+                        <a:t>8</a:t>
+                      </a:r>
+                      <a:endParaRPr lang="ko-KR" altLang="en-US" sz="2400" dirty="0"/>
+                    </a:p>
+                  </a:txBody>
+                  <a:tcPr/>
+                </a:tc>
+                <a:tc>
+                  <a:txBody>
+                    <a:bodyPr/>
+                    <a:lstStyle/>
+                    <a:p>
+                      <a:pPr latinLnBrk="1"/>
+                      <a:r>
+                        <a:rPr lang="en-US" altLang="ko-KR" sz="2400" dirty="0"/>
+                        <a:t>15</a:t>
+                      </a:r>
+                      <a:endParaRPr lang="ko-KR" altLang="en-US" sz="2400" dirty="0"/>
+                    </a:p>
+                  </a:txBody>
+                  <a:tcPr/>
+                </a:tc>
+                <a:extLst>
+                  <a:ext uri="{0D108BD9-81ED-4DB2-BD59-A6C34878D82A}">
+                    <a16:rowId xmlns:a16="http://schemas.microsoft.com/office/drawing/2014/main" val="611274546"/>
+                  </a:ext>
+                </a:extLst>
+              </a:tr>
+              <a:tr h="370840">
+                <a:tc>
+                  <a:txBody>
+                    <a:bodyPr/>
+                    <a:lstStyle/>
+                    <a:p>
+                      <a:pPr latinLnBrk="1"/>
+                      <a:r>
+                        <a:rPr lang="en-US" altLang="ko-KR" sz="2400" dirty="0"/>
+                        <a:t>4</a:t>
+                      </a:r>
+                      <a:endParaRPr lang="ko-KR" altLang="en-US" sz="2400" dirty="0"/>
+                    </a:p>
+                  </a:txBody>
+                  <a:tcPr/>
+                </a:tc>
+                <a:tc>
+                  <a:txBody>
+                    <a:bodyPr/>
+                    <a:lstStyle/>
+                    <a:p>
+                      <a:pPr latinLnBrk="1"/>
+                      <a:r>
+                        <a:rPr lang="en-US" altLang="ko-KR" sz="2400" dirty="0"/>
+                        <a:t>1</a:t>
+                      </a:r>
+                      <a:endParaRPr lang="ko-KR" altLang="en-US" sz="2400" dirty="0"/>
+                    </a:p>
+                  </a:txBody>
+                  <a:tcPr/>
+                </a:tc>
+                <a:tc>
+                  <a:txBody>
+                    <a:bodyPr/>
+                    <a:lstStyle/>
+                    <a:p>
+                      <a:pPr latinLnBrk="1"/>
+                      <a:r>
+                        <a:rPr lang="en-US" altLang="ko-KR" sz="2400" dirty="0"/>
+                        <a:t>9</a:t>
+                      </a:r>
+                      <a:endParaRPr lang="ko-KR" altLang="en-US" sz="2400" dirty="0"/>
+                    </a:p>
+                  </a:txBody>
+                  <a:tcPr/>
+                </a:tc>
+                <a:tc>
+                  <a:txBody>
+                    <a:bodyPr/>
+                    <a:lstStyle/>
+                    <a:p>
+                      <a:pPr latinLnBrk="1"/>
+                      <a:r>
+                        <a:rPr lang="en-US" altLang="ko-KR" sz="2400" dirty="0"/>
+                        <a:t>4 + </a:t>
+                      </a:r>
+                      <a:r>
+                        <a:rPr lang="el-GR" altLang="ko-KR" sz="2400" b="1" i="0" kern="1200" dirty="0">
+                          <a:solidFill>
+                            <a:schemeClr val="dk1"/>
+                          </a:solidFill>
+                          <a:effectLst/>
+                          <a:latin typeface="+mn-lt"/>
+                          <a:ea typeface="+mn-ea"/>
+                          <a:cs typeface="+mn-cs"/>
+                        </a:rPr>
+                        <a:t>α</a:t>
+                      </a:r>
+                      <a:endParaRPr lang="ko-KR" altLang="en-US" sz="2400" dirty="0"/>
+                    </a:p>
+                  </a:txBody>
+                  <a:tcPr/>
+                </a:tc>
+                <a:extLst>
+                  <a:ext uri="{0D108BD9-81ED-4DB2-BD59-A6C34878D82A}">
+                    <a16:rowId xmlns:a16="http://schemas.microsoft.com/office/drawing/2014/main" val="1531500963"/>
+                  </a:ext>
+                </a:extLst>
+              </a:tr>
+              <a:tr h="370840">
+                <a:tc>
+                  <a:txBody>
+                    <a:bodyPr/>
+                    <a:lstStyle/>
+                    <a:p>
+                      <a:pPr latinLnBrk="1"/>
+                      <a:r>
+                        <a:rPr lang="en-US" altLang="ko-KR" sz="2400" dirty="0"/>
+                        <a:t>5</a:t>
+                      </a:r>
+                      <a:endParaRPr lang="ko-KR" altLang="en-US" sz="2400" dirty="0"/>
+                    </a:p>
+                  </a:txBody>
+                  <a:tcPr/>
+                </a:tc>
+                <a:tc>
+                  <a:txBody>
+                    <a:bodyPr/>
+                    <a:lstStyle/>
+                    <a:p>
+                      <a:pPr latinLnBrk="1"/>
+                      <a:r>
+                        <a:rPr lang="en-US" altLang="ko-KR" sz="2400" dirty="0"/>
+                        <a:t>16</a:t>
+                      </a:r>
+                      <a:endParaRPr lang="ko-KR" altLang="en-US" sz="2400" dirty="0"/>
+                    </a:p>
+                  </a:txBody>
+                  <a:tcPr/>
+                </a:tc>
+                <a:tc>
+                  <a:txBody>
+                    <a:bodyPr/>
+                    <a:lstStyle/>
+                    <a:p>
+                      <a:pPr latinLnBrk="1"/>
+                      <a:endParaRPr lang="ko-KR" altLang="en-US" sz="2400" dirty="0"/>
+                    </a:p>
+                  </a:txBody>
+                  <a:tcPr/>
+                </a:tc>
+                <a:tc>
+                  <a:txBody>
+                    <a:bodyPr/>
+                    <a:lstStyle/>
+                    <a:p>
+                      <a:pPr latinLnBrk="1"/>
+                      <a:endParaRPr lang="ko-KR" altLang="en-US" sz="2400" dirty="0"/>
+                    </a:p>
+                  </a:txBody>
+                  <a:tcPr/>
+                </a:tc>
+                <a:extLst>
+                  <a:ext uri="{0D108BD9-81ED-4DB2-BD59-A6C34878D82A}">
+                    <a16:rowId xmlns:a16="http://schemas.microsoft.com/office/drawing/2014/main" val="3799988066"/>
+                  </a:ext>
+                </a:extLst>
+              </a:tr>
+            </a:tbl>
+          </a:graphicData>
+        </a:graphic>
+      </p:graphicFrame>
     </p:spTree>
     <p:extLst>
       <p:ext uri="{BB962C8B-B14F-4D97-AF65-F5344CB8AC3E}">
